--- a/Additional Information/PRISMA Example.pptx
+++ b/Additional Information/PRISMA Example.pptx
@@ -2,12 +2,15 @@
 <file path=ppt/presentation.xml><?xml version="1.0" encoding="utf-8"?>
 <p:presentation xmlns:a="http://schemas.openxmlformats.org/drawingml/2006/main" xmlns:r="http://schemas.openxmlformats.org/officeDocument/2006/relationships" xmlns:p="http://schemas.openxmlformats.org/presentationml/2006/main" saveSubsetFonts="1" autoCompressPictures="0">
   <p:sldMasterIdLst>
-    <p:sldMasterId id="2147483780" r:id="rId1"/>
+    <p:sldMasterId id="2147483840" r:id="rId1"/>
   </p:sldMasterIdLst>
+  <p:notesMasterIdLst>
+    <p:notesMasterId r:id="rId3"/>
+  </p:notesMasterIdLst>
   <p:sldIdLst>
     <p:sldId id="256" r:id="rId2"/>
   </p:sldIdLst>
-  <p:sldSz cx="23399750" cy="21599525"/>
+  <p:sldSz cx="25920700" cy="23760113"/>
   <p:notesSz cx="6858000" cy="9144000"/>
   <p:defaultTextStyle>
     <a:defPPr>
@@ -112,6 +115,445 @@
 </p:presentation>
 </file>
 
+<file path=ppt/notesMasters/notesMaster1.xml><?xml version="1.0" encoding="utf-8"?>
+<p:notesMaster xmlns:a="http://schemas.openxmlformats.org/drawingml/2006/main" xmlns:r="http://schemas.openxmlformats.org/officeDocument/2006/relationships" xmlns:p="http://schemas.openxmlformats.org/presentationml/2006/main">
+  <p:cSld>
+    <p:bg>
+      <p:bgRef idx="1001">
+        <a:schemeClr val="bg1"/>
+      </p:bgRef>
+    </p:bg>
+    <p:spTree>
+      <p:nvGrpSpPr>
+        <p:cNvPr id="1" name=""/>
+        <p:cNvGrpSpPr/>
+        <p:nvPr/>
+      </p:nvGrpSpPr>
+      <p:grpSpPr>
+        <a:xfrm>
+          <a:off x="0" y="0"/>
+          <a:ext cx="0" cy="0"/>
+          <a:chOff x="0" y="0"/>
+          <a:chExt cx="0" cy="0"/>
+        </a:xfrm>
+      </p:grpSpPr>
+      <p:sp>
+        <p:nvSpPr>
+          <p:cNvPr id="2" name="Header Placeholder 1"/>
+          <p:cNvSpPr>
+            <a:spLocks noGrp="1"/>
+          </p:cNvSpPr>
+          <p:nvPr>
+            <p:ph type="hdr" sz="quarter"/>
+          </p:nvPr>
+        </p:nvSpPr>
+        <p:spPr>
+          <a:xfrm>
+            <a:off x="0" y="0"/>
+            <a:ext cx="2971800" cy="458788"/>
+          </a:xfrm>
+          <a:prstGeom prst="rect">
+            <a:avLst/>
+          </a:prstGeom>
+        </p:spPr>
+        <p:txBody>
+          <a:bodyPr vert="horz" lIns="91440" tIns="45720" rIns="91440" bIns="45720" rtlCol="0"/>
+          <a:lstStyle>
+            <a:lvl1pPr algn="l">
+              <a:defRPr sz="1200"/>
+            </a:lvl1pPr>
+          </a:lstStyle>
+          <a:p>
+            <a:endParaRPr lang="en-US"/>
+          </a:p>
+        </p:txBody>
+      </p:sp>
+      <p:sp>
+        <p:nvSpPr>
+          <p:cNvPr id="3" name="Date Placeholder 2"/>
+          <p:cNvSpPr>
+            <a:spLocks noGrp="1"/>
+          </p:cNvSpPr>
+          <p:nvPr>
+            <p:ph type="dt" idx="1"/>
+          </p:nvPr>
+        </p:nvSpPr>
+        <p:spPr>
+          <a:xfrm>
+            <a:off x="3884613" y="0"/>
+            <a:ext cx="2971800" cy="458788"/>
+          </a:xfrm>
+          <a:prstGeom prst="rect">
+            <a:avLst/>
+          </a:prstGeom>
+        </p:spPr>
+        <p:txBody>
+          <a:bodyPr vert="horz" lIns="91440" tIns="45720" rIns="91440" bIns="45720" rtlCol="0"/>
+          <a:lstStyle>
+            <a:lvl1pPr algn="r">
+              <a:defRPr sz="1200"/>
+            </a:lvl1pPr>
+          </a:lstStyle>
+          <a:p>
+            <a:fld id="{19FB0225-B59B-D846-96CB-8681BDE1B0D6}" type="datetimeFigureOut">
+              <a:rPr lang="en-US" smtClean="0"/>
+              <a:t>6/24/25</a:t>
+            </a:fld>
+            <a:endParaRPr lang="en-US"/>
+          </a:p>
+        </p:txBody>
+      </p:sp>
+      <p:sp>
+        <p:nvSpPr>
+          <p:cNvPr id="4" name="Slide Image Placeholder 3"/>
+          <p:cNvSpPr>
+            <a:spLocks noGrp="1" noRot="1" noChangeAspect="1"/>
+          </p:cNvSpPr>
+          <p:nvPr>
+            <p:ph type="sldImg" idx="2"/>
+          </p:nvPr>
+        </p:nvSpPr>
+        <p:spPr>
+          <a:xfrm>
+            <a:off x="1746250" y="1143000"/>
+            <a:ext cx="3365500" cy="3086100"/>
+          </a:xfrm>
+          <a:prstGeom prst="rect">
+            <a:avLst/>
+          </a:prstGeom>
+          <a:noFill/>
+          <a:ln w="12700">
+            <a:solidFill>
+              <a:prstClr val="black"/>
+            </a:solidFill>
+          </a:ln>
+        </p:spPr>
+        <p:txBody>
+          <a:bodyPr vert="horz" lIns="91440" tIns="45720" rIns="91440" bIns="45720" rtlCol="0" anchor="ctr"/>
+          <a:lstStyle/>
+          <a:p>
+            <a:endParaRPr lang="en-US"/>
+          </a:p>
+        </p:txBody>
+      </p:sp>
+      <p:sp>
+        <p:nvSpPr>
+          <p:cNvPr id="5" name="Notes Placeholder 4"/>
+          <p:cNvSpPr>
+            <a:spLocks noGrp="1"/>
+          </p:cNvSpPr>
+          <p:nvPr>
+            <p:ph type="body" sz="quarter" idx="3"/>
+          </p:nvPr>
+        </p:nvSpPr>
+        <p:spPr>
+          <a:xfrm>
+            <a:off x="685800" y="4400550"/>
+            <a:ext cx="5486400" cy="3600450"/>
+          </a:xfrm>
+          <a:prstGeom prst="rect">
+            <a:avLst/>
+          </a:prstGeom>
+        </p:spPr>
+        <p:txBody>
+          <a:bodyPr vert="horz" lIns="91440" tIns="45720" rIns="91440" bIns="45720" rtlCol="0"/>
+          <a:lstStyle/>
+          <a:p>
+            <a:pPr lvl="0"/>
+            <a:r>
+              <a:rPr lang="en-GB"/>
+              <a:t>Click to edit Master text styles</a:t>
+            </a:r>
+          </a:p>
+          <a:p>
+            <a:pPr lvl="1"/>
+            <a:r>
+              <a:rPr lang="en-GB"/>
+              <a:t>Second level</a:t>
+            </a:r>
+          </a:p>
+          <a:p>
+            <a:pPr lvl="2"/>
+            <a:r>
+              <a:rPr lang="en-GB"/>
+              <a:t>Third level</a:t>
+            </a:r>
+          </a:p>
+          <a:p>
+            <a:pPr lvl="3"/>
+            <a:r>
+              <a:rPr lang="en-GB"/>
+              <a:t>Fourth level</a:t>
+            </a:r>
+          </a:p>
+          <a:p>
+            <a:pPr lvl="4"/>
+            <a:r>
+              <a:rPr lang="en-GB"/>
+              <a:t>Fifth level</a:t>
+            </a:r>
+            <a:endParaRPr lang="en-US"/>
+          </a:p>
+        </p:txBody>
+      </p:sp>
+      <p:sp>
+        <p:nvSpPr>
+          <p:cNvPr id="6" name="Footer Placeholder 5"/>
+          <p:cNvSpPr>
+            <a:spLocks noGrp="1"/>
+          </p:cNvSpPr>
+          <p:nvPr>
+            <p:ph type="ftr" sz="quarter" idx="4"/>
+          </p:nvPr>
+        </p:nvSpPr>
+        <p:spPr>
+          <a:xfrm>
+            <a:off x="0" y="8685213"/>
+            <a:ext cx="2971800" cy="458787"/>
+          </a:xfrm>
+          <a:prstGeom prst="rect">
+            <a:avLst/>
+          </a:prstGeom>
+        </p:spPr>
+        <p:txBody>
+          <a:bodyPr vert="horz" lIns="91440" tIns="45720" rIns="91440" bIns="45720" rtlCol="0" anchor="b"/>
+          <a:lstStyle>
+            <a:lvl1pPr algn="l">
+              <a:defRPr sz="1200"/>
+            </a:lvl1pPr>
+          </a:lstStyle>
+          <a:p>
+            <a:endParaRPr lang="en-US"/>
+          </a:p>
+        </p:txBody>
+      </p:sp>
+      <p:sp>
+        <p:nvSpPr>
+          <p:cNvPr id="7" name="Slide Number Placeholder 6"/>
+          <p:cNvSpPr>
+            <a:spLocks noGrp="1"/>
+          </p:cNvSpPr>
+          <p:nvPr>
+            <p:ph type="sldNum" sz="quarter" idx="5"/>
+          </p:nvPr>
+        </p:nvSpPr>
+        <p:spPr>
+          <a:xfrm>
+            <a:off x="3884613" y="8685213"/>
+            <a:ext cx="2971800" cy="458787"/>
+          </a:xfrm>
+          <a:prstGeom prst="rect">
+            <a:avLst/>
+          </a:prstGeom>
+        </p:spPr>
+        <p:txBody>
+          <a:bodyPr vert="horz" lIns="91440" tIns="45720" rIns="91440" bIns="45720" rtlCol="0" anchor="b"/>
+          <a:lstStyle>
+            <a:lvl1pPr algn="r">
+              <a:defRPr sz="1200"/>
+            </a:lvl1pPr>
+          </a:lstStyle>
+          <a:p>
+            <a:fld id="{EAAF7AA7-9740-4C43-BF13-671A759ED6C3}" type="slidenum">
+              <a:rPr lang="en-US" smtClean="0"/>
+              <a:t>‹#›</a:t>
+            </a:fld>
+            <a:endParaRPr lang="en-US"/>
+          </a:p>
+        </p:txBody>
+      </p:sp>
+    </p:spTree>
+    <p:extLst>
+      <p:ext uri="{BB962C8B-B14F-4D97-AF65-F5344CB8AC3E}">
+        <p14:creationId xmlns:p14="http://schemas.microsoft.com/office/powerpoint/2010/main" val="2948273100"/>
+      </p:ext>
+    </p:extLst>
+  </p:cSld>
+  <p:clrMap bg1="lt1" tx1="dk1" bg2="lt2" tx2="dk2" accent1="accent1" accent2="accent2" accent3="accent3" accent4="accent4" accent5="accent5" accent6="accent6" hlink="hlink" folHlink="folHlink"/>
+  <p:notesStyle>
+    <a:lvl1pPr marL="0" algn="l" defTabSz="914400" rtl="0" eaLnBrk="1" latinLnBrk="0" hangingPunct="1">
+      <a:defRPr sz="1200" kern="1200">
+        <a:solidFill>
+          <a:schemeClr val="tx1"/>
+        </a:solidFill>
+        <a:latin typeface="+mn-lt"/>
+        <a:ea typeface="+mn-ea"/>
+        <a:cs typeface="+mn-cs"/>
+      </a:defRPr>
+    </a:lvl1pPr>
+    <a:lvl2pPr marL="457200" algn="l" defTabSz="914400" rtl="0" eaLnBrk="1" latinLnBrk="0" hangingPunct="1">
+      <a:defRPr sz="1200" kern="1200">
+        <a:solidFill>
+          <a:schemeClr val="tx1"/>
+        </a:solidFill>
+        <a:latin typeface="+mn-lt"/>
+        <a:ea typeface="+mn-ea"/>
+        <a:cs typeface="+mn-cs"/>
+      </a:defRPr>
+    </a:lvl2pPr>
+    <a:lvl3pPr marL="914400" algn="l" defTabSz="914400" rtl="0" eaLnBrk="1" latinLnBrk="0" hangingPunct="1">
+      <a:defRPr sz="1200" kern="1200">
+        <a:solidFill>
+          <a:schemeClr val="tx1"/>
+        </a:solidFill>
+        <a:latin typeface="+mn-lt"/>
+        <a:ea typeface="+mn-ea"/>
+        <a:cs typeface="+mn-cs"/>
+      </a:defRPr>
+    </a:lvl3pPr>
+    <a:lvl4pPr marL="1371600" algn="l" defTabSz="914400" rtl="0" eaLnBrk="1" latinLnBrk="0" hangingPunct="1">
+      <a:defRPr sz="1200" kern="1200">
+        <a:solidFill>
+          <a:schemeClr val="tx1"/>
+        </a:solidFill>
+        <a:latin typeface="+mn-lt"/>
+        <a:ea typeface="+mn-ea"/>
+        <a:cs typeface="+mn-cs"/>
+      </a:defRPr>
+    </a:lvl4pPr>
+    <a:lvl5pPr marL="1828800" algn="l" defTabSz="914400" rtl="0" eaLnBrk="1" latinLnBrk="0" hangingPunct="1">
+      <a:defRPr sz="1200" kern="1200">
+        <a:solidFill>
+          <a:schemeClr val="tx1"/>
+        </a:solidFill>
+        <a:latin typeface="+mn-lt"/>
+        <a:ea typeface="+mn-ea"/>
+        <a:cs typeface="+mn-cs"/>
+      </a:defRPr>
+    </a:lvl5pPr>
+    <a:lvl6pPr marL="2286000" algn="l" defTabSz="914400" rtl="0" eaLnBrk="1" latinLnBrk="0" hangingPunct="1">
+      <a:defRPr sz="1200" kern="1200">
+        <a:solidFill>
+          <a:schemeClr val="tx1"/>
+        </a:solidFill>
+        <a:latin typeface="+mn-lt"/>
+        <a:ea typeface="+mn-ea"/>
+        <a:cs typeface="+mn-cs"/>
+      </a:defRPr>
+    </a:lvl6pPr>
+    <a:lvl7pPr marL="2743200" algn="l" defTabSz="914400" rtl="0" eaLnBrk="1" latinLnBrk="0" hangingPunct="1">
+      <a:defRPr sz="1200" kern="1200">
+        <a:solidFill>
+          <a:schemeClr val="tx1"/>
+        </a:solidFill>
+        <a:latin typeface="+mn-lt"/>
+        <a:ea typeface="+mn-ea"/>
+        <a:cs typeface="+mn-cs"/>
+      </a:defRPr>
+    </a:lvl7pPr>
+    <a:lvl8pPr marL="3200400" algn="l" defTabSz="914400" rtl="0" eaLnBrk="1" latinLnBrk="0" hangingPunct="1">
+      <a:defRPr sz="1200" kern="1200">
+        <a:solidFill>
+          <a:schemeClr val="tx1"/>
+        </a:solidFill>
+        <a:latin typeface="+mn-lt"/>
+        <a:ea typeface="+mn-ea"/>
+        <a:cs typeface="+mn-cs"/>
+      </a:defRPr>
+    </a:lvl8pPr>
+    <a:lvl9pPr marL="3657600" algn="l" defTabSz="914400" rtl="0" eaLnBrk="1" latinLnBrk="0" hangingPunct="1">
+      <a:defRPr sz="1200" kern="1200">
+        <a:solidFill>
+          <a:schemeClr val="tx1"/>
+        </a:solidFill>
+        <a:latin typeface="+mn-lt"/>
+        <a:ea typeface="+mn-ea"/>
+        <a:cs typeface="+mn-cs"/>
+      </a:defRPr>
+    </a:lvl9pPr>
+  </p:notesStyle>
+</p:notesMaster>
+</file>
+
+<file path=ppt/notesSlides/notesSlide1.xml><?xml version="1.0" encoding="utf-8"?>
+<p:notes xmlns:a="http://schemas.openxmlformats.org/drawingml/2006/main" xmlns:r="http://schemas.openxmlformats.org/officeDocument/2006/relationships" xmlns:p="http://schemas.openxmlformats.org/presentationml/2006/main">
+  <p:cSld>
+    <p:spTree>
+      <p:nvGrpSpPr>
+        <p:cNvPr id="1" name=""/>
+        <p:cNvGrpSpPr/>
+        <p:nvPr/>
+      </p:nvGrpSpPr>
+      <p:grpSpPr>
+        <a:xfrm>
+          <a:off x="0" y="0"/>
+          <a:ext cx="0" cy="0"/>
+          <a:chOff x="0" y="0"/>
+          <a:chExt cx="0" cy="0"/>
+        </a:xfrm>
+      </p:grpSpPr>
+      <p:sp>
+        <p:nvSpPr>
+          <p:cNvPr id="2" name="Slide Image Placeholder 1"/>
+          <p:cNvSpPr>
+            <a:spLocks noGrp="1" noRot="1" noChangeAspect="1"/>
+          </p:cNvSpPr>
+          <p:nvPr>
+            <p:ph type="sldImg"/>
+          </p:nvPr>
+        </p:nvSpPr>
+        <p:spPr>
+          <a:xfrm>
+            <a:off x="1746250" y="1143000"/>
+            <a:ext cx="3365500" cy="3086100"/>
+          </a:xfrm>
+        </p:spPr>
+      </p:sp>
+      <p:sp>
+        <p:nvSpPr>
+          <p:cNvPr id="3" name="Notes Placeholder 2"/>
+          <p:cNvSpPr>
+            <a:spLocks noGrp="1"/>
+          </p:cNvSpPr>
+          <p:nvPr>
+            <p:ph type="body" idx="1"/>
+          </p:nvPr>
+        </p:nvSpPr>
+        <p:spPr/>
+        <p:txBody>
+          <a:bodyPr/>
+          <a:lstStyle/>
+          <a:p>
+            <a:endParaRPr lang="en-US" dirty="0"/>
+          </a:p>
+        </p:txBody>
+      </p:sp>
+      <p:sp>
+        <p:nvSpPr>
+          <p:cNvPr id="4" name="Slide Number Placeholder 3"/>
+          <p:cNvSpPr>
+            <a:spLocks noGrp="1"/>
+          </p:cNvSpPr>
+          <p:nvPr>
+            <p:ph type="sldNum" sz="quarter" idx="5"/>
+          </p:nvPr>
+        </p:nvSpPr>
+        <p:spPr/>
+        <p:txBody>
+          <a:bodyPr/>
+          <a:lstStyle/>
+          <a:p>
+            <a:fld id="{EAAF7AA7-9740-4C43-BF13-671A759ED6C3}" type="slidenum">
+              <a:rPr lang="en-US" smtClean="0"/>
+              <a:t>1</a:t>
+            </a:fld>
+            <a:endParaRPr lang="en-US"/>
+          </a:p>
+        </p:txBody>
+      </p:sp>
+    </p:spTree>
+    <p:extLst>
+      <p:ext uri="{BB962C8B-B14F-4D97-AF65-F5344CB8AC3E}">
+        <p14:creationId xmlns:p14="http://schemas.microsoft.com/office/powerpoint/2010/main" val="825399076"/>
+      </p:ext>
+    </p:extLst>
+  </p:cSld>
+  <p:clrMapOvr>
+    <a:masterClrMapping/>
+  </p:clrMapOvr>
+</p:notes>
+</file>
+
 <file path=ppt/slideLayouts/slideLayout1.xml><?xml version="1.0" encoding="utf-8"?>
 <p:sldLayout xmlns:a="http://schemas.openxmlformats.org/drawingml/2006/main" xmlns:r="http://schemas.openxmlformats.org/officeDocument/2006/relationships" xmlns:p="http://schemas.openxmlformats.org/presentationml/2006/main" type="title" preserve="1">
   <p:cSld name="Title Slide">
@@ -141,15 +583,15 @@
         </p:nvSpPr>
         <p:spPr>
           <a:xfrm>
-            <a:off x="1754981" y="3534924"/>
-            <a:ext cx="19889788" cy="7519835"/>
+            <a:off x="1944053" y="3888520"/>
+            <a:ext cx="22032595" cy="8272039"/>
           </a:xfrm>
         </p:spPr>
         <p:txBody>
           <a:bodyPr anchor="b"/>
           <a:lstStyle>
             <a:lvl1pPr algn="ctr">
-              <a:defRPr sz="15354"/>
+              <a:defRPr sz="17008"/>
             </a:lvl1pPr>
           </a:lstStyle>
           <a:p>
@@ -173,8 +615,8 @@
         </p:nvSpPr>
         <p:spPr>
           <a:xfrm>
-            <a:off x="2924969" y="11344752"/>
-            <a:ext cx="17549813" cy="5214884"/>
+            <a:off x="3240088" y="12479561"/>
+            <a:ext cx="19440525" cy="5736526"/>
           </a:xfrm>
         </p:spPr>
         <p:txBody>
@@ -182,39 +624,39 @@
           <a:lstStyle>
             <a:lvl1pPr marL="0" indent="0" algn="ctr">
               <a:buNone/>
-              <a:defRPr sz="6142"/>
+              <a:defRPr sz="6803"/>
             </a:lvl1pPr>
-            <a:lvl2pPr marL="1169975" indent="0" algn="ctr">
+            <a:lvl2pPr marL="1296025" indent="0" algn="ctr">
               <a:buNone/>
-              <a:defRPr sz="5118"/>
+              <a:defRPr sz="5669"/>
             </a:lvl2pPr>
-            <a:lvl3pPr marL="2339950" indent="0" algn="ctr">
+            <a:lvl3pPr marL="2592050" indent="0" algn="ctr">
               <a:buNone/>
-              <a:defRPr sz="4606"/>
+              <a:defRPr sz="5102"/>
             </a:lvl3pPr>
-            <a:lvl4pPr marL="3509924" indent="0" algn="ctr">
+            <a:lvl4pPr marL="3888075" indent="0" algn="ctr">
               <a:buNone/>
-              <a:defRPr sz="4094"/>
+              <a:defRPr sz="4536"/>
             </a:lvl4pPr>
-            <a:lvl5pPr marL="4679899" indent="0" algn="ctr">
+            <a:lvl5pPr marL="5184099" indent="0" algn="ctr">
               <a:buNone/>
-              <a:defRPr sz="4094"/>
+              <a:defRPr sz="4536"/>
             </a:lvl5pPr>
-            <a:lvl6pPr marL="5849874" indent="0" algn="ctr">
+            <a:lvl6pPr marL="6480124" indent="0" algn="ctr">
               <a:buNone/>
-              <a:defRPr sz="4094"/>
+              <a:defRPr sz="4536"/>
             </a:lvl6pPr>
-            <a:lvl7pPr marL="7019849" indent="0" algn="ctr">
+            <a:lvl7pPr marL="7776149" indent="0" algn="ctr">
               <a:buNone/>
-              <a:defRPr sz="4094"/>
+              <a:defRPr sz="4536"/>
             </a:lvl7pPr>
-            <a:lvl8pPr marL="8189824" indent="0" algn="ctr">
+            <a:lvl8pPr marL="9072174" indent="0" algn="ctr">
               <a:buNone/>
-              <a:defRPr sz="4094"/>
+              <a:defRPr sz="4536"/>
             </a:lvl8pPr>
-            <a:lvl9pPr marL="9359798" indent="0" algn="ctr">
+            <a:lvl9pPr marL="10368199" indent="0" algn="ctr">
               <a:buNone/>
-              <a:defRPr sz="4094"/>
+              <a:defRPr sz="4536"/>
             </a:lvl9pPr>
           </a:lstStyle>
           <a:p>
@@ -243,7 +685,7 @@
           <a:p>
             <a:fld id="{D355926B-A641-7C41-A841-EAFFDE568C8A}" type="datetimeFigureOut">
               <a:rPr lang="en-US" smtClean="0"/>
-              <a:t>6/16/25</a:t>
+              <a:t>6/24/25</a:t>
             </a:fld>
             <a:endParaRPr lang="en-US"/>
           </a:p>
@@ -294,7 +736,7 @@
     </p:spTree>
     <p:extLst>
       <p:ext uri="{BB962C8B-B14F-4D97-AF65-F5344CB8AC3E}">
-        <p14:creationId xmlns:p14="http://schemas.microsoft.com/office/powerpoint/2010/main" val="1462102406"/>
+        <p14:creationId xmlns:p14="http://schemas.microsoft.com/office/powerpoint/2010/main" val="1205282279"/>
       </p:ext>
     </p:extLst>
   </p:cSld>
@@ -413,7 +855,7 @@
           <a:p>
             <a:fld id="{D355926B-A641-7C41-A841-EAFFDE568C8A}" type="datetimeFigureOut">
               <a:rPr lang="en-US" smtClean="0"/>
-              <a:t>6/16/25</a:t>
+              <a:t>6/24/25</a:t>
             </a:fld>
             <a:endParaRPr lang="en-US"/>
           </a:p>
@@ -464,7 +906,7 @@
     </p:spTree>
     <p:extLst>
       <p:ext uri="{BB962C8B-B14F-4D97-AF65-F5344CB8AC3E}">
-        <p14:creationId xmlns:p14="http://schemas.microsoft.com/office/powerpoint/2010/main" val="1367858361"/>
+        <p14:creationId xmlns:p14="http://schemas.microsoft.com/office/powerpoint/2010/main" val="1451940235"/>
       </p:ext>
     </p:extLst>
   </p:cSld>
@@ -503,8 +945,8 @@
         </p:nvSpPr>
         <p:spPr>
           <a:xfrm>
-            <a:off x="16745447" y="1149975"/>
-            <a:ext cx="5045571" cy="18304599"/>
+            <a:off x="18549502" y="1265006"/>
+            <a:ext cx="5589151" cy="20135597"/>
           </a:xfrm>
         </p:spPr>
         <p:txBody>
@@ -531,8 +973,8 @@
         </p:nvSpPr>
         <p:spPr>
           <a:xfrm>
-            <a:off x="1608734" y="1149975"/>
-            <a:ext cx="14844216" cy="18304599"/>
+            <a:off x="1782050" y="1265006"/>
+            <a:ext cx="16443444" cy="20135597"/>
           </a:xfrm>
         </p:spPr>
         <p:txBody>
@@ -593,7 +1035,7 @@
           <a:p>
             <a:fld id="{D355926B-A641-7C41-A841-EAFFDE568C8A}" type="datetimeFigureOut">
               <a:rPr lang="en-US" smtClean="0"/>
-              <a:t>6/16/25</a:t>
+              <a:t>6/24/25</a:t>
             </a:fld>
             <a:endParaRPr lang="en-US"/>
           </a:p>
@@ -644,7 +1086,7 @@
     </p:spTree>
     <p:extLst>
       <p:ext uri="{BB962C8B-B14F-4D97-AF65-F5344CB8AC3E}">
-        <p14:creationId xmlns:p14="http://schemas.microsoft.com/office/powerpoint/2010/main" val="281109356"/>
+        <p14:creationId xmlns:p14="http://schemas.microsoft.com/office/powerpoint/2010/main" val="1181022761"/>
       </p:ext>
     </p:extLst>
   </p:cSld>
@@ -763,7 +1205,7 @@
           <a:p>
             <a:fld id="{D355926B-A641-7C41-A841-EAFFDE568C8A}" type="datetimeFigureOut">
               <a:rPr lang="en-US" smtClean="0"/>
-              <a:t>6/16/25</a:t>
+              <a:t>6/24/25</a:t>
             </a:fld>
             <a:endParaRPr lang="en-US"/>
           </a:p>
@@ -814,7 +1256,7 @@
     </p:spTree>
     <p:extLst>
       <p:ext uri="{BB962C8B-B14F-4D97-AF65-F5344CB8AC3E}">
-        <p14:creationId xmlns:p14="http://schemas.microsoft.com/office/powerpoint/2010/main" val="1373983561"/>
+        <p14:creationId xmlns:p14="http://schemas.microsoft.com/office/powerpoint/2010/main" val="1389173219"/>
       </p:ext>
     </p:extLst>
   </p:cSld>
@@ -853,15 +1295,15 @@
         </p:nvSpPr>
         <p:spPr>
           <a:xfrm>
-            <a:off x="1596547" y="5384888"/>
-            <a:ext cx="20182284" cy="8984801"/>
+            <a:off x="1768549" y="5923535"/>
+            <a:ext cx="22356604" cy="9883545"/>
           </a:xfrm>
         </p:spPr>
         <p:txBody>
           <a:bodyPr anchor="b"/>
           <a:lstStyle>
             <a:lvl1pPr>
-              <a:defRPr sz="15354"/>
+              <a:defRPr sz="17008"/>
             </a:lvl1pPr>
           </a:lstStyle>
           <a:p>
@@ -885,8 +1327,8 @@
         </p:nvSpPr>
         <p:spPr>
           <a:xfrm>
-            <a:off x="1596547" y="14454688"/>
-            <a:ext cx="20182284" cy="4724895"/>
+            <a:off x="1768549" y="15900583"/>
+            <a:ext cx="22356604" cy="5197523"/>
           </a:xfrm>
         </p:spPr>
         <p:txBody>
@@ -894,7 +1336,7 @@
           <a:lstStyle>
             <a:lvl1pPr marL="0" indent="0">
               <a:buNone/>
-              <a:defRPr sz="6142">
+              <a:defRPr sz="6803">
                 <a:solidFill>
                   <a:schemeClr val="tx1">
                     <a:tint val="82000"/>
@@ -902,9 +1344,9 @@
                 </a:solidFill>
               </a:defRPr>
             </a:lvl1pPr>
-            <a:lvl2pPr marL="1169975" indent="0">
+            <a:lvl2pPr marL="1296025" indent="0">
               <a:buNone/>
-              <a:defRPr sz="5118">
+              <a:defRPr sz="5669">
                 <a:solidFill>
                   <a:schemeClr val="tx1">
                     <a:tint val="82000"/>
@@ -912,9 +1354,9 @@
                 </a:solidFill>
               </a:defRPr>
             </a:lvl2pPr>
-            <a:lvl3pPr marL="2339950" indent="0">
+            <a:lvl3pPr marL="2592050" indent="0">
               <a:buNone/>
-              <a:defRPr sz="4606">
+              <a:defRPr sz="5102">
                 <a:solidFill>
                   <a:schemeClr val="tx1">
                     <a:tint val="82000"/>
@@ -922,9 +1364,9 @@
                 </a:solidFill>
               </a:defRPr>
             </a:lvl3pPr>
-            <a:lvl4pPr marL="3509924" indent="0">
+            <a:lvl4pPr marL="3888075" indent="0">
               <a:buNone/>
-              <a:defRPr sz="4094">
+              <a:defRPr sz="4536">
                 <a:solidFill>
                   <a:schemeClr val="tx1">
                     <a:tint val="82000"/>
@@ -932,9 +1374,9 @@
                 </a:solidFill>
               </a:defRPr>
             </a:lvl4pPr>
-            <a:lvl5pPr marL="4679899" indent="0">
+            <a:lvl5pPr marL="5184099" indent="0">
               <a:buNone/>
-              <a:defRPr sz="4094">
+              <a:defRPr sz="4536">
                 <a:solidFill>
                   <a:schemeClr val="tx1">
                     <a:tint val="82000"/>
@@ -942,9 +1384,9 @@
                 </a:solidFill>
               </a:defRPr>
             </a:lvl5pPr>
-            <a:lvl6pPr marL="5849874" indent="0">
+            <a:lvl6pPr marL="6480124" indent="0">
               <a:buNone/>
-              <a:defRPr sz="4094">
+              <a:defRPr sz="4536">
                 <a:solidFill>
                   <a:schemeClr val="tx1">
                     <a:tint val="82000"/>
@@ -952,9 +1394,9 @@
                 </a:solidFill>
               </a:defRPr>
             </a:lvl6pPr>
-            <a:lvl7pPr marL="7019849" indent="0">
+            <a:lvl7pPr marL="7776149" indent="0">
               <a:buNone/>
-              <a:defRPr sz="4094">
+              <a:defRPr sz="4536">
                 <a:solidFill>
                   <a:schemeClr val="tx1">
                     <a:tint val="82000"/>
@@ -962,9 +1404,9 @@
                 </a:solidFill>
               </a:defRPr>
             </a:lvl7pPr>
-            <a:lvl8pPr marL="8189824" indent="0">
+            <a:lvl8pPr marL="9072174" indent="0">
               <a:buNone/>
-              <a:defRPr sz="4094">
+              <a:defRPr sz="4536">
                 <a:solidFill>
                   <a:schemeClr val="tx1">
                     <a:tint val="82000"/>
@@ -972,9 +1414,9 @@
                 </a:solidFill>
               </a:defRPr>
             </a:lvl8pPr>
-            <a:lvl9pPr marL="9359798" indent="0">
+            <a:lvl9pPr marL="10368199" indent="0">
               <a:buNone/>
-              <a:defRPr sz="4094">
+              <a:defRPr sz="4536">
                 <a:solidFill>
                   <a:schemeClr val="tx1">
                     <a:tint val="82000"/>
@@ -1009,7 +1451,7 @@
           <a:p>
             <a:fld id="{D355926B-A641-7C41-A841-EAFFDE568C8A}" type="datetimeFigureOut">
               <a:rPr lang="en-US" smtClean="0"/>
-              <a:t>6/16/25</a:t>
+              <a:t>6/24/25</a:t>
             </a:fld>
             <a:endParaRPr lang="en-US"/>
           </a:p>
@@ -1060,7 +1502,7 @@
     </p:spTree>
     <p:extLst>
       <p:ext uri="{BB962C8B-B14F-4D97-AF65-F5344CB8AC3E}">
-        <p14:creationId xmlns:p14="http://schemas.microsoft.com/office/powerpoint/2010/main" val="2370815843"/>
+        <p14:creationId xmlns:p14="http://schemas.microsoft.com/office/powerpoint/2010/main" val="916102580"/>
       </p:ext>
     </p:extLst>
   </p:cSld>
@@ -1122,8 +1564,8 @@
         </p:nvSpPr>
         <p:spPr>
           <a:xfrm>
-            <a:off x="1608733" y="5749874"/>
-            <a:ext cx="9944894" cy="13704700"/>
+            <a:off x="1782048" y="6325030"/>
+            <a:ext cx="11016298" cy="15075573"/>
           </a:xfrm>
         </p:spPr>
         <p:txBody>
@@ -1179,8 +1621,8 @@
         </p:nvSpPr>
         <p:spPr>
           <a:xfrm>
-            <a:off x="11846123" y="5749874"/>
-            <a:ext cx="9944894" cy="13704700"/>
+            <a:off x="13122354" y="6325030"/>
+            <a:ext cx="11016298" cy="15075573"/>
           </a:xfrm>
         </p:spPr>
         <p:txBody>
@@ -1241,7 +1683,7 @@
           <a:p>
             <a:fld id="{D355926B-A641-7C41-A841-EAFFDE568C8A}" type="datetimeFigureOut">
               <a:rPr lang="en-US" smtClean="0"/>
-              <a:t>6/16/25</a:t>
+              <a:t>6/24/25</a:t>
             </a:fld>
             <a:endParaRPr lang="en-US"/>
           </a:p>
@@ -1292,7 +1734,7 @@
     </p:spTree>
     <p:extLst>
       <p:ext uri="{BB962C8B-B14F-4D97-AF65-F5344CB8AC3E}">
-        <p14:creationId xmlns:p14="http://schemas.microsoft.com/office/powerpoint/2010/main" val="1323061111"/>
+        <p14:creationId xmlns:p14="http://schemas.microsoft.com/office/powerpoint/2010/main" val="3139128989"/>
       </p:ext>
     </p:extLst>
   </p:cSld>
@@ -1331,8 +1773,8 @@
         </p:nvSpPr>
         <p:spPr>
           <a:xfrm>
-            <a:off x="1611781" y="1149979"/>
-            <a:ext cx="20182284" cy="4174910"/>
+            <a:off x="1785424" y="1265011"/>
+            <a:ext cx="22356604" cy="4592524"/>
           </a:xfrm>
         </p:spPr>
         <p:txBody>
@@ -1359,8 +1801,8 @@
         </p:nvSpPr>
         <p:spPr>
           <a:xfrm>
-            <a:off x="1611783" y="5294885"/>
-            <a:ext cx="9899190" cy="2594941"/>
+            <a:off x="1785427" y="5824529"/>
+            <a:ext cx="10965669" cy="2854512"/>
           </a:xfrm>
         </p:spPr>
         <p:txBody>
@@ -1368,39 +1810,39 @@
           <a:lstStyle>
             <a:lvl1pPr marL="0" indent="0">
               <a:buNone/>
-              <a:defRPr sz="6142" b="1"/>
+              <a:defRPr sz="6803" b="1"/>
             </a:lvl1pPr>
-            <a:lvl2pPr marL="1169975" indent="0">
+            <a:lvl2pPr marL="1296025" indent="0">
               <a:buNone/>
-              <a:defRPr sz="5118" b="1"/>
+              <a:defRPr sz="5669" b="1"/>
             </a:lvl2pPr>
-            <a:lvl3pPr marL="2339950" indent="0">
+            <a:lvl3pPr marL="2592050" indent="0">
               <a:buNone/>
-              <a:defRPr sz="4606" b="1"/>
+              <a:defRPr sz="5102" b="1"/>
             </a:lvl3pPr>
-            <a:lvl4pPr marL="3509924" indent="0">
+            <a:lvl4pPr marL="3888075" indent="0">
               <a:buNone/>
-              <a:defRPr sz="4094" b="1"/>
+              <a:defRPr sz="4536" b="1"/>
             </a:lvl4pPr>
-            <a:lvl5pPr marL="4679899" indent="0">
+            <a:lvl5pPr marL="5184099" indent="0">
               <a:buNone/>
-              <a:defRPr sz="4094" b="1"/>
+              <a:defRPr sz="4536" b="1"/>
             </a:lvl5pPr>
-            <a:lvl6pPr marL="5849874" indent="0">
+            <a:lvl6pPr marL="6480124" indent="0">
               <a:buNone/>
-              <a:defRPr sz="4094" b="1"/>
+              <a:defRPr sz="4536" b="1"/>
             </a:lvl6pPr>
-            <a:lvl7pPr marL="7019849" indent="0">
+            <a:lvl7pPr marL="7776149" indent="0">
               <a:buNone/>
-              <a:defRPr sz="4094" b="1"/>
+              <a:defRPr sz="4536" b="1"/>
             </a:lvl7pPr>
-            <a:lvl8pPr marL="8189824" indent="0">
+            <a:lvl8pPr marL="9072174" indent="0">
               <a:buNone/>
-              <a:defRPr sz="4094" b="1"/>
+              <a:defRPr sz="4536" b="1"/>
             </a:lvl8pPr>
-            <a:lvl9pPr marL="9359798" indent="0">
+            <a:lvl9pPr marL="10368199" indent="0">
               <a:buNone/>
-              <a:defRPr sz="4094" b="1"/>
+              <a:defRPr sz="4536" b="1"/>
             </a:lvl9pPr>
           </a:lstStyle>
           <a:p>
@@ -1424,8 +1866,8 @@
         </p:nvSpPr>
         <p:spPr>
           <a:xfrm>
-            <a:off x="1611783" y="7889827"/>
-            <a:ext cx="9899190" cy="11604746"/>
+            <a:off x="1785427" y="8679041"/>
+            <a:ext cx="10965669" cy="12765562"/>
           </a:xfrm>
         </p:spPr>
         <p:txBody>
@@ -1481,8 +1923,8 @@
         </p:nvSpPr>
         <p:spPr>
           <a:xfrm>
-            <a:off x="11846124" y="5294885"/>
-            <a:ext cx="9947942" cy="2594941"/>
+            <a:off x="13122356" y="5824529"/>
+            <a:ext cx="11019674" cy="2854512"/>
           </a:xfrm>
         </p:spPr>
         <p:txBody>
@@ -1490,39 +1932,39 @@
           <a:lstStyle>
             <a:lvl1pPr marL="0" indent="0">
               <a:buNone/>
-              <a:defRPr sz="6142" b="1"/>
+              <a:defRPr sz="6803" b="1"/>
             </a:lvl1pPr>
-            <a:lvl2pPr marL="1169975" indent="0">
+            <a:lvl2pPr marL="1296025" indent="0">
               <a:buNone/>
-              <a:defRPr sz="5118" b="1"/>
+              <a:defRPr sz="5669" b="1"/>
             </a:lvl2pPr>
-            <a:lvl3pPr marL="2339950" indent="0">
+            <a:lvl3pPr marL="2592050" indent="0">
               <a:buNone/>
-              <a:defRPr sz="4606" b="1"/>
+              <a:defRPr sz="5102" b="1"/>
             </a:lvl3pPr>
-            <a:lvl4pPr marL="3509924" indent="0">
+            <a:lvl4pPr marL="3888075" indent="0">
               <a:buNone/>
-              <a:defRPr sz="4094" b="1"/>
+              <a:defRPr sz="4536" b="1"/>
             </a:lvl4pPr>
-            <a:lvl5pPr marL="4679899" indent="0">
+            <a:lvl5pPr marL="5184099" indent="0">
               <a:buNone/>
-              <a:defRPr sz="4094" b="1"/>
+              <a:defRPr sz="4536" b="1"/>
             </a:lvl5pPr>
-            <a:lvl6pPr marL="5849874" indent="0">
+            <a:lvl6pPr marL="6480124" indent="0">
               <a:buNone/>
-              <a:defRPr sz="4094" b="1"/>
+              <a:defRPr sz="4536" b="1"/>
             </a:lvl6pPr>
-            <a:lvl7pPr marL="7019849" indent="0">
+            <a:lvl7pPr marL="7776149" indent="0">
               <a:buNone/>
-              <a:defRPr sz="4094" b="1"/>
+              <a:defRPr sz="4536" b="1"/>
             </a:lvl7pPr>
-            <a:lvl8pPr marL="8189824" indent="0">
+            <a:lvl8pPr marL="9072174" indent="0">
               <a:buNone/>
-              <a:defRPr sz="4094" b="1"/>
+              <a:defRPr sz="4536" b="1"/>
             </a:lvl8pPr>
-            <a:lvl9pPr marL="9359798" indent="0">
+            <a:lvl9pPr marL="10368199" indent="0">
               <a:buNone/>
-              <a:defRPr sz="4094" b="1"/>
+              <a:defRPr sz="4536" b="1"/>
             </a:lvl9pPr>
           </a:lstStyle>
           <a:p>
@@ -1546,8 +1988,8 @@
         </p:nvSpPr>
         <p:spPr>
           <a:xfrm>
-            <a:off x="11846124" y="7889827"/>
-            <a:ext cx="9947942" cy="11604746"/>
+            <a:off x="13122356" y="8679041"/>
+            <a:ext cx="11019674" cy="12765562"/>
           </a:xfrm>
         </p:spPr>
         <p:txBody>
@@ -1608,7 +2050,7 @@
           <a:p>
             <a:fld id="{D355926B-A641-7C41-A841-EAFFDE568C8A}" type="datetimeFigureOut">
               <a:rPr lang="en-US" smtClean="0"/>
-              <a:t>6/16/25</a:t>
+              <a:t>6/24/25</a:t>
             </a:fld>
             <a:endParaRPr lang="en-US"/>
           </a:p>
@@ -1659,7 +2101,7 @@
     </p:spTree>
     <p:extLst>
       <p:ext uri="{BB962C8B-B14F-4D97-AF65-F5344CB8AC3E}">
-        <p14:creationId xmlns:p14="http://schemas.microsoft.com/office/powerpoint/2010/main" val="2965707049"/>
+        <p14:creationId xmlns:p14="http://schemas.microsoft.com/office/powerpoint/2010/main" val="1632140261"/>
       </p:ext>
     </p:extLst>
   </p:cSld>
@@ -1726,7 +2168,7 @@
           <a:p>
             <a:fld id="{D355926B-A641-7C41-A841-EAFFDE568C8A}" type="datetimeFigureOut">
               <a:rPr lang="en-US" smtClean="0"/>
-              <a:t>6/16/25</a:t>
+              <a:t>6/24/25</a:t>
             </a:fld>
             <a:endParaRPr lang="en-US"/>
           </a:p>
@@ -1777,7 +2219,7 @@
     </p:spTree>
     <p:extLst>
       <p:ext uri="{BB962C8B-B14F-4D97-AF65-F5344CB8AC3E}">
-        <p14:creationId xmlns:p14="http://schemas.microsoft.com/office/powerpoint/2010/main" val="3272045883"/>
+        <p14:creationId xmlns:p14="http://schemas.microsoft.com/office/powerpoint/2010/main" val="1666073576"/>
       </p:ext>
     </p:extLst>
   </p:cSld>
@@ -1821,7 +2263,7 @@
           <a:p>
             <a:fld id="{D355926B-A641-7C41-A841-EAFFDE568C8A}" type="datetimeFigureOut">
               <a:rPr lang="en-US" smtClean="0"/>
-              <a:t>6/16/25</a:t>
+              <a:t>6/24/25</a:t>
             </a:fld>
             <a:endParaRPr lang="en-US"/>
           </a:p>
@@ -1872,7 +2314,7 @@
     </p:spTree>
     <p:extLst>
       <p:ext uri="{BB962C8B-B14F-4D97-AF65-F5344CB8AC3E}">
-        <p14:creationId xmlns:p14="http://schemas.microsoft.com/office/powerpoint/2010/main" val="4124919019"/>
+        <p14:creationId xmlns:p14="http://schemas.microsoft.com/office/powerpoint/2010/main" val="3259992662"/>
       </p:ext>
     </p:extLst>
   </p:cSld>
@@ -1911,15 +2353,15 @@
         </p:nvSpPr>
         <p:spPr>
           <a:xfrm>
-            <a:off x="1611781" y="1439968"/>
-            <a:ext cx="7547028" cy="5039889"/>
+            <a:off x="1785424" y="1584008"/>
+            <a:ext cx="8360100" cy="5544026"/>
           </a:xfrm>
         </p:spPr>
         <p:txBody>
           <a:bodyPr anchor="b"/>
           <a:lstStyle>
             <a:lvl1pPr>
-              <a:defRPr sz="8189"/>
+              <a:defRPr sz="9071"/>
             </a:lvl1pPr>
           </a:lstStyle>
           <a:p>
@@ -1943,39 +2385,39 @@
         </p:nvSpPr>
         <p:spPr>
           <a:xfrm>
-            <a:off x="9947942" y="3109937"/>
-            <a:ext cx="11846123" cy="15349662"/>
+            <a:off x="11019674" y="3421022"/>
+            <a:ext cx="13122354" cy="16885080"/>
           </a:xfrm>
         </p:spPr>
         <p:txBody>
           <a:bodyPr/>
           <a:lstStyle>
             <a:lvl1pPr>
-              <a:defRPr sz="8189"/>
+              <a:defRPr sz="9071"/>
             </a:lvl1pPr>
             <a:lvl2pPr>
-              <a:defRPr sz="7165"/>
+              <a:defRPr sz="7937"/>
             </a:lvl2pPr>
             <a:lvl3pPr>
-              <a:defRPr sz="6142"/>
+              <a:defRPr sz="6803"/>
             </a:lvl3pPr>
             <a:lvl4pPr>
-              <a:defRPr sz="5118"/>
+              <a:defRPr sz="5669"/>
             </a:lvl4pPr>
             <a:lvl5pPr>
-              <a:defRPr sz="5118"/>
+              <a:defRPr sz="5669"/>
             </a:lvl5pPr>
             <a:lvl6pPr>
-              <a:defRPr sz="5118"/>
+              <a:defRPr sz="5669"/>
             </a:lvl6pPr>
             <a:lvl7pPr>
-              <a:defRPr sz="5118"/>
+              <a:defRPr sz="5669"/>
             </a:lvl7pPr>
             <a:lvl8pPr>
-              <a:defRPr sz="5118"/>
+              <a:defRPr sz="5669"/>
             </a:lvl8pPr>
             <a:lvl9pPr>
-              <a:defRPr sz="5118"/>
+              <a:defRPr sz="5669"/>
             </a:lvl9pPr>
           </a:lstStyle>
           <a:p>
@@ -2028,8 +2470,8 @@
         </p:nvSpPr>
         <p:spPr>
           <a:xfrm>
-            <a:off x="1611781" y="6479857"/>
-            <a:ext cx="7547028" cy="12004738"/>
+            <a:off x="1785424" y="7128034"/>
+            <a:ext cx="8360100" cy="13205565"/>
           </a:xfrm>
         </p:spPr>
         <p:txBody>
@@ -2037,39 +2479,39 @@
           <a:lstStyle>
             <a:lvl1pPr marL="0" indent="0">
               <a:buNone/>
-              <a:defRPr sz="4094"/>
+              <a:defRPr sz="4536"/>
             </a:lvl1pPr>
-            <a:lvl2pPr marL="1169975" indent="0">
+            <a:lvl2pPr marL="1296025" indent="0">
               <a:buNone/>
-              <a:defRPr sz="3583"/>
+              <a:defRPr sz="3969"/>
             </a:lvl2pPr>
-            <a:lvl3pPr marL="2339950" indent="0">
+            <a:lvl3pPr marL="2592050" indent="0">
               <a:buNone/>
-              <a:defRPr sz="3071"/>
+              <a:defRPr sz="3402"/>
             </a:lvl3pPr>
-            <a:lvl4pPr marL="3509924" indent="0">
+            <a:lvl4pPr marL="3888075" indent="0">
               <a:buNone/>
-              <a:defRPr sz="2559"/>
+              <a:defRPr sz="2835"/>
             </a:lvl4pPr>
-            <a:lvl5pPr marL="4679899" indent="0">
+            <a:lvl5pPr marL="5184099" indent="0">
               <a:buNone/>
-              <a:defRPr sz="2559"/>
+              <a:defRPr sz="2835"/>
             </a:lvl5pPr>
-            <a:lvl6pPr marL="5849874" indent="0">
+            <a:lvl6pPr marL="6480124" indent="0">
               <a:buNone/>
-              <a:defRPr sz="2559"/>
+              <a:defRPr sz="2835"/>
             </a:lvl6pPr>
-            <a:lvl7pPr marL="7019849" indent="0">
+            <a:lvl7pPr marL="7776149" indent="0">
               <a:buNone/>
-              <a:defRPr sz="2559"/>
+              <a:defRPr sz="2835"/>
             </a:lvl7pPr>
-            <a:lvl8pPr marL="8189824" indent="0">
+            <a:lvl8pPr marL="9072174" indent="0">
               <a:buNone/>
-              <a:defRPr sz="2559"/>
+              <a:defRPr sz="2835"/>
             </a:lvl8pPr>
-            <a:lvl9pPr marL="9359798" indent="0">
+            <a:lvl9pPr marL="10368199" indent="0">
               <a:buNone/>
-              <a:defRPr sz="2559"/>
+              <a:defRPr sz="2835"/>
             </a:lvl9pPr>
           </a:lstStyle>
           <a:p>
@@ -2098,7 +2540,7 @@
           <a:p>
             <a:fld id="{D355926B-A641-7C41-A841-EAFFDE568C8A}" type="datetimeFigureOut">
               <a:rPr lang="en-US" smtClean="0"/>
-              <a:t>6/16/25</a:t>
+              <a:t>6/24/25</a:t>
             </a:fld>
             <a:endParaRPr lang="en-US"/>
           </a:p>
@@ -2149,7 +2591,7 @@
     </p:spTree>
     <p:extLst>
       <p:ext uri="{BB962C8B-B14F-4D97-AF65-F5344CB8AC3E}">
-        <p14:creationId xmlns:p14="http://schemas.microsoft.com/office/powerpoint/2010/main" val="2322322418"/>
+        <p14:creationId xmlns:p14="http://schemas.microsoft.com/office/powerpoint/2010/main" val="2327472871"/>
       </p:ext>
     </p:extLst>
   </p:cSld>
@@ -2188,15 +2630,15 @@
         </p:nvSpPr>
         <p:spPr>
           <a:xfrm>
-            <a:off x="1611781" y="1439968"/>
-            <a:ext cx="7547028" cy="5039889"/>
+            <a:off x="1785424" y="1584008"/>
+            <a:ext cx="8360100" cy="5544026"/>
           </a:xfrm>
         </p:spPr>
         <p:txBody>
           <a:bodyPr anchor="b"/>
           <a:lstStyle>
             <a:lvl1pPr>
-              <a:defRPr sz="8189"/>
+              <a:defRPr sz="9071"/>
             </a:lvl1pPr>
           </a:lstStyle>
           <a:p>
@@ -2220,8 +2662,8 @@
         </p:nvSpPr>
         <p:spPr>
           <a:xfrm>
-            <a:off x="9947942" y="3109937"/>
-            <a:ext cx="11846123" cy="15349662"/>
+            <a:off x="11019674" y="3421022"/>
+            <a:ext cx="13122354" cy="16885080"/>
           </a:xfrm>
         </p:spPr>
         <p:txBody>
@@ -2229,39 +2671,39 @@
           <a:lstStyle>
             <a:lvl1pPr marL="0" indent="0">
               <a:buNone/>
-              <a:defRPr sz="8189"/>
+              <a:defRPr sz="9071"/>
             </a:lvl1pPr>
-            <a:lvl2pPr marL="1169975" indent="0">
+            <a:lvl2pPr marL="1296025" indent="0">
               <a:buNone/>
-              <a:defRPr sz="7165"/>
+              <a:defRPr sz="7937"/>
             </a:lvl2pPr>
-            <a:lvl3pPr marL="2339950" indent="0">
+            <a:lvl3pPr marL="2592050" indent="0">
               <a:buNone/>
-              <a:defRPr sz="6142"/>
+              <a:defRPr sz="6803"/>
             </a:lvl3pPr>
-            <a:lvl4pPr marL="3509924" indent="0">
+            <a:lvl4pPr marL="3888075" indent="0">
               <a:buNone/>
-              <a:defRPr sz="5118"/>
+              <a:defRPr sz="5669"/>
             </a:lvl4pPr>
-            <a:lvl5pPr marL="4679899" indent="0">
+            <a:lvl5pPr marL="5184099" indent="0">
               <a:buNone/>
-              <a:defRPr sz="5118"/>
+              <a:defRPr sz="5669"/>
             </a:lvl5pPr>
-            <a:lvl6pPr marL="5849874" indent="0">
+            <a:lvl6pPr marL="6480124" indent="0">
               <a:buNone/>
-              <a:defRPr sz="5118"/>
+              <a:defRPr sz="5669"/>
             </a:lvl6pPr>
-            <a:lvl7pPr marL="7019849" indent="0">
+            <a:lvl7pPr marL="7776149" indent="0">
               <a:buNone/>
-              <a:defRPr sz="5118"/>
+              <a:defRPr sz="5669"/>
             </a:lvl7pPr>
-            <a:lvl8pPr marL="8189824" indent="0">
+            <a:lvl8pPr marL="9072174" indent="0">
               <a:buNone/>
-              <a:defRPr sz="5118"/>
+              <a:defRPr sz="5669"/>
             </a:lvl8pPr>
-            <a:lvl9pPr marL="9359798" indent="0">
+            <a:lvl9pPr marL="10368199" indent="0">
               <a:buNone/>
-              <a:defRPr sz="5118"/>
+              <a:defRPr sz="5669"/>
             </a:lvl9pPr>
           </a:lstStyle>
           <a:p>
@@ -2285,8 +2727,8 @@
         </p:nvSpPr>
         <p:spPr>
           <a:xfrm>
-            <a:off x="1611781" y="6479857"/>
-            <a:ext cx="7547028" cy="12004738"/>
+            <a:off x="1785424" y="7128034"/>
+            <a:ext cx="8360100" cy="13205565"/>
           </a:xfrm>
         </p:spPr>
         <p:txBody>
@@ -2294,39 +2736,39 @@
           <a:lstStyle>
             <a:lvl1pPr marL="0" indent="0">
               <a:buNone/>
-              <a:defRPr sz="4094"/>
+              <a:defRPr sz="4536"/>
             </a:lvl1pPr>
-            <a:lvl2pPr marL="1169975" indent="0">
+            <a:lvl2pPr marL="1296025" indent="0">
               <a:buNone/>
-              <a:defRPr sz="3583"/>
+              <a:defRPr sz="3969"/>
             </a:lvl2pPr>
-            <a:lvl3pPr marL="2339950" indent="0">
+            <a:lvl3pPr marL="2592050" indent="0">
               <a:buNone/>
-              <a:defRPr sz="3071"/>
+              <a:defRPr sz="3402"/>
             </a:lvl3pPr>
-            <a:lvl4pPr marL="3509924" indent="0">
+            <a:lvl4pPr marL="3888075" indent="0">
               <a:buNone/>
-              <a:defRPr sz="2559"/>
+              <a:defRPr sz="2835"/>
             </a:lvl4pPr>
-            <a:lvl5pPr marL="4679899" indent="0">
+            <a:lvl5pPr marL="5184099" indent="0">
               <a:buNone/>
-              <a:defRPr sz="2559"/>
+              <a:defRPr sz="2835"/>
             </a:lvl5pPr>
-            <a:lvl6pPr marL="5849874" indent="0">
+            <a:lvl6pPr marL="6480124" indent="0">
               <a:buNone/>
-              <a:defRPr sz="2559"/>
+              <a:defRPr sz="2835"/>
             </a:lvl6pPr>
-            <a:lvl7pPr marL="7019849" indent="0">
+            <a:lvl7pPr marL="7776149" indent="0">
               <a:buNone/>
-              <a:defRPr sz="2559"/>
+              <a:defRPr sz="2835"/>
             </a:lvl7pPr>
-            <a:lvl8pPr marL="8189824" indent="0">
+            <a:lvl8pPr marL="9072174" indent="0">
               <a:buNone/>
-              <a:defRPr sz="2559"/>
+              <a:defRPr sz="2835"/>
             </a:lvl8pPr>
-            <a:lvl9pPr marL="9359798" indent="0">
+            <a:lvl9pPr marL="10368199" indent="0">
               <a:buNone/>
-              <a:defRPr sz="2559"/>
+              <a:defRPr sz="2835"/>
             </a:lvl9pPr>
           </a:lstStyle>
           <a:p>
@@ -2355,7 +2797,7 @@
           <a:p>
             <a:fld id="{D355926B-A641-7C41-A841-EAFFDE568C8A}" type="datetimeFigureOut">
               <a:rPr lang="en-US" smtClean="0"/>
-              <a:t>6/16/25</a:t>
+              <a:t>6/24/25</a:t>
             </a:fld>
             <a:endParaRPr lang="en-US"/>
           </a:p>
@@ -2406,7 +2848,7 @@
     </p:spTree>
     <p:extLst>
       <p:ext uri="{BB962C8B-B14F-4D97-AF65-F5344CB8AC3E}">
-        <p14:creationId xmlns:p14="http://schemas.microsoft.com/office/powerpoint/2010/main" val="450557753"/>
+        <p14:creationId xmlns:p14="http://schemas.microsoft.com/office/powerpoint/2010/main" val="458092734"/>
       </p:ext>
     </p:extLst>
   </p:cSld>
@@ -2450,8 +2892,8 @@
         </p:nvSpPr>
         <p:spPr>
           <a:xfrm>
-            <a:off x="1608733" y="1149979"/>
-            <a:ext cx="20182284" cy="4174910"/>
+            <a:off x="1782048" y="1265011"/>
+            <a:ext cx="22356604" cy="4592524"/>
           </a:xfrm>
           <a:prstGeom prst="rect">
             <a:avLst/>
@@ -2483,8 +2925,8 @@
         </p:nvSpPr>
         <p:spPr>
           <a:xfrm>
-            <a:off x="1608733" y="5749874"/>
-            <a:ext cx="20182284" cy="13704700"/>
+            <a:off x="1782048" y="6325030"/>
+            <a:ext cx="22356604" cy="15075573"/>
           </a:xfrm>
           <a:prstGeom prst="rect">
             <a:avLst/>
@@ -2545,8 +2987,8 @@
         </p:nvSpPr>
         <p:spPr>
           <a:xfrm>
-            <a:off x="1608733" y="20019564"/>
-            <a:ext cx="5264944" cy="1149975"/>
+            <a:off x="1782048" y="22022110"/>
+            <a:ext cx="5832158" cy="1265006"/>
           </a:xfrm>
           <a:prstGeom prst="rect">
             <a:avLst/>
@@ -2556,7 +2998,7 @@
           <a:bodyPr vert="horz" lIns="91440" tIns="45720" rIns="91440" bIns="45720" rtlCol="0" anchor="ctr"/>
           <a:lstStyle>
             <a:lvl1pPr algn="l">
-              <a:defRPr sz="3071">
+              <a:defRPr sz="3402">
                 <a:solidFill>
                   <a:schemeClr val="tx1">
                     <a:tint val="82000"/>
@@ -2568,7 +3010,7 @@
           <a:p>
             <a:fld id="{D355926B-A641-7C41-A841-EAFFDE568C8A}" type="datetimeFigureOut">
               <a:rPr lang="en-US" smtClean="0"/>
-              <a:t>6/16/25</a:t>
+              <a:t>6/24/25</a:t>
             </a:fld>
             <a:endParaRPr lang="en-US"/>
           </a:p>
@@ -2586,8 +3028,8 @@
         </p:nvSpPr>
         <p:spPr>
           <a:xfrm>
-            <a:off x="7751167" y="20019564"/>
-            <a:ext cx="7897416" cy="1149975"/>
+            <a:off x="8586232" y="22022110"/>
+            <a:ext cx="8748236" cy="1265006"/>
           </a:xfrm>
           <a:prstGeom prst="rect">
             <a:avLst/>
@@ -2597,7 +3039,7 @@
           <a:bodyPr vert="horz" lIns="91440" tIns="45720" rIns="91440" bIns="45720" rtlCol="0" anchor="ctr"/>
           <a:lstStyle>
             <a:lvl1pPr algn="ctr">
-              <a:defRPr sz="3071">
+              <a:defRPr sz="3402">
                 <a:solidFill>
                   <a:schemeClr val="tx1">
                     <a:tint val="82000"/>
@@ -2623,8 +3065,8 @@
         </p:nvSpPr>
         <p:spPr>
           <a:xfrm>
-            <a:off x="16526073" y="20019564"/>
-            <a:ext cx="5264944" cy="1149975"/>
+            <a:off x="18306494" y="22022110"/>
+            <a:ext cx="5832158" cy="1265006"/>
           </a:xfrm>
           <a:prstGeom prst="rect">
             <a:avLst/>
@@ -2634,7 +3076,7 @@
           <a:bodyPr vert="horz" lIns="91440" tIns="45720" rIns="91440" bIns="45720" rtlCol="0" anchor="ctr"/>
           <a:lstStyle>
             <a:lvl1pPr algn="r">
-              <a:defRPr sz="3071">
+              <a:defRPr sz="3402">
                 <a:solidFill>
                   <a:schemeClr val="tx1">
                     <a:tint val="82000"/>
@@ -2655,27 +3097,27 @@
     </p:spTree>
     <p:extLst>
       <p:ext uri="{BB962C8B-B14F-4D97-AF65-F5344CB8AC3E}">
-        <p14:creationId xmlns:p14="http://schemas.microsoft.com/office/powerpoint/2010/main" val="355957237"/>
+        <p14:creationId xmlns:p14="http://schemas.microsoft.com/office/powerpoint/2010/main" val="2680924245"/>
       </p:ext>
     </p:extLst>
   </p:cSld>
   <p:clrMap bg1="lt1" tx1="dk1" bg2="lt2" tx2="dk2" accent1="accent1" accent2="accent2" accent3="accent3" accent4="accent4" accent5="accent5" accent6="accent6" hlink="hlink" folHlink="folHlink"/>
   <p:sldLayoutIdLst>
-    <p:sldLayoutId id="2147483781" r:id="rId1"/>
-    <p:sldLayoutId id="2147483782" r:id="rId2"/>
-    <p:sldLayoutId id="2147483783" r:id="rId3"/>
-    <p:sldLayoutId id="2147483784" r:id="rId4"/>
-    <p:sldLayoutId id="2147483785" r:id="rId5"/>
-    <p:sldLayoutId id="2147483786" r:id="rId6"/>
-    <p:sldLayoutId id="2147483787" r:id="rId7"/>
-    <p:sldLayoutId id="2147483788" r:id="rId8"/>
-    <p:sldLayoutId id="2147483789" r:id="rId9"/>
-    <p:sldLayoutId id="2147483790" r:id="rId10"/>
-    <p:sldLayoutId id="2147483791" r:id="rId11"/>
+    <p:sldLayoutId id="2147483841" r:id="rId1"/>
+    <p:sldLayoutId id="2147483842" r:id="rId2"/>
+    <p:sldLayoutId id="2147483843" r:id="rId3"/>
+    <p:sldLayoutId id="2147483844" r:id="rId4"/>
+    <p:sldLayoutId id="2147483845" r:id="rId5"/>
+    <p:sldLayoutId id="2147483846" r:id="rId6"/>
+    <p:sldLayoutId id="2147483847" r:id="rId7"/>
+    <p:sldLayoutId id="2147483848" r:id="rId8"/>
+    <p:sldLayoutId id="2147483849" r:id="rId9"/>
+    <p:sldLayoutId id="2147483850" r:id="rId10"/>
+    <p:sldLayoutId id="2147483851" r:id="rId11"/>
   </p:sldLayoutIdLst>
   <p:txStyles>
     <p:titleStyle>
-      <a:lvl1pPr algn="l" defTabSz="2339950" rtl="0" eaLnBrk="1" latinLnBrk="0" hangingPunct="1">
+      <a:lvl1pPr algn="l" defTabSz="2592050" rtl="0" eaLnBrk="1" latinLnBrk="0" hangingPunct="1">
         <a:lnSpc>
           <a:spcPct val="90000"/>
         </a:lnSpc>
@@ -2683,7 +3125,7 @@
           <a:spcPct val="0"/>
         </a:spcBef>
         <a:buNone/>
-        <a:defRPr sz="11260" kern="1200">
+        <a:defRPr sz="12473" kern="1200">
           <a:solidFill>
             <a:schemeClr val="tx1"/>
           </a:solidFill>
@@ -2694,16 +3136,16 @@
       </a:lvl1pPr>
     </p:titleStyle>
     <p:bodyStyle>
-      <a:lvl1pPr marL="584987" indent="-584987" algn="l" defTabSz="2339950" rtl="0" eaLnBrk="1" latinLnBrk="0" hangingPunct="1">
+      <a:lvl1pPr marL="648012" indent="-648012" algn="l" defTabSz="2592050" rtl="0" eaLnBrk="1" latinLnBrk="0" hangingPunct="1">
         <a:lnSpc>
           <a:spcPct val="90000"/>
         </a:lnSpc>
         <a:spcBef>
-          <a:spcPts val="2559"/>
+          <a:spcPts val="2835"/>
         </a:spcBef>
         <a:buFont typeface="Arial" panose="020B0604020202020204" pitchFamily="34" charset="0"/>
         <a:buChar char="•"/>
-        <a:defRPr sz="7165" kern="1200">
+        <a:defRPr sz="7937" kern="1200">
           <a:solidFill>
             <a:schemeClr val="tx1"/>
           </a:solidFill>
@@ -2712,16 +3154,16 @@
           <a:cs typeface="+mn-cs"/>
         </a:defRPr>
       </a:lvl1pPr>
-      <a:lvl2pPr marL="1754962" indent="-584987" algn="l" defTabSz="2339950" rtl="0" eaLnBrk="1" latinLnBrk="0" hangingPunct="1">
+      <a:lvl2pPr marL="1944037" indent="-648012" algn="l" defTabSz="2592050" rtl="0" eaLnBrk="1" latinLnBrk="0" hangingPunct="1">
         <a:lnSpc>
           <a:spcPct val="90000"/>
         </a:lnSpc>
         <a:spcBef>
-          <a:spcPts val="1280"/>
+          <a:spcPts val="1417"/>
         </a:spcBef>
         <a:buFont typeface="Arial" panose="020B0604020202020204" pitchFamily="34" charset="0"/>
         <a:buChar char="•"/>
-        <a:defRPr sz="6142" kern="1200">
+        <a:defRPr sz="6803" kern="1200">
           <a:solidFill>
             <a:schemeClr val="tx1"/>
           </a:solidFill>
@@ -2730,16 +3172,16 @@
           <a:cs typeface="+mn-cs"/>
         </a:defRPr>
       </a:lvl2pPr>
-      <a:lvl3pPr marL="2924937" indent="-584987" algn="l" defTabSz="2339950" rtl="0" eaLnBrk="1" latinLnBrk="0" hangingPunct="1">
+      <a:lvl3pPr marL="3240062" indent="-648012" algn="l" defTabSz="2592050" rtl="0" eaLnBrk="1" latinLnBrk="0" hangingPunct="1">
         <a:lnSpc>
           <a:spcPct val="90000"/>
         </a:lnSpc>
         <a:spcBef>
-          <a:spcPts val="1280"/>
+          <a:spcPts val="1417"/>
         </a:spcBef>
         <a:buFont typeface="Arial" panose="020B0604020202020204" pitchFamily="34" charset="0"/>
         <a:buChar char="•"/>
-        <a:defRPr sz="5118" kern="1200">
+        <a:defRPr sz="5669" kern="1200">
           <a:solidFill>
             <a:schemeClr val="tx1"/>
           </a:solidFill>
@@ -2748,16 +3190,16 @@
           <a:cs typeface="+mn-cs"/>
         </a:defRPr>
       </a:lvl3pPr>
-      <a:lvl4pPr marL="4094912" indent="-584987" algn="l" defTabSz="2339950" rtl="0" eaLnBrk="1" latinLnBrk="0" hangingPunct="1">
+      <a:lvl4pPr marL="4536087" indent="-648012" algn="l" defTabSz="2592050" rtl="0" eaLnBrk="1" latinLnBrk="0" hangingPunct="1">
         <a:lnSpc>
           <a:spcPct val="90000"/>
         </a:lnSpc>
         <a:spcBef>
-          <a:spcPts val="1280"/>
+          <a:spcPts val="1417"/>
         </a:spcBef>
         <a:buFont typeface="Arial" panose="020B0604020202020204" pitchFamily="34" charset="0"/>
         <a:buChar char="•"/>
-        <a:defRPr sz="4606" kern="1200">
+        <a:defRPr sz="5102" kern="1200">
           <a:solidFill>
             <a:schemeClr val="tx1"/>
           </a:solidFill>
@@ -2766,16 +3208,16 @@
           <a:cs typeface="+mn-cs"/>
         </a:defRPr>
       </a:lvl4pPr>
-      <a:lvl5pPr marL="5264887" indent="-584987" algn="l" defTabSz="2339950" rtl="0" eaLnBrk="1" latinLnBrk="0" hangingPunct="1">
+      <a:lvl5pPr marL="5832112" indent="-648012" algn="l" defTabSz="2592050" rtl="0" eaLnBrk="1" latinLnBrk="0" hangingPunct="1">
         <a:lnSpc>
           <a:spcPct val="90000"/>
         </a:lnSpc>
         <a:spcBef>
-          <a:spcPts val="1280"/>
+          <a:spcPts val="1417"/>
         </a:spcBef>
         <a:buFont typeface="Arial" panose="020B0604020202020204" pitchFamily="34" charset="0"/>
         <a:buChar char="•"/>
-        <a:defRPr sz="4606" kern="1200">
+        <a:defRPr sz="5102" kern="1200">
           <a:solidFill>
             <a:schemeClr val="tx1"/>
           </a:solidFill>
@@ -2784,16 +3226,16 @@
           <a:cs typeface="+mn-cs"/>
         </a:defRPr>
       </a:lvl5pPr>
-      <a:lvl6pPr marL="6434861" indent="-584987" algn="l" defTabSz="2339950" rtl="0" eaLnBrk="1" latinLnBrk="0" hangingPunct="1">
+      <a:lvl6pPr marL="7128137" indent="-648012" algn="l" defTabSz="2592050" rtl="0" eaLnBrk="1" latinLnBrk="0" hangingPunct="1">
         <a:lnSpc>
           <a:spcPct val="90000"/>
         </a:lnSpc>
         <a:spcBef>
-          <a:spcPts val="1280"/>
+          <a:spcPts val="1417"/>
         </a:spcBef>
         <a:buFont typeface="Arial" panose="020B0604020202020204" pitchFamily="34" charset="0"/>
         <a:buChar char="•"/>
-        <a:defRPr sz="4606" kern="1200">
+        <a:defRPr sz="5102" kern="1200">
           <a:solidFill>
             <a:schemeClr val="tx1"/>
           </a:solidFill>
@@ -2802,16 +3244,16 @@
           <a:cs typeface="+mn-cs"/>
         </a:defRPr>
       </a:lvl6pPr>
-      <a:lvl7pPr marL="7604836" indent="-584987" algn="l" defTabSz="2339950" rtl="0" eaLnBrk="1" latinLnBrk="0" hangingPunct="1">
+      <a:lvl7pPr marL="8424161" indent="-648012" algn="l" defTabSz="2592050" rtl="0" eaLnBrk="1" latinLnBrk="0" hangingPunct="1">
         <a:lnSpc>
           <a:spcPct val="90000"/>
         </a:lnSpc>
         <a:spcBef>
-          <a:spcPts val="1280"/>
+          <a:spcPts val="1417"/>
         </a:spcBef>
         <a:buFont typeface="Arial" panose="020B0604020202020204" pitchFamily="34" charset="0"/>
         <a:buChar char="•"/>
-        <a:defRPr sz="4606" kern="1200">
+        <a:defRPr sz="5102" kern="1200">
           <a:solidFill>
             <a:schemeClr val="tx1"/>
           </a:solidFill>
@@ -2820,16 +3262,16 @@
           <a:cs typeface="+mn-cs"/>
         </a:defRPr>
       </a:lvl7pPr>
-      <a:lvl8pPr marL="8774811" indent="-584987" algn="l" defTabSz="2339950" rtl="0" eaLnBrk="1" latinLnBrk="0" hangingPunct="1">
+      <a:lvl8pPr marL="9720186" indent="-648012" algn="l" defTabSz="2592050" rtl="0" eaLnBrk="1" latinLnBrk="0" hangingPunct="1">
         <a:lnSpc>
           <a:spcPct val="90000"/>
         </a:lnSpc>
         <a:spcBef>
-          <a:spcPts val="1280"/>
+          <a:spcPts val="1417"/>
         </a:spcBef>
         <a:buFont typeface="Arial" panose="020B0604020202020204" pitchFamily="34" charset="0"/>
         <a:buChar char="•"/>
-        <a:defRPr sz="4606" kern="1200">
+        <a:defRPr sz="5102" kern="1200">
           <a:solidFill>
             <a:schemeClr val="tx1"/>
           </a:solidFill>
@@ -2838,16 +3280,16 @@
           <a:cs typeface="+mn-cs"/>
         </a:defRPr>
       </a:lvl8pPr>
-      <a:lvl9pPr marL="9944786" indent="-584987" algn="l" defTabSz="2339950" rtl="0" eaLnBrk="1" latinLnBrk="0" hangingPunct="1">
+      <a:lvl9pPr marL="11016211" indent="-648012" algn="l" defTabSz="2592050" rtl="0" eaLnBrk="1" latinLnBrk="0" hangingPunct="1">
         <a:lnSpc>
           <a:spcPct val="90000"/>
         </a:lnSpc>
         <a:spcBef>
-          <a:spcPts val="1280"/>
+          <a:spcPts val="1417"/>
         </a:spcBef>
         <a:buFont typeface="Arial" panose="020B0604020202020204" pitchFamily="34" charset="0"/>
         <a:buChar char="•"/>
-        <a:defRPr sz="4606" kern="1200">
+        <a:defRPr sz="5102" kern="1200">
           <a:solidFill>
             <a:schemeClr val="tx1"/>
           </a:solidFill>
@@ -2861,8 +3303,8 @@
       <a:defPPr>
         <a:defRPr lang="en-US"/>
       </a:defPPr>
-      <a:lvl1pPr marL="0" algn="l" defTabSz="2339950" rtl="0" eaLnBrk="1" latinLnBrk="0" hangingPunct="1">
-        <a:defRPr sz="4606" kern="1200">
+      <a:lvl1pPr marL="0" algn="l" defTabSz="2592050" rtl="0" eaLnBrk="1" latinLnBrk="0" hangingPunct="1">
+        <a:defRPr sz="5102" kern="1200">
           <a:solidFill>
             <a:schemeClr val="tx1"/>
           </a:solidFill>
@@ -2871,8 +3313,8 @@
           <a:cs typeface="+mn-cs"/>
         </a:defRPr>
       </a:lvl1pPr>
-      <a:lvl2pPr marL="1169975" algn="l" defTabSz="2339950" rtl="0" eaLnBrk="1" latinLnBrk="0" hangingPunct="1">
-        <a:defRPr sz="4606" kern="1200">
+      <a:lvl2pPr marL="1296025" algn="l" defTabSz="2592050" rtl="0" eaLnBrk="1" latinLnBrk="0" hangingPunct="1">
+        <a:defRPr sz="5102" kern="1200">
           <a:solidFill>
             <a:schemeClr val="tx1"/>
           </a:solidFill>
@@ -2881,8 +3323,8 @@
           <a:cs typeface="+mn-cs"/>
         </a:defRPr>
       </a:lvl2pPr>
-      <a:lvl3pPr marL="2339950" algn="l" defTabSz="2339950" rtl="0" eaLnBrk="1" latinLnBrk="0" hangingPunct="1">
-        <a:defRPr sz="4606" kern="1200">
+      <a:lvl3pPr marL="2592050" algn="l" defTabSz="2592050" rtl="0" eaLnBrk="1" latinLnBrk="0" hangingPunct="1">
+        <a:defRPr sz="5102" kern="1200">
           <a:solidFill>
             <a:schemeClr val="tx1"/>
           </a:solidFill>
@@ -2891,8 +3333,8 @@
           <a:cs typeface="+mn-cs"/>
         </a:defRPr>
       </a:lvl3pPr>
-      <a:lvl4pPr marL="3509924" algn="l" defTabSz="2339950" rtl="0" eaLnBrk="1" latinLnBrk="0" hangingPunct="1">
-        <a:defRPr sz="4606" kern="1200">
+      <a:lvl4pPr marL="3888075" algn="l" defTabSz="2592050" rtl="0" eaLnBrk="1" latinLnBrk="0" hangingPunct="1">
+        <a:defRPr sz="5102" kern="1200">
           <a:solidFill>
             <a:schemeClr val="tx1"/>
           </a:solidFill>
@@ -2901,8 +3343,8 @@
           <a:cs typeface="+mn-cs"/>
         </a:defRPr>
       </a:lvl4pPr>
-      <a:lvl5pPr marL="4679899" algn="l" defTabSz="2339950" rtl="0" eaLnBrk="1" latinLnBrk="0" hangingPunct="1">
-        <a:defRPr sz="4606" kern="1200">
+      <a:lvl5pPr marL="5184099" algn="l" defTabSz="2592050" rtl="0" eaLnBrk="1" latinLnBrk="0" hangingPunct="1">
+        <a:defRPr sz="5102" kern="1200">
           <a:solidFill>
             <a:schemeClr val="tx1"/>
           </a:solidFill>
@@ -2911,8 +3353,8 @@
           <a:cs typeface="+mn-cs"/>
         </a:defRPr>
       </a:lvl5pPr>
-      <a:lvl6pPr marL="5849874" algn="l" defTabSz="2339950" rtl="0" eaLnBrk="1" latinLnBrk="0" hangingPunct="1">
-        <a:defRPr sz="4606" kern="1200">
+      <a:lvl6pPr marL="6480124" algn="l" defTabSz="2592050" rtl="0" eaLnBrk="1" latinLnBrk="0" hangingPunct="1">
+        <a:defRPr sz="5102" kern="1200">
           <a:solidFill>
             <a:schemeClr val="tx1"/>
           </a:solidFill>
@@ -2921,8 +3363,8 @@
           <a:cs typeface="+mn-cs"/>
         </a:defRPr>
       </a:lvl6pPr>
-      <a:lvl7pPr marL="7019849" algn="l" defTabSz="2339950" rtl="0" eaLnBrk="1" latinLnBrk="0" hangingPunct="1">
-        <a:defRPr sz="4606" kern="1200">
+      <a:lvl7pPr marL="7776149" algn="l" defTabSz="2592050" rtl="0" eaLnBrk="1" latinLnBrk="0" hangingPunct="1">
+        <a:defRPr sz="5102" kern="1200">
           <a:solidFill>
             <a:schemeClr val="tx1"/>
           </a:solidFill>
@@ -2931,8 +3373,8 @@
           <a:cs typeface="+mn-cs"/>
         </a:defRPr>
       </a:lvl7pPr>
-      <a:lvl8pPr marL="8189824" algn="l" defTabSz="2339950" rtl="0" eaLnBrk="1" latinLnBrk="0" hangingPunct="1">
-        <a:defRPr sz="4606" kern="1200">
+      <a:lvl8pPr marL="9072174" algn="l" defTabSz="2592050" rtl="0" eaLnBrk="1" latinLnBrk="0" hangingPunct="1">
+        <a:defRPr sz="5102" kern="1200">
           <a:solidFill>
             <a:schemeClr val="tx1"/>
           </a:solidFill>
@@ -2941,8 +3383,8 @@
           <a:cs typeface="+mn-cs"/>
         </a:defRPr>
       </a:lvl8pPr>
-      <a:lvl9pPr marL="9359798" algn="l" defTabSz="2339950" rtl="0" eaLnBrk="1" latinLnBrk="0" hangingPunct="1">
-        <a:defRPr sz="4606" kern="1200">
+      <a:lvl9pPr marL="10368199" algn="l" defTabSz="2592050" rtl="0" eaLnBrk="1" latinLnBrk="0" hangingPunct="1">
+        <a:defRPr sz="5102" kern="1200">
           <a:solidFill>
             <a:schemeClr val="tx1"/>
           </a:solidFill>
@@ -2987,8 +3429,8 @@
         </p:nvSpPr>
         <p:spPr>
           <a:xfrm rot="16200000">
-            <a:off x="296097" y="3767902"/>
-            <a:ext cx="4760978" cy="449405"/>
+            <a:off x="-2020697" y="3712461"/>
+            <a:ext cx="5958717" cy="467573"/>
           </a:xfrm>
           <a:prstGeom prst="rect">
             <a:avLst/>
@@ -3114,8 +3556,8 @@
         </p:nvSpPr>
         <p:spPr>
           <a:xfrm rot="16200000">
-            <a:off x="-2501696" y="11680973"/>
-            <a:ext cx="10338301" cy="457700"/>
+            <a:off x="-5469046" y="13447331"/>
+            <a:ext cx="12844367" cy="442284"/>
           </a:xfrm>
           <a:prstGeom prst="rect">
             <a:avLst/>
@@ -3241,8 +3683,8 @@
         </p:nvSpPr>
         <p:spPr>
           <a:xfrm rot="16200000">
-            <a:off x="1545917" y="18186720"/>
-            <a:ext cx="2233174" cy="457701"/>
+            <a:off x="-508866" y="21793015"/>
+            <a:ext cx="2949077" cy="453553"/>
           </a:xfrm>
           <a:prstGeom prst="rect">
             <a:avLst/>
@@ -3368,8 +3810,8 @@
         </p:nvSpPr>
         <p:spPr>
           <a:xfrm>
-            <a:off x="5690005" y="4516314"/>
-            <a:ext cx="1578461" cy="932265"/>
+            <a:off x="6912038" y="5695973"/>
+            <a:ext cx="1551659" cy="1080645"/>
           </a:xfrm>
           <a:prstGeom prst="rect">
             <a:avLst/>
@@ -3463,7 +3905,7 @@
               </a:lnSpc>
             </a:pPr>
             <a:r>
-              <a:rPr lang="en-GB" sz="1700" dirty="0">
+              <a:rPr lang="en-GB" sz="2200" dirty="0">
                 <a:solidFill>
                   <a:srgbClr val="000000"/>
                 </a:solidFill>
@@ -3481,7 +3923,7 @@
               </a:lnSpc>
             </a:pPr>
             <a:r>
-              <a:rPr lang="en-GB" sz="1700" i="1" dirty="0">
+              <a:rPr lang="en-GB" sz="2200" i="1" dirty="0">
                 <a:solidFill>
                   <a:srgbClr val="000000"/>
                 </a:solidFill>
@@ -3492,7 +3934,7 @@
               <a:t>N </a:t>
             </a:r>
             <a:r>
-              <a:rPr lang="en-GB" sz="1700" dirty="0">
+              <a:rPr lang="en-GB" sz="2200" dirty="0">
                 <a:solidFill>
                   <a:srgbClr val="000000"/>
                 </a:solidFill>
@@ -3502,7 +3944,7 @@
               </a:rPr>
               <a:t> = 147</a:t>
             </a:r>
-            <a:endParaRPr lang="en-SG" sz="1700" i="1" dirty="0">
+            <a:endParaRPr lang="en-SG" sz="2200" i="1" dirty="0">
               <a:latin typeface="Arial" panose="020B0604020202020204" pitchFamily="34" charset="0"/>
               <a:ea typeface="Times New Roman" panose="02020603050405020304" pitchFamily="18" charset="0"/>
               <a:cs typeface="Arial" panose="020B0604020202020204" pitchFamily="34" charset="0"/>
@@ -3524,8 +3966,8 @@
         </p:nvSpPr>
         <p:spPr>
           <a:xfrm>
-            <a:off x="5639880" y="6878599"/>
-            <a:ext cx="1578461" cy="918345"/>
+            <a:off x="6920489" y="7510774"/>
+            <a:ext cx="1551659" cy="1056636"/>
           </a:xfrm>
           <a:prstGeom prst="rect">
             <a:avLst/>
@@ -3619,7 +4061,7 @@
               </a:lnSpc>
             </a:pPr>
             <a:r>
-              <a:rPr lang="en-GB" sz="1700" dirty="0">
+              <a:rPr lang="en-GB" sz="2200" dirty="0">
                 <a:solidFill>
                   <a:srgbClr val="000000"/>
                 </a:solidFill>
@@ -3637,7 +4079,7 @@
               </a:lnSpc>
             </a:pPr>
             <a:r>
-              <a:rPr lang="en-GB" sz="1700" i="1" dirty="0">
+              <a:rPr lang="en-GB" sz="2200" i="1" dirty="0">
                 <a:solidFill>
                   <a:srgbClr val="000000"/>
                 </a:solidFill>
@@ -3648,7 +4090,7 @@
               <a:t>N </a:t>
             </a:r>
             <a:r>
-              <a:rPr lang="en-GB" sz="1700" dirty="0">
+              <a:rPr lang="en-GB" sz="2200" dirty="0">
                 <a:solidFill>
                   <a:srgbClr val="000000"/>
                 </a:solidFill>
@@ -3658,7 +4100,7 @@
               </a:rPr>
               <a:t> = 5</a:t>
             </a:r>
-            <a:endParaRPr lang="en-SG" sz="1700" i="1" dirty="0">
+            <a:endParaRPr lang="en-SG" sz="2200" i="1" dirty="0">
               <a:latin typeface="Arial" panose="020B0604020202020204" pitchFamily="34" charset="0"/>
               <a:ea typeface="Times New Roman" panose="02020603050405020304" pitchFamily="18" charset="0"/>
               <a:cs typeface="Arial" panose="020B0604020202020204" pitchFamily="34" charset="0"/>
@@ -3680,8 +4122,8 @@
         </p:nvSpPr>
         <p:spPr>
           <a:xfrm>
-            <a:off x="5651561" y="8073003"/>
-            <a:ext cx="1578461" cy="802673"/>
+            <a:off x="6912034" y="8934662"/>
+            <a:ext cx="1539978" cy="1056636"/>
           </a:xfrm>
           <a:prstGeom prst="rect">
             <a:avLst/>
@@ -3775,7 +4217,7 @@
               </a:lnSpc>
             </a:pPr>
             <a:r>
-              <a:rPr lang="en-GB" sz="1700" dirty="0">
+              <a:rPr lang="en-GB" sz="2200" dirty="0">
                 <a:solidFill>
                   <a:srgbClr val="000000"/>
                 </a:solidFill>
@@ -3793,7 +4235,7 @@
               </a:lnSpc>
             </a:pPr>
             <a:r>
-              <a:rPr lang="en-GB" sz="1700" i="1" dirty="0">
+              <a:rPr lang="en-GB" sz="2200" i="1" dirty="0">
                 <a:solidFill>
                   <a:srgbClr val="000000"/>
                 </a:solidFill>
@@ -3804,7 +4246,7 @@
               <a:t>N </a:t>
             </a:r>
             <a:r>
-              <a:rPr lang="en-GB" sz="1700" dirty="0">
+              <a:rPr lang="en-GB" sz="2200" dirty="0">
                 <a:solidFill>
                   <a:srgbClr val="000000"/>
                 </a:solidFill>
@@ -3814,7 +4256,7 @@
               </a:rPr>
               <a:t> = 0</a:t>
             </a:r>
-            <a:endParaRPr lang="en-SG" sz="1700" i="1" dirty="0">
+            <a:endParaRPr lang="en-SG" sz="2200" i="1" dirty="0">
               <a:latin typeface="Arial" panose="020B0604020202020204" pitchFamily="34" charset="0"/>
               <a:ea typeface="Times New Roman" panose="02020603050405020304" pitchFamily="18" charset="0"/>
               <a:cs typeface="Arial" panose="020B0604020202020204" pitchFamily="34" charset="0"/>
@@ -3836,8 +4278,8 @@
         </p:nvSpPr>
         <p:spPr>
           <a:xfrm>
-            <a:off x="15472912" y="6740673"/>
-            <a:ext cx="2155166" cy="1194562"/>
+            <a:off x="16702496" y="6958290"/>
+            <a:ext cx="2810984" cy="2141725"/>
           </a:xfrm>
           <a:prstGeom prst="rect">
             <a:avLst/>
@@ -3931,14 +4373,11 @@
               </a:lnSpc>
             </a:pPr>
             <a:r>
-              <a:rPr lang="en-GB" sz="1700" dirty="0">
-                <a:solidFill>
-                  <a:srgbClr val="000000"/>
-                </a:solidFill>
+              <a:rPr lang="en-SG" sz="2200" dirty="0">
                 <a:latin typeface="Arial" panose="020B0604020202020204" pitchFamily="34" charset="0"/>
                 <a:cs typeface="Arial" panose="020B0604020202020204" pitchFamily="34" charset="0"/>
               </a:rPr>
-              <a:t>Not in English, Chinese, Malay or Bahasa Indonesia</a:t>
+              <a:t>Published in a language not among those specified for inclusion</a:t>
             </a:r>
           </a:p>
           <a:p>
@@ -3948,7 +4387,7 @@
               </a:lnSpc>
             </a:pPr>
             <a:r>
-              <a:rPr lang="en-GB" sz="1700" i="1" dirty="0">
+              <a:rPr lang="en-GB" sz="2200" i="1" dirty="0">
                 <a:solidFill>
                   <a:srgbClr val="000000"/>
                 </a:solidFill>
@@ -3958,7 +4397,7 @@
               <a:t>N = </a:t>
             </a:r>
             <a:r>
-              <a:rPr lang="en-GB" sz="1700" dirty="0">
+              <a:rPr lang="en-GB" sz="2200" dirty="0">
                 <a:solidFill>
                   <a:srgbClr val="000000"/>
                 </a:solidFill>
@@ -3967,7 +4406,7 @@
               </a:rPr>
               <a:t>50</a:t>
             </a:r>
-            <a:endParaRPr lang="en-SG" sz="1700" dirty="0">
+            <a:endParaRPr lang="en-SG" sz="2200" dirty="0">
               <a:solidFill>
                 <a:srgbClr val="000000"/>
               </a:solidFill>
@@ -3991,8 +4430,8 @@
         </p:nvSpPr>
         <p:spPr>
           <a:xfrm>
-            <a:off x="3383608" y="1722622"/>
-            <a:ext cx="1236340" cy="1318001"/>
+            <a:off x="1448170" y="1488549"/>
+            <a:ext cx="1692388" cy="1792903"/>
           </a:xfrm>
           <a:prstGeom prst="rect">
             <a:avLst/>
@@ -4086,7 +4525,7 @@
               </a:lnSpc>
             </a:pPr>
             <a:r>
-              <a:rPr lang="en-GB" sz="1600" dirty="0">
+              <a:rPr lang="en-GB" sz="2200" dirty="0">
                 <a:solidFill>
                   <a:srgbClr val="000000"/>
                 </a:solidFill>
@@ -4096,7 +4535,7 @@
               </a:rPr>
               <a:t>22 records identified through PsycInfo</a:t>
             </a:r>
-            <a:endParaRPr lang="en-SG" sz="1600" dirty="0">
+            <a:endParaRPr lang="en-SG" sz="2200" dirty="0">
               <a:latin typeface="Arial" panose="020B0604020202020204" pitchFamily="34" charset="0"/>
               <a:ea typeface="Times New Roman" panose="02020603050405020304" pitchFamily="18" charset="0"/>
               <a:cs typeface="Arial" panose="020B0604020202020204" pitchFamily="34" charset="0"/>
@@ -4118,8 +4557,8 @@
         </p:nvSpPr>
         <p:spPr>
           <a:xfrm>
-            <a:off x="4692547" y="1722622"/>
-            <a:ext cx="1236340" cy="1318002"/>
+            <a:off x="3257934" y="1488549"/>
+            <a:ext cx="1692388" cy="1792901"/>
           </a:xfrm>
           <a:prstGeom prst="rect">
             <a:avLst/>
@@ -4213,7 +4652,7 @@
               </a:lnSpc>
             </a:pPr>
             <a:r>
-              <a:rPr lang="en-GB" sz="1600" dirty="0">
+              <a:rPr lang="en-GB" sz="2200" dirty="0">
                 <a:solidFill>
                   <a:srgbClr val="000000"/>
                 </a:solidFill>
@@ -4223,7 +4662,7 @@
               </a:rPr>
               <a:t>100 records identified through PubMed</a:t>
             </a:r>
-            <a:endParaRPr lang="en-SG" sz="1600" dirty="0">
+            <a:endParaRPr lang="en-SG" sz="2200" dirty="0">
               <a:latin typeface="Arial" panose="020B0604020202020204" pitchFamily="34" charset="0"/>
               <a:ea typeface="Times New Roman" panose="02020603050405020304" pitchFamily="18" charset="0"/>
               <a:cs typeface="Arial" panose="020B0604020202020204" pitchFamily="34" charset="0"/>
@@ -4245,8 +4684,8 @@
         </p:nvSpPr>
         <p:spPr>
           <a:xfrm>
-            <a:off x="6024976" y="1714905"/>
-            <a:ext cx="1193365" cy="1325716"/>
+            <a:off x="5054058" y="1490303"/>
+            <a:ext cx="1772202" cy="1792902"/>
           </a:xfrm>
           <a:prstGeom prst="rect">
             <a:avLst/>
@@ -4340,7 +4779,7 @@
               </a:lnSpc>
             </a:pPr>
             <a:r>
-              <a:rPr lang="en-GB" sz="1600" dirty="0">
+              <a:rPr lang="en-GB" sz="2200" dirty="0">
                 <a:solidFill>
                   <a:srgbClr val="000000"/>
                 </a:solidFill>
@@ -4350,7 +4789,7 @@
               </a:rPr>
               <a:t>55 records identified through Scopus</a:t>
             </a:r>
-            <a:endParaRPr lang="en-SG" sz="1600" dirty="0">
+            <a:endParaRPr lang="en-SG" sz="2200" dirty="0">
               <a:latin typeface="Arial" panose="020B0604020202020204" pitchFamily="34" charset="0"/>
               <a:ea typeface="Times New Roman" panose="02020603050405020304" pitchFamily="18" charset="0"/>
               <a:cs typeface="Arial" panose="020B0604020202020204" pitchFamily="34" charset="0"/>
@@ -4372,8 +4811,8 @@
         </p:nvSpPr>
         <p:spPr>
           <a:xfrm>
-            <a:off x="8629357" y="1704589"/>
-            <a:ext cx="1327667" cy="1336026"/>
+            <a:off x="8626773" y="1492752"/>
+            <a:ext cx="1766384" cy="1801983"/>
           </a:xfrm>
           <a:prstGeom prst="rect">
             <a:avLst/>
@@ -4467,7 +4906,7 @@
               </a:lnSpc>
             </a:pPr>
             <a:r>
-              <a:rPr lang="en-GB" sz="1600" dirty="0">
+              <a:rPr lang="en-GB" sz="2200" dirty="0">
                 <a:solidFill>
                   <a:srgbClr val="000000"/>
                 </a:solidFill>
@@ -4477,7 +4916,7 @@
               </a:rPr>
               <a:t>50 records identified through Web of Science</a:t>
             </a:r>
-            <a:endParaRPr lang="en-SG" sz="1600" dirty="0">
+            <a:endParaRPr lang="en-SG" sz="2200" dirty="0">
               <a:latin typeface="Arial" panose="020B0604020202020204" pitchFamily="34" charset="0"/>
               <a:ea typeface="Times New Roman" panose="02020603050405020304" pitchFamily="18" charset="0"/>
               <a:cs typeface="Arial" panose="020B0604020202020204" pitchFamily="34" charset="0"/>
@@ -4499,8 +4938,8 @@
         </p:nvSpPr>
         <p:spPr>
           <a:xfrm>
-            <a:off x="10298421" y="4497706"/>
-            <a:ext cx="2723049" cy="932265"/>
+            <a:off x="11328497" y="5558728"/>
+            <a:ext cx="3233338" cy="1366881"/>
           </a:xfrm>
           <a:prstGeom prst="rect">
             <a:avLst/>
@@ -4594,7 +5033,7 @@
               </a:lnSpc>
             </a:pPr>
             <a:r>
-              <a:rPr lang="en-GB" sz="1700" dirty="0">
+              <a:rPr lang="en-GB" sz="2200" dirty="0">
                 <a:solidFill>
                   <a:srgbClr val="000000"/>
                 </a:solidFill>
@@ -4612,7 +5051,7 @@
               </a:lnSpc>
             </a:pPr>
             <a:r>
-              <a:rPr lang="en-GB" sz="1700" i="1" dirty="0">
+              <a:rPr lang="en-GB" sz="2200" i="1" dirty="0">
                 <a:solidFill>
                   <a:srgbClr val="000000"/>
                 </a:solidFill>
@@ -4623,7 +5062,7 @@
               <a:t>N </a:t>
             </a:r>
             <a:r>
-              <a:rPr lang="en-GB" sz="1700" dirty="0">
+              <a:rPr lang="en-GB" sz="2200" dirty="0">
                 <a:solidFill>
                   <a:srgbClr val="000000"/>
                 </a:solidFill>
@@ -4633,7 +5072,7 @@
               </a:rPr>
               <a:t> = 473</a:t>
             </a:r>
-            <a:endParaRPr lang="en-SG" sz="1700" i="1" dirty="0">
+            <a:endParaRPr lang="en-SG" sz="2200" i="1" dirty="0">
               <a:latin typeface="Arial" panose="020B0604020202020204" pitchFamily="34" charset="0"/>
               <a:ea typeface="Times New Roman" panose="02020603050405020304" pitchFamily="18" charset="0"/>
               <a:cs typeface="Arial" panose="020B0604020202020204" pitchFamily="34" charset="0"/>
@@ -4655,8 +5094,8 @@
         </p:nvSpPr>
         <p:spPr>
           <a:xfrm>
-            <a:off x="10240658" y="6750932"/>
-            <a:ext cx="2799937" cy="1173682"/>
+            <a:off x="11328497" y="7246289"/>
+            <a:ext cx="3233338" cy="1577016"/>
           </a:xfrm>
           <a:prstGeom prst="rect">
             <a:avLst/>
@@ -4750,7 +5189,7 @@
               </a:lnSpc>
             </a:pPr>
             <a:r>
-              <a:rPr lang="en-GB" sz="1700" dirty="0">
+              <a:rPr lang="en-GB" sz="2200" dirty="0">
                 <a:solidFill>
                   <a:srgbClr val="000000"/>
                 </a:solidFill>
@@ -4768,7 +5207,7 @@
               </a:lnSpc>
             </a:pPr>
             <a:r>
-              <a:rPr lang="en-GB" sz="1700" i="1" dirty="0">
+              <a:rPr lang="en-GB" sz="2200" i="1" dirty="0">
                 <a:solidFill>
                   <a:srgbClr val="000000"/>
                 </a:solidFill>
@@ -4779,7 +5218,7 @@
               <a:t>N </a:t>
             </a:r>
             <a:r>
-              <a:rPr lang="en-GB" sz="1700" dirty="0">
+              <a:rPr lang="en-GB" sz="2200" dirty="0">
                 <a:solidFill>
                   <a:srgbClr val="000000"/>
                 </a:solidFill>
@@ -4789,7 +5228,7 @@
               </a:rPr>
               <a:t> = 326</a:t>
             </a:r>
-            <a:endParaRPr lang="en-SG" sz="1700" i="1" dirty="0">
+            <a:endParaRPr lang="en-SG" sz="2200" i="1" dirty="0">
               <a:latin typeface="Arial" panose="020B0604020202020204" pitchFamily="34" charset="0"/>
               <a:ea typeface="Times New Roman" panose="02020603050405020304" pitchFamily="18" charset="0"/>
               <a:cs typeface="Arial" panose="020B0604020202020204" pitchFamily="34" charset="0"/>
@@ -4811,8 +5250,8 @@
         </p:nvSpPr>
         <p:spPr>
           <a:xfrm>
-            <a:off x="15474531" y="8156953"/>
-            <a:ext cx="2155166" cy="1017474"/>
+            <a:off x="16735006" y="9237250"/>
+            <a:ext cx="2810984" cy="1194561"/>
           </a:xfrm>
           <a:prstGeom prst="rect">
             <a:avLst/>
@@ -4906,7 +5345,7 @@
               </a:lnSpc>
             </a:pPr>
             <a:r>
-              <a:rPr lang="en-GB" sz="1700" dirty="0">
+              <a:rPr lang="en-GB" sz="2200" dirty="0">
                 <a:solidFill>
                   <a:srgbClr val="000000"/>
                 </a:solidFill>
@@ -4924,7 +5363,7 @@
               </a:lnSpc>
             </a:pPr>
             <a:r>
-              <a:rPr lang="en-GB" sz="1700" i="1" dirty="0">
+              <a:rPr lang="en-GB" sz="2200" i="1" dirty="0">
                 <a:solidFill>
                   <a:srgbClr val="000000"/>
                 </a:solidFill>
@@ -4935,7 +5374,7 @@
               <a:t>N </a:t>
             </a:r>
             <a:r>
-              <a:rPr lang="en-GB" sz="1700" dirty="0">
+              <a:rPr lang="en-GB" sz="2200" dirty="0">
                 <a:solidFill>
                   <a:srgbClr val="000000"/>
                 </a:solidFill>
@@ -4945,7 +5384,7 @@
               </a:rPr>
               <a:t> = 200 </a:t>
             </a:r>
-            <a:endParaRPr lang="en-SG" sz="1700" i="1" dirty="0">
+            <a:endParaRPr lang="en-SG" sz="2200" i="1" dirty="0">
               <a:latin typeface="Arial" panose="020B0604020202020204" pitchFamily="34" charset="0"/>
               <a:ea typeface="Times New Roman" panose="02020603050405020304" pitchFamily="18" charset="0"/>
               <a:cs typeface="Arial" panose="020B0604020202020204" pitchFamily="34" charset="0"/>
@@ -4967,8 +5406,8 @@
         </p:nvSpPr>
         <p:spPr>
           <a:xfrm>
-            <a:off x="15474531" y="9475747"/>
-            <a:ext cx="2155166" cy="986213"/>
+            <a:off x="16735009" y="10556042"/>
+            <a:ext cx="2810985" cy="1251204"/>
           </a:xfrm>
           <a:prstGeom prst="rect">
             <a:avLst/>
@@ -5062,7 +5501,7 @@
               </a:lnSpc>
             </a:pPr>
             <a:r>
-              <a:rPr lang="en-GB" sz="1700" dirty="0">
+              <a:rPr lang="en-GB" sz="2200" dirty="0">
                 <a:solidFill>
                   <a:srgbClr val="000000"/>
                 </a:solidFill>
@@ -5080,7 +5519,7 @@
               </a:lnSpc>
             </a:pPr>
             <a:r>
-              <a:rPr lang="en-GB" sz="1700" i="1" dirty="0">
+              <a:rPr lang="en-GB" sz="2200" i="1" dirty="0">
                 <a:solidFill>
                   <a:srgbClr val="000000"/>
                 </a:solidFill>
@@ -5091,7 +5530,7 @@
               <a:t>N = </a:t>
             </a:r>
             <a:r>
-              <a:rPr lang="en-GB" sz="1700" dirty="0">
+              <a:rPr lang="en-GB" sz="2200" dirty="0">
                 <a:solidFill>
                   <a:srgbClr val="000000"/>
                 </a:solidFill>
@@ -5101,7 +5540,7 @@
               </a:rPr>
               <a:t>21 </a:t>
             </a:r>
-            <a:endParaRPr lang="en-SG" sz="1700" i="1" dirty="0">
+            <a:endParaRPr lang="en-SG" sz="2200" i="1" dirty="0">
               <a:latin typeface="Arial" panose="020B0604020202020204" pitchFamily="34" charset="0"/>
               <a:ea typeface="Times New Roman" panose="02020603050405020304" pitchFamily="18" charset="0"/>
               <a:cs typeface="Arial" panose="020B0604020202020204" pitchFamily="34" charset="0"/>
@@ -5126,9 +5565,9 @@
           <p:nvPr/>
         </p:nvCxnSpPr>
         <p:spPr>
-          <a:xfrm flipH="1">
-            <a:off x="11640627" y="5429971"/>
-            <a:ext cx="19319" cy="1320961"/>
+          <a:xfrm>
+            <a:off x="12945166" y="6925605"/>
+            <a:ext cx="0" cy="320684"/>
           </a:xfrm>
           <a:prstGeom prst="straightConnector1">
             <a:avLst/>
@@ -5169,9 +5608,9 @@
           <p:nvPr/>
         </p:nvCxnSpPr>
         <p:spPr>
-          <a:xfrm flipH="1">
-            <a:off x="7268466" y="4963839"/>
-            <a:ext cx="3029955" cy="18608"/>
+          <a:xfrm flipH="1" flipV="1">
+            <a:off x="8463693" y="6236296"/>
+            <a:ext cx="2864804" cy="5873"/>
           </a:xfrm>
           <a:prstGeom prst="straightConnector1">
             <a:avLst/>
@@ -5213,8 +5652,8 @@
         </p:nvCxnSpPr>
         <p:spPr>
           <a:xfrm rot="10800000" flipV="1">
-            <a:off x="7230022" y="7337772"/>
-            <a:ext cx="3010636" cy="1136567"/>
+            <a:off x="8452017" y="8034800"/>
+            <a:ext cx="2876485" cy="1428183"/>
           </a:xfrm>
           <a:prstGeom prst="bentConnector3">
             <a:avLst>
@@ -5254,8 +5693,8 @@
         </p:nvSpPr>
         <p:spPr>
           <a:xfrm>
-            <a:off x="10240660" y="10988503"/>
-            <a:ext cx="2799937" cy="1087469"/>
+            <a:off x="11313314" y="12334774"/>
+            <a:ext cx="3233338" cy="1577016"/>
           </a:xfrm>
           <a:prstGeom prst="rect">
             <a:avLst/>
@@ -5349,7 +5788,7 @@
               </a:lnSpc>
             </a:pPr>
             <a:r>
-              <a:rPr lang="en-GB" sz="1700" dirty="0">
+              <a:rPr lang="en-GB" sz="2200" dirty="0">
                 <a:solidFill>
                   <a:srgbClr val="000000"/>
                 </a:solidFill>
@@ -5367,7 +5806,7 @@
               </a:lnSpc>
             </a:pPr>
             <a:r>
-              <a:rPr lang="en-GB" sz="1700" i="1" dirty="0">
+              <a:rPr lang="en-GB" sz="2200" i="1" dirty="0">
                 <a:solidFill>
                   <a:srgbClr val="000000"/>
                 </a:solidFill>
@@ -5378,7 +5817,7 @@
               <a:t>N </a:t>
             </a:r>
             <a:r>
-              <a:rPr lang="en-GB" sz="1700" dirty="0">
+              <a:rPr lang="en-GB" sz="2200" dirty="0">
                 <a:solidFill>
                   <a:srgbClr val="000000"/>
                 </a:solidFill>
@@ -5388,7 +5827,7 @@
               </a:rPr>
               <a:t> = 50</a:t>
             </a:r>
-            <a:endParaRPr lang="en-SG" sz="1700" i="1" dirty="0">
+            <a:endParaRPr lang="en-SG" sz="2200" i="1" dirty="0">
               <a:latin typeface="Arial" panose="020B0604020202020204" pitchFamily="34" charset="0"/>
               <a:ea typeface="Times New Roman" panose="02020603050405020304" pitchFamily="18" charset="0"/>
               <a:cs typeface="Arial" panose="020B0604020202020204" pitchFamily="34" charset="0"/>
@@ -5410,8 +5849,8 @@
         </p:nvSpPr>
         <p:spPr>
           <a:xfrm>
-            <a:off x="5651558" y="11066106"/>
-            <a:ext cx="1578431" cy="932265"/>
+            <a:off x="6912038" y="12590607"/>
+            <a:ext cx="1539979" cy="1065355"/>
           </a:xfrm>
           <a:prstGeom prst="rect">
             <a:avLst/>
@@ -5505,7 +5944,7 @@
               </a:lnSpc>
             </a:pPr>
             <a:r>
-              <a:rPr lang="en-GB" sz="1700" dirty="0">
+              <a:rPr lang="en-GB" sz="2200" dirty="0">
                 <a:solidFill>
                   <a:srgbClr val="000000"/>
                 </a:solidFill>
@@ -5523,7 +5962,7 @@
               </a:lnSpc>
             </a:pPr>
             <a:r>
-              <a:rPr lang="en-GB" sz="1700" i="1" dirty="0">
+              <a:rPr lang="en-GB" sz="2200" i="1" dirty="0">
                 <a:solidFill>
                   <a:srgbClr val="000000"/>
                 </a:solidFill>
@@ -5534,7 +5973,7 @@
               <a:t>N </a:t>
             </a:r>
             <a:r>
-              <a:rPr lang="en-GB" sz="1700" dirty="0">
+              <a:rPr lang="en-GB" sz="2200" dirty="0">
                 <a:solidFill>
                   <a:srgbClr val="000000"/>
                 </a:solidFill>
@@ -5544,7 +5983,7 @@
               </a:rPr>
               <a:t> = 0</a:t>
             </a:r>
-            <a:endParaRPr lang="en-SG" sz="1700" i="1" dirty="0">
+            <a:endParaRPr lang="en-SG" sz="2200" i="1" dirty="0">
               <a:latin typeface="Arial" panose="020B0604020202020204" pitchFamily="34" charset="0"/>
               <a:ea typeface="Times New Roman" panose="02020603050405020304" pitchFamily="18" charset="0"/>
               <a:cs typeface="Arial" panose="020B0604020202020204" pitchFamily="34" charset="0"/>
@@ -5566,8 +6005,8 @@
         </p:nvSpPr>
         <p:spPr>
           <a:xfrm>
-            <a:off x="5639880" y="12376232"/>
-            <a:ext cx="1590108" cy="932265"/>
+            <a:off x="6920491" y="13923371"/>
+            <a:ext cx="1578461" cy="1056636"/>
           </a:xfrm>
           <a:prstGeom prst="rect">
             <a:avLst/>
@@ -5661,7 +6100,7 @@
               </a:lnSpc>
             </a:pPr>
             <a:r>
-              <a:rPr lang="en-GB" sz="1700" dirty="0">
+              <a:rPr lang="en-GB" sz="2200" dirty="0">
                 <a:solidFill>
                   <a:srgbClr val="000000"/>
                 </a:solidFill>
@@ -5679,7 +6118,7 @@
               </a:lnSpc>
             </a:pPr>
             <a:r>
-              <a:rPr lang="en-GB" sz="1700" i="1" dirty="0">
+              <a:rPr lang="en-GB" sz="2200" i="1" dirty="0">
                 <a:solidFill>
                   <a:srgbClr val="000000"/>
                 </a:solidFill>
@@ -5690,7 +6129,7 @@
               <a:t>N </a:t>
             </a:r>
             <a:r>
-              <a:rPr lang="en-GB" sz="1700" dirty="0">
+              <a:rPr lang="en-GB" sz="2200" dirty="0">
                 <a:solidFill>
                   <a:srgbClr val="000000"/>
                 </a:solidFill>
@@ -5700,7 +6139,7 @@
               </a:rPr>
               <a:t> = 0</a:t>
             </a:r>
-            <a:endParaRPr lang="en-SG" sz="1700" i="1" dirty="0">
+            <a:endParaRPr lang="en-SG" sz="2200" i="1" dirty="0">
               <a:latin typeface="Arial" panose="020B0604020202020204" pitchFamily="34" charset="0"/>
               <a:ea typeface="Times New Roman" panose="02020603050405020304" pitchFamily="18" charset="0"/>
               <a:cs typeface="Arial" panose="020B0604020202020204" pitchFamily="34" charset="0"/>
@@ -5726,8 +6165,8 @@
         </p:nvCxnSpPr>
         <p:spPr>
           <a:xfrm rot="10800000" flipV="1">
-            <a:off x="7241668" y="11532237"/>
-            <a:ext cx="2998993" cy="2591767"/>
+            <a:off x="8479712" y="13123282"/>
+            <a:ext cx="2833607" cy="2671302"/>
           </a:xfrm>
           <a:prstGeom prst="bentConnector3">
             <a:avLst>
@@ -5771,8 +6210,8 @@
         </p:nvCxnSpPr>
         <p:spPr>
           <a:xfrm rot="10800000" flipV="1">
-            <a:off x="7229988" y="11532236"/>
-            <a:ext cx="3010670" cy="1310127"/>
+            <a:off x="8498948" y="13123285"/>
+            <a:ext cx="2814366" cy="1328407"/>
           </a:xfrm>
           <a:prstGeom prst="bentConnector3">
             <a:avLst>
@@ -5815,9 +6254,9 @@
           <p:nvPr/>
         </p:nvCxnSpPr>
         <p:spPr>
-          <a:xfrm flipH="1">
-            <a:off x="7229988" y="11532238"/>
-            <a:ext cx="3010670" cy="1"/>
+          <a:xfrm flipH="1" flipV="1">
+            <a:off x="8452017" y="13123285"/>
+            <a:ext cx="2861301" cy="1"/>
           </a:xfrm>
           <a:prstGeom prst="straightConnector1">
             <a:avLst/>
@@ -5855,8 +6294,8 @@
         </p:nvSpPr>
         <p:spPr>
           <a:xfrm>
-            <a:off x="15461303" y="10985300"/>
-            <a:ext cx="2151565" cy="1138319"/>
+            <a:off x="16713407" y="12070613"/>
+            <a:ext cx="2810985" cy="2105336"/>
           </a:xfrm>
           <a:prstGeom prst="rect">
             <a:avLst/>
@@ -5950,14 +6389,11 @@
               </a:lnSpc>
             </a:pPr>
             <a:r>
-              <a:rPr lang="en-GB" sz="1700" dirty="0">
-                <a:solidFill>
-                  <a:srgbClr val="000000"/>
-                </a:solidFill>
+              <a:rPr lang="en-SG" sz="2200" dirty="0">
                 <a:latin typeface="Arial" panose="020B0604020202020204" pitchFamily="34" charset="0"/>
                 <a:cs typeface="Arial" panose="020B0604020202020204" pitchFamily="34" charset="0"/>
               </a:rPr>
-              <a:t>Not in English, Chinese, Malay or Bahasa Indonesia</a:t>
+              <a:t>Published in a language not among those specified for inclusion</a:t>
             </a:r>
           </a:p>
           <a:p>
@@ -5967,7 +6403,7 @@
               </a:lnSpc>
             </a:pPr>
             <a:r>
-              <a:rPr lang="en-GB" sz="1700" i="1" dirty="0">
+              <a:rPr lang="en-GB" sz="2200" i="1" dirty="0">
                 <a:solidFill>
                   <a:srgbClr val="000000"/>
                 </a:solidFill>
@@ -5977,7 +6413,7 @@
               <a:t>N = </a:t>
             </a:r>
             <a:r>
-              <a:rPr lang="en-GB" sz="1700" dirty="0">
+              <a:rPr lang="en-GB" sz="2200" dirty="0">
                 <a:solidFill>
                   <a:srgbClr val="000000"/>
                 </a:solidFill>
@@ -5986,7 +6422,7 @@
               </a:rPr>
               <a:t>10</a:t>
             </a:r>
-            <a:endParaRPr lang="en-SG" sz="1700" dirty="0">
+            <a:endParaRPr lang="en-SG" sz="2200" dirty="0">
               <a:solidFill>
                 <a:srgbClr val="000000"/>
               </a:solidFill>
@@ -6010,8 +6446,8 @@
         </p:nvSpPr>
         <p:spPr>
           <a:xfrm>
-            <a:off x="15472912" y="12272833"/>
-            <a:ext cx="2151565" cy="1004503"/>
+            <a:off x="16691592" y="14439316"/>
+            <a:ext cx="2810985" cy="1355268"/>
           </a:xfrm>
           <a:prstGeom prst="rect">
             <a:avLst/>
@@ -6105,7 +6541,7 @@
               </a:lnSpc>
             </a:pPr>
             <a:r>
-              <a:rPr lang="en-GB" sz="1700" dirty="0">
+              <a:rPr lang="en-GB" sz="2200" dirty="0">
                 <a:solidFill>
                   <a:srgbClr val="000000"/>
                 </a:solidFill>
@@ -6123,7 +6559,7 @@
               </a:lnSpc>
             </a:pPr>
             <a:r>
-              <a:rPr lang="en-GB" sz="1700" i="1" dirty="0">
+              <a:rPr lang="en-GB" sz="2200" i="1" dirty="0">
                 <a:solidFill>
                   <a:srgbClr val="000000"/>
                 </a:solidFill>
@@ -6134,7 +6570,7 @@
               <a:t>N </a:t>
             </a:r>
             <a:r>
-              <a:rPr lang="en-GB" sz="1700" dirty="0">
+              <a:rPr lang="en-GB" sz="2200" dirty="0">
                 <a:solidFill>
                   <a:srgbClr val="000000"/>
                 </a:solidFill>
@@ -6144,7 +6580,7 @@
               </a:rPr>
               <a:t>= 21</a:t>
             </a:r>
-            <a:endParaRPr lang="en-SG" sz="1700" i="1" dirty="0">
+            <a:endParaRPr lang="en-SG" sz="2200" i="1" dirty="0">
               <a:latin typeface="Arial" panose="020B0604020202020204" pitchFamily="34" charset="0"/>
               <a:ea typeface="Times New Roman" panose="02020603050405020304" pitchFamily="18" charset="0"/>
               <a:cs typeface="Arial" panose="020B0604020202020204" pitchFamily="34" charset="0"/>
@@ -6166,8 +6602,8 @@
         </p:nvSpPr>
         <p:spPr>
           <a:xfrm>
-            <a:off x="15472912" y="13514665"/>
-            <a:ext cx="2151565" cy="1004503"/>
+            <a:off x="16691592" y="16069054"/>
+            <a:ext cx="2810985" cy="1173456"/>
           </a:xfrm>
           <a:prstGeom prst="rect">
             <a:avLst/>
@@ -6261,7 +6697,7 @@
               </a:lnSpc>
             </a:pPr>
             <a:r>
-              <a:rPr lang="en-GB" sz="1700" dirty="0">
+              <a:rPr lang="en-GB" sz="2200" dirty="0">
                 <a:solidFill>
                   <a:srgbClr val="000000"/>
                 </a:solidFill>
@@ -6279,7 +6715,7 @@
               </a:lnSpc>
             </a:pPr>
             <a:r>
-              <a:rPr lang="en-GB" sz="1700" i="1" dirty="0">
+              <a:rPr lang="en-GB" sz="2200" i="1" dirty="0">
                 <a:solidFill>
                   <a:srgbClr val="000000"/>
                 </a:solidFill>
@@ -6290,7 +6726,7 @@
               <a:t>N </a:t>
             </a:r>
             <a:r>
-              <a:rPr lang="en-GB" sz="1700" dirty="0">
+              <a:rPr lang="en-GB" sz="2200" dirty="0">
                 <a:solidFill>
                   <a:srgbClr val="000000"/>
                 </a:solidFill>
@@ -6300,7 +6736,7 @@
               </a:rPr>
               <a:t>= 5</a:t>
             </a:r>
-            <a:endParaRPr lang="en-SG" sz="1700" i="1" dirty="0">
+            <a:endParaRPr lang="en-SG" sz="2200" i="1" dirty="0">
               <a:latin typeface="Arial" panose="020B0604020202020204" pitchFamily="34" charset="0"/>
               <a:ea typeface="Times New Roman" panose="02020603050405020304" pitchFamily="18" charset="0"/>
               <a:cs typeface="Arial" panose="020B0604020202020204" pitchFamily="34" charset="0"/>
@@ -6322,8 +6758,8 @@
         </p:nvSpPr>
         <p:spPr>
           <a:xfrm>
-            <a:off x="15449694" y="15911085"/>
-            <a:ext cx="2174783" cy="1004503"/>
+            <a:off x="16696728" y="18973904"/>
+            <a:ext cx="2827660" cy="1352664"/>
           </a:xfrm>
           <a:prstGeom prst="rect">
             <a:avLst/>
@@ -6417,7 +6853,7 @@
               </a:lnSpc>
             </a:pPr>
             <a:r>
-              <a:rPr lang="en-GB" sz="1700" dirty="0">
+              <a:rPr lang="en-GB" sz="2200" dirty="0">
                 <a:solidFill>
                   <a:srgbClr val="000000"/>
                 </a:solidFill>
@@ -6434,7 +6870,7 @@
               </a:lnSpc>
             </a:pPr>
             <a:r>
-              <a:rPr lang="en-GB" sz="1700" i="1" dirty="0">
+              <a:rPr lang="en-GB" sz="2200" i="1" dirty="0">
                 <a:solidFill>
                   <a:srgbClr val="000000"/>
                 </a:solidFill>
@@ -6445,7 +6881,7 @@
               <a:t>N =</a:t>
             </a:r>
             <a:r>
-              <a:rPr lang="en-GB" sz="1700" dirty="0">
+              <a:rPr lang="en-GB" sz="2200" dirty="0">
                 <a:solidFill>
                   <a:srgbClr val="000000"/>
                 </a:solidFill>
@@ -6455,7 +6891,7 @@
               </a:rPr>
               <a:t> 7</a:t>
             </a:r>
-            <a:endParaRPr lang="en-SG" sz="1700" i="1" dirty="0">
+            <a:endParaRPr lang="en-SG" sz="2200" i="1" dirty="0">
               <a:latin typeface="Arial" panose="020B0604020202020204" pitchFamily="34" charset="0"/>
               <a:ea typeface="Times New Roman" panose="02020603050405020304" pitchFamily="18" charset="0"/>
               <a:cs typeface="Arial" panose="020B0604020202020204" pitchFamily="34" charset="0"/>
@@ -6477,8 +6913,8 @@
         </p:nvSpPr>
         <p:spPr>
           <a:xfrm>
-            <a:off x="10259976" y="17078973"/>
-            <a:ext cx="2780620" cy="864517"/>
+            <a:off x="11530126" y="20545253"/>
+            <a:ext cx="2761305" cy="1176464"/>
           </a:xfrm>
           <a:prstGeom prst="rect">
             <a:avLst/>
@@ -6572,7 +7008,7 @@
               </a:lnSpc>
             </a:pPr>
             <a:r>
-              <a:rPr lang="en-GB" sz="1700" dirty="0">
+              <a:rPr lang="en-GB" sz="2200" dirty="0">
                 <a:solidFill>
                   <a:srgbClr val="000000"/>
                 </a:solidFill>
@@ -6590,7 +7026,7 @@
               </a:lnSpc>
             </a:pPr>
             <a:r>
-              <a:rPr lang="en-GB" sz="1700" i="1" dirty="0">
+              <a:rPr lang="en-GB" sz="2200" i="1" dirty="0">
                 <a:solidFill>
                   <a:srgbClr val="000000"/>
                 </a:solidFill>
@@ -6601,7 +7037,7 @@
               <a:t>N </a:t>
             </a:r>
             <a:r>
-              <a:rPr lang="en-GB" sz="1700" dirty="0">
+              <a:rPr lang="en-GB" sz="2200" dirty="0">
                 <a:solidFill>
                   <a:srgbClr val="000000"/>
                 </a:solidFill>
@@ -6611,7 +7047,7 @@
               </a:rPr>
               <a:t> = 9</a:t>
             </a:r>
-            <a:endParaRPr lang="en-SG" sz="1700" i="1" dirty="0">
+            <a:endParaRPr lang="en-SG" sz="2200" i="1" dirty="0">
               <a:latin typeface="Arial" panose="020B0604020202020204" pitchFamily="34" charset="0"/>
               <a:ea typeface="Times New Roman" panose="02020603050405020304" pitchFamily="18" charset="0"/>
               <a:cs typeface="Arial" panose="020B0604020202020204" pitchFamily="34" charset="0"/>
@@ -6636,9 +7072,9 @@
           <p:nvPr/>
         </p:nvCxnSpPr>
         <p:spPr>
-          <a:xfrm>
-            <a:off x="11640627" y="7924614"/>
-            <a:ext cx="2" cy="3063889"/>
+          <a:xfrm flipH="1">
+            <a:off x="12929987" y="8823309"/>
+            <a:ext cx="15183" cy="3511469"/>
           </a:xfrm>
           <a:prstGeom prst="straightConnector1">
             <a:avLst/>
@@ -6679,9 +7115,9 @@
           <p:nvPr/>
         </p:nvCxnSpPr>
         <p:spPr>
-          <a:xfrm flipH="1" flipV="1">
-            <a:off x="7218341" y="7337772"/>
-            <a:ext cx="3022317" cy="1"/>
+          <a:xfrm flipH="1">
+            <a:off x="8472148" y="8034801"/>
+            <a:ext cx="2856353" cy="4295"/>
           </a:xfrm>
           <a:prstGeom prst="straightConnector1">
             <a:avLst/>
@@ -6722,9 +7158,9 @@
           <p:nvPr/>
         </p:nvCxnSpPr>
         <p:spPr>
-          <a:xfrm>
-            <a:off x="13040595" y="7337773"/>
-            <a:ext cx="2432317" cy="181"/>
+          <a:xfrm flipV="1">
+            <a:off x="14561835" y="8029153"/>
+            <a:ext cx="2140661" cy="5644"/>
           </a:xfrm>
           <a:prstGeom prst="straightConnector1">
             <a:avLst/>
@@ -6766,8 +7202,8 @@
         </p:nvCxnSpPr>
         <p:spPr>
           <a:xfrm>
-            <a:off x="13040595" y="7337773"/>
-            <a:ext cx="2433936" cy="1327917"/>
+            <a:off x="14561839" y="8034797"/>
+            <a:ext cx="2173171" cy="1799730"/>
           </a:xfrm>
           <a:prstGeom prst="bentConnector3">
             <a:avLst>
@@ -6811,8 +7247,8 @@
         </p:nvCxnSpPr>
         <p:spPr>
           <a:xfrm>
-            <a:off x="13040595" y="7337773"/>
-            <a:ext cx="2433936" cy="2631081"/>
+            <a:off x="14561835" y="8034801"/>
+            <a:ext cx="2173170" cy="3146847"/>
           </a:xfrm>
           <a:prstGeom prst="bentConnector3">
             <a:avLst>
@@ -6856,8 +7292,8 @@
         </p:nvCxnSpPr>
         <p:spPr>
           <a:xfrm>
-            <a:off x="13040597" y="11532237"/>
-            <a:ext cx="2432315" cy="1242848"/>
+            <a:off x="14546652" y="13123282"/>
+            <a:ext cx="2144936" cy="1993668"/>
           </a:xfrm>
           <a:prstGeom prst="bentConnector3">
             <a:avLst>
@@ -6901,8 +7337,8 @@
         </p:nvCxnSpPr>
         <p:spPr>
           <a:xfrm>
-            <a:off x="13040597" y="11532237"/>
-            <a:ext cx="2432315" cy="2484679"/>
+            <a:off x="14546652" y="13123282"/>
+            <a:ext cx="2144936" cy="3532500"/>
           </a:xfrm>
           <a:prstGeom prst="bentConnector3">
             <a:avLst>
@@ -6946,8 +7382,8 @@
         </p:nvCxnSpPr>
         <p:spPr>
           <a:xfrm>
-            <a:off x="13040596" y="11532238"/>
-            <a:ext cx="2409098" cy="4881099"/>
+            <a:off x="14546652" y="13123282"/>
+            <a:ext cx="2150076" cy="6526954"/>
           </a:xfrm>
           <a:prstGeom prst="bentConnector3">
             <a:avLst>
@@ -6990,9 +7426,9 @@
           <p:nvPr/>
         </p:nvCxnSpPr>
         <p:spPr>
-          <a:xfrm>
-            <a:off x="13040597" y="11532238"/>
-            <a:ext cx="2420706" cy="22222"/>
+          <a:xfrm flipV="1">
+            <a:off x="14546656" y="13123285"/>
+            <a:ext cx="2166751" cy="1"/>
           </a:xfrm>
           <a:prstGeom prst="straightConnector1">
             <a:avLst/>
@@ -7033,9 +7469,9 @@
           <p:nvPr/>
         </p:nvCxnSpPr>
         <p:spPr>
-          <a:xfrm>
-            <a:off x="11640629" y="12075972"/>
-            <a:ext cx="9657" cy="5003001"/>
+          <a:xfrm flipH="1">
+            <a:off x="12910775" y="13911794"/>
+            <a:ext cx="19208" cy="6633463"/>
           </a:xfrm>
           <a:prstGeom prst="straightConnector1">
             <a:avLst/>
@@ -7073,8 +7509,8 @@
         </p:nvSpPr>
         <p:spPr>
           <a:xfrm>
-            <a:off x="7319086" y="1704588"/>
-            <a:ext cx="1193365" cy="1336029"/>
+            <a:off x="6929997" y="1492752"/>
+            <a:ext cx="1587222" cy="1788695"/>
           </a:xfrm>
           <a:prstGeom prst="rect">
             <a:avLst/>
@@ -7168,7 +7604,7 @@
               </a:lnSpc>
             </a:pPr>
             <a:r>
-              <a:rPr lang="en-GB" sz="1600" dirty="0">
+              <a:rPr lang="en-GB" sz="2200" dirty="0">
                 <a:solidFill>
                   <a:srgbClr val="000000"/>
                 </a:solidFill>
@@ -7178,7 +7614,7 @@
               </a:rPr>
               <a:t>10 records identified through ERIC</a:t>
             </a:r>
-            <a:endParaRPr lang="en-SG" sz="1600" dirty="0">
+            <a:endParaRPr lang="en-SG" sz="2200" dirty="0">
               <a:latin typeface="Arial" panose="020B0604020202020204" pitchFamily="34" charset="0"/>
               <a:ea typeface="Times New Roman" panose="02020603050405020304" pitchFamily="18" charset="0"/>
               <a:cs typeface="Arial" panose="020B0604020202020204" pitchFamily="34" charset="0"/>
@@ -7200,8 +7636,8 @@
         </p:nvSpPr>
         <p:spPr>
           <a:xfrm>
-            <a:off x="10074401" y="1702715"/>
-            <a:ext cx="1325408" cy="1336029"/>
+            <a:off x="10554148" y="1469931"/>
+            <a:ext cx="1916181" cy="1809911"/>
           </a:xfrm>
           <a:prstGeom prst="rect">
             <a:avLst/>
@@ -7295,7 +7731,7 @@
               </a:lnSpc>
             </a:pPr>
             <a:r>
-              <a:rPr lang="en-GB" sz="1600" dirty="0">
+              <a:rPr lang="en-GB" sz="2200" dirty="0">
                 <a:solidFill>
                   <a:srgbClr val="000000"/>
                 </a:solidFill>
@@ -7306,13 +7742,13 @@
               <a:t>0 records identified through </a:t>
             </a:r>
             <a:r>
-              <a:rPr lang="en-SG" sz="1600" i="1" dirty="0">
+              <a:rPr lang="en-SG" sz="2200" i="1" dirty="0">
                 <a:latin typeface="Arial" panose="020B0604020202020204" pitchFamily="34" charset="0"/>
                 <a:cs typeface="Arial" panose="020B0604020202020204" pitchFamily="34" charset="0"/>
               </a:rPr>
               <a:t>Annals of Dyslexia</a:t>
             </a:r>
-            <a:endParaRPr lang="en-SG" sz="1600" dirty="0">
+            <a:endParaRPr lang="en-SG" sz="2200" dirty="0">
               <a:latin typeface="Arial" panose="020B0604020202020204" pitchFamily="34" charset="0"/>
               <a:ea typeface="Times New Roman" panose="02020603050405020304" pitchFamily="18" charset="0"/>
               <a:cs typeface="Arial" panose="020B0604020202020204" pitchFamily="34" charset="0"/>
@@ -7334,8 +7770,8 @@
         </p:nvSpPr>
         <p:spPr>
           <a:xfrm>
-            <a:off x="11449546" y="1696948"/>
-            <a:ext cx="1245322" cy="1342895"/>
+            <a:off x="12581005" y="1458341"/>
+            <a:ext cx="1508290" cy="1836470"/>
           </a:xfrm>
           <a:prstGeom prst="rect">
             <a:avLst/>
@@ -7429,7 +7865,7 @@
               </a:lnSpc>
             </a:pPr>
             <a:r>
-              <a:rPr lang="en-GB" sz="1600" dirty="0">
+              <a:rPr lang="en-GB" sz="2200" dirty="0">
                 <a:solidFill>
                   <a:srgbClr val="000000"/>
                 </a:solidFill>
@@ -7440,13 +7876,13 @@
               <a:t>0 records identified through </a:t>
             </a:r>
             <a:r>
-              <a:rPr lang="en-SG" sz="1600" i="1" dirty="0">
+              <a:rPr lang="en-SG" sz="2200" i="1" dirty="0">
                 <a:latin typeface="Arial" panose="020B0604020202020204" pitchFamily="34" charset="0"/>
                 <a:cs typeface="Arial" panose="020B0604020202020204" pitchFamily="34" charset="0"/>
               </a:rPr>
               <a:t>Dyslexia</a:t>
             </a:r>
-            <a:endParaRPr lang="en-SG" sz="1600" dirty="0">
+            <a:endParaRPr lang="en-SG" sz="2200" dirty="0">
               <a:latin typeface="Arial" panose="020B0604020202020204" pitchFamily="34" charset="0"/>
               <a:ea typeface="Times New Roman" panose="02020603050405020304" pitchFamily="18" charset="0"/>
               <a:cs typeface="Arial" panose="020B0604020202020204" pitchFamily="34" charset="0"/>
@@ -7468,8 +7904,8 @@
         </p:nvSpPr>
         <p:spPr>
           <a:xfrm>
-            <a:off x="12756625" y="1695849"/>
-            <a:ext cx="1245321" cy="1342895"/>
+            <a:off x="14196000" y="1467470"/>
+            <a:ext cx="1817663" cy="1827263"/>
           </a:xfrm>
           <a:prstGeom prst="rect">
             <a:avLst/>
@@ -7563,7 +7999,7 @@
               </a:lnSpc>
             </a:pPr>
             <a:r>
-              <a:rPr lang="en-GB" sz="1600" dirty="0">
+              <a:rPr lang="en-GB" sz="2200" dirty="0">
                 <a:solidFill>
                   <a:srgbClr val="000000"/>
                 </a:solidFill>
@@ -7574,13 +8010,13 @@
               <a:t>0 records identified through </a:t>
             </a:r>
             <a:r>
-              <a:rPr lang="en-SG" sz="1600" i="1" dirty="0">
+              <a:rPr lang="en-SG" sz="2200" i="1" dirty="0">
                 <a:latin typeface="Arial" panose="020B0604020202020204" pitchFamily="34" charset="0"/>
                 <a:cs typeface="Arial" panose="020B0604020202020204" pitchFamily="34" charset="0"/>
               </a:rPr>
               <a:t>Google Scholar</a:t>
             </a:r>
-            <a:endParaRPr lang="en-SG" sz="1600" dirty="0">
+            <a:endParaRPr lang="en-SG" sz="2200" dirty="0">
               <a:latin typeface="Arial" panose="020B0604020202020204" pitchFamily="34" charset="0"/>
               <a:ea typeface="Times New Roman" panose="02020603050405020304" pitchFamily="18" charset="0"/>
               <a:cs typeface="Arial" panose="020B0604020202020204" pitchFamily="34" charset="0"/>
@@ -7602,8 +8038,8 @@
         </p:nvSpPr>
         <p:spPr>
           <a:xfrm>
-            <a:off x="14088736" y="1687739"/>
-            <a:ext cx="1325408" cy="1342895"/>
+            <a:off x="16120367" y="1463558"/>
+            <a:ext cx="1817663" cy="1836471"/>
           </a:xfrm>
           <a:prstGeom prst="rect">
             <a:avLst/>
@@ -7697,7 +8133,7 @@
               </a:lnSpc>
             </a:pPr>
             <a:r>
-              <a:rPr lang="en-GB" sz="1600" dirty="0">
+              <a:rPr lang="en-GB" sz="2200" dirty="0">
                 <a:solidFill>
                   <a:srgbClr val="000000"/>
                 </a:solidFill>
@@ -7708,13 +8144,13 @@
               <a:t>0 records identified through </a:t>
             </a:r>
             <a:r>
-              <a:rPr lang="en-SG" sz="1600" i="1" dirty="0">
+              <a:rPr lang="en-SG" sz="2200" i="1" dirty="0">
                 <a:latin typeface="Arial" panose="020B0604020202020204" pitchFamily="34" charset="0"/>
                 <a:cs typeface="Arial" panose="020B0604020202020204" pitchFamily="34" charset="0"/>
               </a:rPr>
               <a:t>Reading and Writing</a:t>
             </a:r>
-            <a:endParaRPr lang="en-SG" sz="1600" dirty="0">
+            <a:endParaRPr lang="en-SG" sz="2200" dirty="0">
               <a:latin typeface="Arial" panose="020B0604020202020204" pitchFamily="34" charset="0"/>
               <a:ea typeface="Times New Roman" panose="02020603050405020304" pitchFamily="18" charset="0"/>
               <a:cs typeface="Arial" panose="020B0604020202020204" pitchFamily="34" charset="0"/>
@@ -7736,8 +8172,8 @@
         </p:nvSpPr>
         <p:spPr>
           <a:xfrm>
-            <a:off x="15494469" y="1686685"/>
-            <a:ext cx="1245090" cy="1342896"/>
+            <a:off x="18020754" y="1469929"/>
+            <a:ext cx="1562478" cy="1836471"/>
           </a:xfrm>
           <a:prstGeom prst="rect">
             <a:avLst/>
@@ -7831,7 +8267,7 @@
               </a:lnSpc>
             </a:pPr>
             <a:r>
-              <a:rPr lang="en-GB" sz="1600" dirty="0">
+              <a:rPr lang="en-GB" sz="2200" dirty="0">
                 <a:solidFill>
                   <a:srgbClr val="000000"/>
                 </a:solidFill>
@@ -7842,13 +8278,13 @@
               <a:t>119 records identified through </a:t>
             </a:r>
             <a:r>
-              <a:rPr lang="en-SG" sz="1600" i="1" dirty="0">
+              <a:rPr lang="en-SG" sz="2200" i="1" dirty="0">
                 <a:latin typeface="Arial" panose="020B0604020202020204" pitchFamily="34" charset="0"/>
                 <a:cs typeface="Arial" panose="020B0604020202020204" pitchFamily="34" charset="0"/>
               </a:rPr>
               <a:t>OpenGrey</a:t>
             </a:r>
-            <a:endParaRPr lang="en-SG" sz="1600" dirty="0">
+            <a:endParaRPr lang="en-SG" sz="2200" dirty="0">
               <a:latin typeface="Arial" panose="020B0604020202020204" pitchFamily="34" charset="0"/>
               <a:ea typeface="Times New Roman" panose="02020603050405020304" pitchFamily="18" charset="0"/>
               <a:cs typeface="Arial" panose="020B0604020202020204" pitchFamily="34" charset="0"/>
@@ -7870,8 +8306,8 @@
         </p:nvSpPr>
         <p:spPr>
           <a:xfrm>
-            <a:off x="16827709" y="1686685"/>
-            <a:ext cx="1866932" cy="1342896"/>
+            <a:off x="19665957" y="1459967"/>
+            <a:ext cx="2631826" cy="1887412"/>
           </a:xfrm>
           <a:prstGeom prst="rect">
             <a:avLst/>
@@ -7965,7 +8401,7 @@
               </a:lnSpc>
             </a:pPr>
             <a:r>
-              <a:rPr lang="en-GB" sz="1600" dirty="0">
+              <a:rPr lang="en-GB" sz="2200" dirty="0">
                 <a:solidFill>
                   <a:srgbClr val="000000"/>
                 </a:solidFill>
@@ -7976,13 +8412,13 @@
               <a:t>117 records identified through </a:t>
             </a:r>
             <a:r>
-              <a:rPr lang="en-SG" sz="1600" i="1" dirty="0">
+              <a:rPr lang="en-SG" sz="2200" i="1" dirty="0">
                 <a:latin typeface="Arial" panose="020B0604020202020204" pitchFamily="34" charset="0"/>
                 <a:cs typeface="Arial" panose="020B0604020202020204" pitchFamily="34" charset="0"/>
               </a:rPr>
               <a:t>ProQuest Dissertations &amp; Theses</a:t>
             </a:r>
-            <a:endParaRPr lang="en-SG" sz="1600" dirty="0">
+            <a:endParaRPr lang="en-SG" sz="2200" dirty="0">
               <a:latin typeface="Arial" panose="020B0604020202020204" pitchFamily="34" charset="0"/>
               <a:ea typeface="Times New Roman" panose="02020603050405020304" pitchFamily="18" charset="0"/>
               <a:cs typeface="Arial" panose="020B0604020202020204" pitchFamily="34" charset="0"/>
@@ -8004,8 +8440,8 @@
         </p:nvSpPr>
         <p:spPr>
           <a:xfrm>
-            <a:off x="18851083" y="1686686"/>
-            <a:ext cx="1544286" cy="1342896"/>
+            <a:off x="22465242" y="1426160"/>
+            <a:ext cx="2168924" cy="1921219"/>
           </a:xfrm>
           <a:prstGeom prst="rect">
             <a:avLst/>
@@ -8099,7 +8535,7 @@
               </a:lnSpc>
             </a:pPr>
             <a:r>
-              <a:rPr lang="en-GB" sz="1600" dirty="0">
+              <a:rPr lang="en-GB" sz="2200" dirty="0">
                 <a:solidFill>
                   <a:srgbClr val="000000"/>
                 </a:solidFill>
@@ -8109,7 +8545,7 @@
               </a:rPr>
               <a:t>0 records identified through other sources (e.g., email alerts)</a:t>
             </a:r>
-            <a:endParaRPr lang="en-SG" sz="1600" dirty="0">
+            <a:endParaRPr lang="en-SG" sz="2200" dirty="0">
               <a:latin typeface="Arial" panose="020B0604020202020204" pitchFamily="34" charset="0"/>
               <a:ea typeface="Times New Roman" panose="02020603050405020304" pitchFamily="18" charset="0"/>
               <a:cs typeface="Arial" panose="020B0604020202020204" pitchFamily="34" charset="0"/>
@@ -8131,8 +8567,8 @@
         </p:nvSpPr>
         <p:spPr>
           <a:xfrm>
-            <a:off x="3383608" y="1295801"/>
-            <a:ext cx="6600003" cy="314793"/>
+            <a:off x="1457343" y="936569"/>
+            <a:ext cx="8965632" cy="400239"/>
           </a:xfrm>
           <a:prstGeom prst="rect">
             <a:avLst/>
@@ -8228,7 +8664,7 @@
               </a:lnSpc>
             </a:pPr>
             <a:r>
-              <a:rPr lang="en-GB" sz="1800" b="1" dirty="0">
+              <a:rPr lang="en-GB" sz="2200" b="1" dirty="0">
                 <a:solidFill>
                   <a:srgbClr val="000000"/>
                 </a:solidFill>
@@ -8238,7 +8674,7 @@
               </a:rPr>
               <a:t>Databases</a:t>
             </a:r>
-            <a:endParaRPr lang="en-SG" sz="1800" b="1" dirty="0">
+            <a:endParaRPr lang="en-SG" sz="2200" b="1" dirty="0">
               <a:latin typeface="Arial" panose="020B0604020202020204" pitchFamily="34" charset="0"/>
               <a:ea typeface="Times New Roman" panose="02020603050405020304" pitchFamily="18" charset="0"/>
               <a:cs typeface="Arial" panose="020B0604020202020204" pitchFamily="34" charset="0"/>
@@ -8260,8 +8696,8 @@
         </p:nvSpPr>
         <p:spPr>
           <a:xfrm>
-            <a:off x="10072258" y="1294512"/>
-            <a:ext cx="8622383" cy="316314"/>
+            <a:off x="10554147" y="935463"/>
+            <a:ext cx="11743636" cy="407775"/>
           </a:xfrm>
           <a:prstGeom prst="rect">
             <a:avLst/>
@@ -8357,7 +8793,7 @@
               </a:lnSpc>
             </a:pPr>
             <a:r>
-              <a:rPr lang="en-GB" sz="1800" b="1" dirty="0">
+              <a:rPr lang="en-GB" sz="2200" b="1" dirty="0">
                 <a:solidFill>
                   <a:srgbClr val="000000"/>
                 </a:solidFill>
@@ -8367,7 +8803,7 @@
               </a:rPr>
               <a:t>Manual Search</a:t>
             </a:r>
-            <a:endParaRPr lang="en-SG" sz="1800" b="1" dirty="0">
+            <a:endParaRPr lang="en-SG" sz="2200" b="1" dirty="0">
               <a:latin typeface="Arial" panose="020B0604020202020204" pitchFamily="34" charset="0"/>
               <a:ea typeface="Times New Roman" panose="02020603050405020304" pitchFamily="18" charset="0"/>
               <a:cs typeface="Arial" panose="020B0604020202020204" pitchFamily="34" charset="0"/>
@@ -8389,8 +8825,8 @@
         </p:nvSpPr>
         <p:spPr>
           <a:xfrm>
-            <a:off x="18851083" y="1295029"/>
-            <a:ext cx="1544286" cy="317086"/>
+            <a:off x="22465243" y="935463"/>
+            <a:ext cx="2168923" cy="401345"/>
           </a:xfrm>
           <a:prstGeom prst="rect">
             <a:avLst/>
@@ -8486,7 +8922,7 @@
               </a:lnSpc>
             </a:pPr>
             <a:r>
-              <a:rPr lang="en-GB" sz="1800" b="1" dirty="0">
+              <a:rPr lang="en-GB" sz="2200" b="1" dirty="0">
                 <a:solidFill>
                   <a:srgbClr val="000000"/>
                 </a:solidFill>
@@ -8496,7 +8932,7 @@
               </a:rPr>
               <a:t>Others</a:t>
             </a:r>
-            <a:endParaRPr lang="en-SG" sz="1800" b="1" dirty="0">
+            <a:endParaRPr lang="en-SG" sz="2200" b="1" dirty="0">
               <a:latin typeface="Arial" panose="020B0604020202020204" pitchFamily="34" charset="0"/>
               <a:ea typeface="Times New Roman" panose="02020603050405020304" pitchFamily="18" charset="0"/>
               <a:cs typeface="Arial" panose="020B0604020202020204" pitchFamily="34" charset="0"/>
@@ -8522,12 +8958,12 @@
         </p:nvCxnSpPr>
         <p:spPr>
           <a:xfrm rot="16200000" flipH="1">
-            <a:off x="7756790" y="594550"/>
-            <a:ext cx="1457082" cy="6349229"/>
+            <a:off x="7386008" y="-430"/>
+            <a:ext cx="2277278" cy="8841038"/>
           </a:xfrm>
           <a:prstGeom prst="bentConnector3">
             <a:avLst>
-              <a:gd name="adj1" fmla="val 50136"/>
+              <a:gd name="adj1" fmla="val 50000"/>
             </a:avLst>
           </a:prstGeom>
           <a:ln>
@@ -8567,12 +9003,12 @@
         </p:nvCxnSpPr>
         <p:spPr>
           <a:xfrm rot="16200000" flipH="1">
-            <a:off x="8412260" y="1250019"/>
-            <a:ext cx="1457085" cy="5038287"/>
+            <a:off x="8304901" y="918462"/>
+            <a:ext cx="2275523" cy="7005007"/>
           </a:xfrm>
           <a:prstGeom prst="bentConnector3">
             <a:avLst>
-              <a:gd name="adj1" fmla="val 50000"/>
+              <a:gd name="adj1" fmla="val 49702"/>
             </a:avLst>
           </a:prstGeom>
           <a:ln>
@@ -8612,8 +9048,8 @@
         </p:nvCxnSpPr>
         <p:spPr>
           <a:xfrm rot="16200000" flipH="1">
-            <a:off x="9059313" y="1897072"/>
-            <a:ext cx="1457089" cy="3744177"/>
+            <a:off x="9195747" y="1809308"/>
+            <a:ext cx="2277281" cy="5221558"/>
           </a:xfrm>
           <a:prstGeom prst="bentConnector3">
             <a:avLst>
@@ -8657,12 +9093,12 @@
         </p:nvCxnSpPr>
         <p:spPr>
           <a:xfrm rot="16200000" flipH="1">
-            <a:off x="9748023" y="2585782"/>
-            <a:ext cx="1457091" cy="2366755"/>
+            <a:off x="10095569" y="2709130"/>
+            <a:ext cx="2263993" cy="3435201"/>
           </a:xfrm>
           <a:prstGeom prst="bentConnector3">
             <a:avLst>
-              <a:gd name="adj1" fmla="val 50000"/>
+              <a:gd name="adj1" fmla="val 49038"/>
             </a:avLst>
           </a:prstGeom>
           <a:ln>
@@ -8702,8 +9138,8 @@
         </p:nvCxnSpPr>
         <p:spPr>
           <a:xfrm rot="16200000" flipH="1">
-            <a:off x="10469044" y="3306804"/>
-            <a:ext cx="1458962" cy="922841"/>
+            <a:off x="11089259" y="3702821"/>
+            <a:ext cx="2278886" cy="1432927"/>
           </a:xfrm>
           <a:prstGeom prst="bentConnector3">
             <a:avLst>
@@ -8747,12 +9183,12 @@
         </p:nvCxnSpPr>
         <p:spPr>
           <a:xfrm rot="5400000">
-            <a:off x="11137146" y="3562644"/>
-            <a:ext cx="1457863" cy="412261"/>
+            <a:off x="12008200" y="4231777"/>
+            <a:ext cx="2263917" cy="389984"/>
           </a:xfrm>
           <a:prstGeom prst="bentConnector3">
             <a:avLst>
-              <a:gd name="adj1" fmla="val 50000"/>
+              <a:gd name="adj1" fmla="val 49646"/>
             </a:avLst>
           </a:prstGeom>
           <a:ln>
@@ -8792,12 +9228,12 @@
         </p:nvCxnSpPr>
         <p:spPr>
           <a:xfrm rot="5400000">
-            <a:off x="11790135" y="2908555"/>
-            <a:ext cx="1458962" cy="1719340"/>
+            <a:off x="12893002" y="3346897"/>
+            <a:ext cx="2263995" cy="2159666"/>
           </a:xfrm>
           <a:prstGeom prst="bentConnector3">
             <a:avLst>
-              <a:gd name="adj1" fmla="val 50000"/>
+              <a:gd name="adj1" fmla="val 49766"/>
             </a:avLst>
           </a:prstGeom>
           <a:ln>
@@ -8837,12 +9273,12 @@
         </p:nvCxnSpPr>
         <p:spPr>
           <a:xfrm rot="5400000">
-            <a:off x="12472157" y="2218423"/>
-            <a:ext cx="1467072" cy="3091494"/>
+            <a:off x="13857834" y="2387362"/>
+            <a:ext cx="2258699" cy="4084033"/>
           </a:xfrm>
           <a:prstGeom prst="bentConnector3">
             <a:avLst>
-              <a:gd name="adj1" fmla="val 50452"/>
+              <a:gd name="adj1" fmla="val 50096"/>
             </a:avLst>
           </a:prstGeom>
           <a:ln>
@@ -8882,12 +9318,12 @@
         </p:nvCxnSpPr>
         <p:spPr>
           <a:xfrm rot="5400000">
-            <a:off x="13154418" y="1535109"/>
-            <a:ext cx="1468125" cy="4457068"/>
+            <a:off x="14747416" y="1504151"/>
+            <a:ext cx="2252328" cy="5856827"/>
           </a:xfrm>
           <a:prstGeom prst="bentConnector3">
             <a:avLst>
-              <a:gd name="adj1" fmla="val 50451"/>
+              <a:gd name="adj1" fmla="val 49880"/>
             </a:avLst>
           </a:prstGeom>
           <a:ln>
@@ -8927,12 +9363,12 @@
         </p:nvCxnSpPr>
         <p:spPr>
           <a:xfrm rot="5400000">
-            <a:off x="13976499" y="713029"/>
-            <a:ext cx="1468125" cy="6101229"/>
+            <a:off x="15857844" y="434701"/>
+            <a:ext cx="2211349" cy="8036704"/>
           </a:xfrm>
           <a:prstGeom prst="bentConnector3">
             <a:avLst>
-              <a:gd name="adj1" fmla="val 50451"/>
+              <a:gd name="adj1" fmla="val 48730"/>
             </a:avLst>
           </a:prstGeom>
           <a:ln>
@@ -8972,12 +9408,12 @@
         </p:nvCxnSpPr>
         <p:spPr>
           <a:xfrm rot="5400000">
-            <a:off x="14907524" y="-217996"/>
-            <a:ext cx="1468124" cy="7963280"/>
+            <a:off x="17141761" y="-849216"/>
+            <a:ext cx="2211349" cy="10604538"/>
           </a:xfrm>
           <a:prstGeom prst="bentConnector3">
             <a:avLst>
-              <a:gd name="adj1" fmla="val 50903"/>
+              <a:gd name="adj1" fmla="val 48615"/>
             </a:avLst>
           </a:prstGeom>
           <a:ln>
@@ -9017,8 +9453,8 @@
         </p:nvCxnSpPr>
         <p:spPr>
           <a:xfrm rot="16200000" flipH="1">
-            <a:off x="7102321" y="-59920"/>
-            <a:ext cx="1457083" cy="7658168"/>
+            <a:off x="6481127" y="-905311"/>
+            <a:ext cx="2277276" cy="10650802"/>
           </a:xfrm>
           <a:prstGeom prst="bentConnector3">
             <a:avLst>
@@ -9058,8 +9494,8 @@
         </p:nvSpPr>
         <p:spPr>
           <a:xfrm>
-            <a:off x="5651557" y="13657872"/>
-            <a:ext cx="1590108" cy="932265"/>
+            <a:off x="6912928" y="15267083"/>
+            <a:ext cx="1566783" cy="1055002"/>
           </a:xfrm>
           <a:prstGeom prst="rect">
             <a:avLst/>
@@ -9153,7 +9589,7 @@
               </a:lnSpc>
             </a:pPr>
             <a:r>
-              <a:rPr lang="en-GB" sz="1700" dirty="0">
+              <a:rPr lang="en-GB" sz="2200" dirty="0">
                 <a:solidFill>
                   <a:srgbClr val="000000"/>
                 </a:solidFill>
@@ -9171,7 +9607,7 @@
               </a:lnSpc>
             </a:pPr>
             <a:r>
-              <a:rPr lang="en-GB" sz="1700" i="1" dirty="0">
+              <a:rPr lang="en-GB" sz="2200" i="1" dirty="0">
                 <a:solidFill>
                   <a:srgbClr val="000000"/>
                 </a:solidFill>
@@ -9182,7 +9618,7 @@
               <a:t>N </a:t>
             </a:r>
             <a:r>
-              <a:rPr lang="en-GB" sz="1700" dirty="0">
+              <a:rPr lang="en-GB" sz="2200" dirty="0">
                 <a:solidFill>
                   <a:srgbClr val="000000"/>
                 </a:solidFill>
@@ -9192,7 +9628,7 @@
               </a:rPr>
               <a:t> = 0</a:t>
             </a:r>
-            <a:endParaRPr lang="en-SG" sz="1700" i="1" dirty="0">
+            <a:endParaRPr lang="en-SG" sz="2200" i="1" dirty="0">
               <a:latin typeface="Arial" panose="020B0604020202020204" pitchFamily="34" charset="0"/>
               <a:ea typeface="Times New Roman" panose="02020603050405020304" pitchFamily="18" charset="0"/>
               <a:cs typeface="Arial" panose="020B0604020202020204" pitchFamily="34" charset="0"/>
@@ -9214,8 +9650,8 @@
         </p:nvSpPr>
         <p:spPr>
           <a:xfrm>
-            <a:off x="15454917" y="14712874"/>
-            <a:ext cx="2186459" cy="1004503"/>
+            <a:off x="16691588" y="17555126"/>
+            <a:ext cx="2832800" cy="1144308"/>
           </a:xfrm>
           <a:prstGeom prst="rect">
             <a:avLst/>
@@ -9309,14 +9745,14 @@
               </a:lnSpc>
             </a:pPr>
             <a:r>
-              <a:rPr lang="en-GB" sz="1700" dirty="0">
+              <a:rPr lang="en-GB" sz="2200" dirty="0">
                 <a:solidFill>
                   <a:srgbClr val="000000"/>
                 </a:solidFill>
                 <a:latin typeface="Arial" panose="020B0604020202020204" pitchFamily="34" charset="0"/>
                 <a:cs typeface="Arial" panose="020B0604020202020204" pitchFamily="34" charset="0"/>
               </a:rPr>
-              <a:t>No examination of humans</a:t>
+              <a:t>No human participants</a:t>
             </a:r>
           </a:p>
           <a:p>
@@ -9326,7 +9762,7 @@
               </a:lnSpc>
             </a:pPr>
             <a:r>
-              <a:rPr lang="en-GB" sz="1700" i="1" dirty="0">
+              <a:rPr lang="en-GB" sz="2200" i="1" dirty="0">
                 <a:solidFill>
                   <a:srgbClr val="000000"/>
                 </a:solidFill>
@@ -9337,7 +9773,7 @@
               <a:t>N =</a:t>
             </a:r>
             <a:r>
-              <a:rPr lang="en-GB" sz="1700" dirty="0">
+              <a:rPr lang="en-GB" sz="2200" dirty="0">
                 <a:solidFill>
                   <a:srgbClr val="000000"/>
                 </a:solidFill>
@@ -9347,7 +9783,7 @@
               </a:rPr>
               <a:t> 7</a:t>
             </a:r>
-            <a:endParaRPr lang="en-SG" sz="1700" i="1" dirty="0">
+            <a:endParaRPr lang="en-SG" sz="2200" i="1" dirty="0">
               <a:latin typeface="Arial" panose="020B0604020202020204" pitchFamily="34" charset="0"/>
               <a:ea typeface="Times New Roman" panose="02020603050405020304" pitchFamily="18" charset="0"/>
               <a:cs typeface="Arial" panose="020B0604020202020204" pitchFamily="34" charset="0"/>
@@ -9373,8 +9809,8 @@
         </p:nvCxnSpPr>
         <p:spPr>
           <a:xfrm>
-            <a:off x="13040596" y="11532238"/>
-            <a:ext cx="2414320" cy="3682889"/>
+            <a:off x="14546652" y="13123282"/>
+            <a:ext cx="2144936" cy="5003998"/>
           </a:xfrm>
           <a:prstGeom prst="bentConnector3">
             <a:avLst>
@@ -9414,8 +9850,8 @@
         </p:nvSpPr>
         <p:spPr>
           <a:xfrm>
-            <a:off x="10259976" y="18465003"/>
-            <a:ext cx="2780620" cy="1010392"/>
+            <a:off x="11539676" y="22062526"/>
+            <a:ext cx="2780619" cy="1431807"/>
           </a:xfrm>
           <a:prstGeom prst="rect">
             <a:avLst/>
@@ -9509,7 +9945,7 @@
               </a:lnSpc>
             </a:pPr>
             <a:r>
-              <a:rPr lang="en-GB" sz="1700" dirty="0">
+              <a:rPr lang="en-GB" sz="2200" dirty="0">
                 <a:solidFill>
                   <a:srgbClr val="000000"/>
                 </a:solidFill>
@@ -9519,7 +9955,7 @@
               </a:rPr>
               <a:t>14 effect sizes from 14 independent samples</a:t>
             </a:r>
-            <a:endParaRPr lang="en-SG" sz="1700" i="1" dirty="0">
+            <a:endParaRPr lang="en-SG" sz="2200" i="1" dirty="0">
               <a:latin typeface="Arial" panose="020B0604020202020204" pitchFamily="34" charset="0"/>
               <a:ea typeface="Times New Roman" panose="02020603050405020304" pitchFamily="18" charset="0"/>
               <a:cs typeface="Arial" panose="020B0604020202020204" pitchFamily="34" charset="0"/>
@@ -9545,8 +9981,8 @@
         </p:nvCxnSpPr>
         <p:spPr>
           <a:xfrm>
-            <a:off x="11650286" y="17943490"/>
-            <a:ext cx="0" cy="521513"/>
+            <a:off x="12910779" y="21721717"/>
+            <a:ext cx="19207" cy="340806"/>
           </a:xfrm>
           <a:prstGeom prst="straightConnector1">
             <a:avLst/>
@@ -9896,4 +10332,319 @@
     </a:ext>
   </a:extLst>
 </a:theme>
+</file>
+
+<file path=ppt/theme/theme2.xml><?xml version="1.0" encoding="utf-8"?>
+<a:theme xmlns:a="http://schemas.openxmlformats.org/drawingml/2006/main" name="Office Theme">
+  <a:themeElements>
+    <a:clrScheme name="Office">
+      <a:dk1>
+        <a:sysClr val="windowText" lastClr="000000"/>
+      </a:dk1>
+      <a:lt1>
+        <a:sysClr val="window" lastClr="FFFFFF"/>
+      </a:lt1>
+      <a:dk2>
+        <a:srgbClr val="0E2841"/>
+      </a:dk2>
+      <a:lt2>
+        <a:srgbClr val="E8E8E8"/>
+      </a:lt2>
+      <a:accent1>
+        <a:srgbClr val="156082"/>
+      </a:accent1>
+      <a:accent2>
+        <a:srgbClr val="E97132"/>
+      </a:accent2>
+      <a:accent3>
+        <a:srgbClr val="196B24"/>
+      </a:accent3>
+      <a:accent4>
+        <a:srgbClr val="0F9ED5"/>
+      </a:accent4>
+      <a:accent5>
+        <a:srgbClr val="A02B93"/>
+      </a:accent5>
+      <a:accent6>
+        <a:srgbClr val="4EA72E"/>
+      </a:accent6>
+      <a:hlink>
+        <a:srgbClr val="467886"/>
+      </a:hlink>
+      <a:folHlink>
+        <a:srgbClr val="96607D"/>
+      </a:folHlink>
+    </a:clrScheme>
+    <a:fontScheme name="Office">
+      <a:majorFont>
+        <a:latin typeface="Aptos Display" panose="02110004020202020204"/>
+        <a:ea typeface=""/>
+        <a:cs typeface=""/>
+        <a:font script="Jpan" typeface="游ゴシック Light"/>
+        <a:font script="Hang" typeface="맑은 고딕"/>
+        <a:font script="Hans" typeface="等线 Light"/>
+        <a:font script="Hant" typeface="新細明體"/>
+        <a:font script="Arab" typeface="Times New Roman"/>
+        <a:font script="Hebr" typeface="Times New Roman"/>
+        <a:font script="Thai" typeface="Angsana New"/>
+        <a:font script="Ethi" typeface="Nyala"/>
+        <a:font script="Beng" typeface="Vrinda"/>
+        <a:font script="Gujr" typeface="Shruti"/>
+        <a:font script="Khmr" typeface="MoolBoran"/>
+        <a:font script="Knda" typeface="Tunga"/>
+        <a:font script="Guru" typeface="Raavi"/>
+        <a:font script="Cans" typeface="Euphemia"/>
+        <a:font script="Cher" typeface="Plantagenet Cherokee"/>
+        <a:font script="Yiii" typeface="Microsoft Yi Baiti"/>
+        <a:font script="Tibt" typeface="Microsoft Himalaya"/>
+        <a:font script="Thaa" typeface="MV Boli"/>
+        <a:font script="Deva" typeface="Mangal"/>
+        <a:font script="Telu" typeface="Gautami"/>
+        <a:font script="Taml" typeface="Latha"/>
+        <a:font script="Syrc" typeface="Estrangelo Edessa"/>
+        <a:font script="Orya" typeface="Kalinga"/>
+        <a:font script="Mlym" typeface="Kartika"/>
+        <a:font script="Laoo" typeface="DokChampa"/>
+        <a:font script="Sinh" typeface="Iskoola Pota"/>
+        <a:font script="Mong" typeface="Mongolian Baiti"/>
+        <a:font script="Viet" typeface="Times New Roman"/>
+        <a:font script="Uigh" typeface="Microsoft Uighur"/>
+        <a:font script="Geor" typeface="Sylfaen"/>
+        <a:font script="Armn" typeface="Arial"/>
+        <a:font script="Bugi" typeface="Leelawadee UI"/>
+        <a:font script="Bopo" typeface="Microsoft JhengHei"/>
+        <a:font script="Java" typeface="Javanese Text"/>
+        <a:font script="Lisu" typeface="Segoe UI"/>
+        <a:font script="Mymr" typeface="Myanmar Text"/>
+        <a:font script="Nkoo" typeface="Ebrima"/>
+        <a:font script="Olck" typeface="Nirmala UI"/>
+        <a:font script="Osma" typeface="Ebrima"/>
+        <a:font script="Phag" typeface="Phagspa"/>
+        <a:font script="Syrn" typeface="Estrangelo Edessa"/>
+        <a:font script="Syrj" typeface="Estrangelo Edessa"/>
+        <a:font script="Syre" typeface="Estrangelo Edessa"/>
+        <a:font script="Sora" typeface="Nirmala UI"/>
+        <a:font script="Tale" typeface="Microsoft Tai Le"/>
+        <a:font script="Talu" typeface="Microsoft New Tai Lue"/>
+        <a:font script="Tfng" typeface="Ebrima"/>
+      </a:majorFont>
+      <a:minorFont>
+        <a:latin typeface="Aptos" panose="02110004020202020204"/>
+        <a:ea typeface=""/>
+        <a:cs typeface=""/>
+        <a:font script="Jpan" typeface="游ゴシック"/>
+        <a:font script="Hang" typeface="맑은 고딕"/>
+        <a:font script="Hans" typeface="等线"/>
+        <a:font script="Hant" typeface="新細明體"/>
+        <a:font script="Arab" typeface="Arial"/>
+        <a:font script="Hebr" typeface="Arial"/>
+        <a:font script="Thai" typeface="Cordia New"/>
+        <a:font script="Ethi" typeface="Nyala"/>
+        <a:font script="Beng" typeface="Vrinda"/>
+        <a:font script="Gujr" typeface="Shruti"/>
+        <a:font script="Khmr" typeface="DaunPenh"/>
+        <a:font script="Knda" typeface="Tunga"/>
+        <a:font script="Guru" typeface="Raavi"/>
+        <a:font script="Cans" typeface="Euphemia"/>
+        <a:font script="Cher" typeface="Plantagenet Cherokee"/>
+        <a:font script="Yiii" typeface="Microsoft Yi Baiti"/>
+        <a:font script="Tibt" typeface="Microsoft Himalaya"/>
+        <a:font script="Thaa" typeface="MV Boli"/>
+        <a:font script="Deva" typeface="Mangal"/>
+        <a:font script="Telu" typeface="Gautami"/>
+        <a:font script="Taml" typeface="Latha"/>
+        <a:font script="Syrc" typeface="Estrangelo Edessa"/>
+        <a:font script="Orya" typeface="Kalinga"/>
+        <a:font script="Mlym" typeface="Kartika"/>
+        <a:font script="Laoo" typeface="DokChampa"/>
+        <a:font script="Sinh" typeface="Iskoola Pota"/>
+        <a:font script="Mong" typeface="Mongolian Baiti"/>
+        <a:font script="Viet" typeface="Arial"/>
+        <a:font script="Uigh" typeface="Microsoft Uighur"/>
+        <a:font script="Geor" typeface="Sylfaen"/>
+        <a:font script="Armn" typeface="Arial"/>
+        <a:font script="Bugi" typeface="Leelawadee UI"/>
+        <a:font script="Bopo" typeface="Microsoft JhengHei"/>
+        <a:font script="Java" typeface="Javanese Text"/>
+        <a:font script="Lisu" typeface="Segoe UI"/>
+        <a:font script="Mymr" typeface="Myanmar Text"/>
+        <a:font script="Nkoo" typeface="Ebrima"/>
+        <a:font script="Olck" typeface="Nirmala UI"/>
+        <a:font script="Osma" typeface="Ebrima"/>
+        <a:font script="Phag" typeface="Phagspa"/>
+        <a:font script="Syrn" typeface="Estrangelo Edessa"/>
+        <a:font script="Syrj" typeface="Estrangelo Edessa"/>
+        <a:font script="Syre" typeface="Estrangelo Edessa"/>
+        <a:font script="Sora" typeface="Nirmala UI"/>
+        <a:font script="Tale" typeface="Microsoft Tai Le"/>
+        <a:font script="Talu" typeface="Microsoft New Tai Lue"/>
+        <a:font script="Tfng" typeface="Ebrima"/>
+      </a:minorFont>
+    </a:fontScheme>
+    <a:fmtScheme name="Office">
+      <a:fillStyleLst>
+        <a:solidFill>
+          <a:schemeClr val="phClr"/>
+        </a:solidFill>
+        <a:gradFill rotWithShape="1">
+          <a:gsLst>
+            <a:gs pos="0">
+              <a:schemeClr val="phClr">
+                <a:lumMod val="110000"/>
+                <a:satMod val="105000"/>
+                <a:tint val="67000"/>
+              </a:schemeClr>
+            </a:gs>
+            <a:gs pos="50000">
+              <a:schemeClr val="phClr">
+                <a:lumMod val="105000"/>
+                <a:satMod val="103000"/>
+                <a:tint val="73000"/>
+              </a:schemeClr>
+            </a:gs>
+            <a:gs pos="100000">
+              <a:schemeClr val="phClr">
+                <a:lumMod val="105000"/>
+                <a:satMod val="109000"/>
+                <a:tint val="81000"/>
+              </a:schemeClr>
+            </a:gs>
+          </a:gsLst>
+          <a:lin ang="5400000" scaled="0"/>
+        </a:gradFill>
+        <a:gradFill rotWithShape="1">
+          <a:gsLst>
+            <a:gs pos="0">
+              <a:schemeClr val="phClr">
+                <a:satMod val="103000"/>
+                <a:lumMod val="102000"/>
+                <a:tint val="94000"/>
+              </a:schemeClr>
+            </a:gs>
+            <a:gs pos="50000">
+              <a:schemeClr val="phClr">
+                <a:satMod val="110000"/>
+                <a:lumMod val="100000"/>
+                <a:shade val="100000"/>
+              </a:schemeClr>
+            </a:gs>
+            <a:gs pos="100000">
+              <a:schemeClr val="phClr">
+                <a:lumMod val="99000"/>
+                <a:satMod val="120000"/>
+                <a:shade val="78000"/>
+              </a:schemeClr>
+            </a:gs>
+          </a:gsLst>
+          <a:lin ang="5400000" scaled="0"/>
+        </a:gradFill>
+      </a:fillStyleLst>
+      <a:lnStyleLst>
+        <a:ln w="12700" cap="flat" cmpd="sng" algn="ctr">
+          <a:solidFill>
+            <a:schemeClr val="phClr"/>
+          </a:solidFill>
+          <a:prstDash val="solid"/>
+          <a:miter lim="800000"/>
+        </a:ln>
+        <a:ln w="19050" cap="flat" cmpd="sng" algn="ctr">
+          <a:solidFill>
+            <a:schemeClr val="phClr"/>
+          </a:solidFill>
+          <a:prstDash val="solid"/>
+          <a:miter lim="800000"/>
+        </a:ln>
+        <a:ln w="25400" cap="flat" cmpd="sng" algn="ctr">
+          <a:solidFill>
+            <a:schemeClr val="phClr"/>
+          </a:solidFill>
+          <a:prstDash val="solid"/>
+          <a:miter lim="800000"/>
+        </a:ln>
+      </a:lnStyleLst>
+      <a:effectStyleLst>
+        <a:effectStyle>
+          <a:effectLst/>
+        </a:effectStyle>
+        <a:effectStyle>
+          <a:effectLst/>
+        </a:effectStyle>
+        <a:effectStyle>
+          <a:effectLst>
+            <a:outerShdw blurRad="57150" dist="19050" dir="5400000" algn="ctr" rotWithShape="0">
+              <a:srgbClr val="000000">
+                <a:alpha val="63000"/>
+              </a:srgbClr>
+            </a:outerShdw>
+          </a:effectLst>
+        </a:effectStyle>
+      </a:effectStyleLst>
+      <a:bgFillStyleLst>
+        <a:solidFill>
+          <a:schemeClr val="phClr"/>
+        </a:solidFill>
+        <a:solidFill>
+          <a:schemeClr val="phClr">
+            <a:tint val="95000"/>
+            <a:satMod val="170000"/>
+          </a:schemeClr>
+        </a:solidFill>
+        <a:gradFill rotWithShape="1">
+          <a:gsLst>
+            <a:gs pos="0">
+              <a:schemeClr val="phClr">
+                <a:tint val="93000"/>
+                <a:satMod val="150000"/>
+                <a:shade val="98000"/>
+                <a:lumMod val="102000"/>
+              </a:schemeClr>
+            </a:gs>
+            <a:gs pos="50000">
+              <a:schemeClr val="phClr">
+                <a:tint val="98000"/>
+                <a:satMod val="130000"/>
+                <a:shade val="90000"/>
+                <a:lumMod val="103000"/>
+              </a:schemeClr>
+            </a:gs>
+            <a:gs pos="100000">
+              <a:schemeClr val="phClr">
+                <a:shade val="63000"/>
+                <a:satMod val="120000"/>
+              </a:schemeClr>
+            </a:gs>
+          </a:gsLst>
+          <a:lin ang="5400000" scaled="0"/>
+        </a:gradFill>
+      </a:bgFillStyleLst>
+    </a:fmtScheme>
+  </a:themeElements>
+  <a:objectDefaults>
+    <a:lnDef>
+      <a:spPr/>
+      <a:bodyPr/>
+      <a:lstStyle/>
+      <a:style>
+        <a:lnRef idx="2">
+          <a:schemeClr val="accent1"/>
+        </a:lnRef>
+        <a:fillRef idx="0">
+          <a:schemeClr val="accent1"/>
+        </a:fillRef>
+        <a:effectRef idx="1">
+          <a:schemeClr val="accent1"/>
+        </a:effectRef>
+        <a:fontRef idx="minor">
+          <a:schemeClr val="tx1"/>
+        </a:fontRef>
+      </a:style>
+    </a:lnDef>
+  </a:objectDefaults>
+  <a:extraClrSchemeLst/>
+  <a:extLst>
+    <a:ext uri="{05A4C25C-085E-4340-85A3-A5531E510DB2}">
+      <thm15:themeFamily xmlns:thm15="http://schemas.microsoft.com/office/thememl/2012/main" name="Office Theme" id="{2E142A2C-CD16-42D6-873A-C26D2A0506FA}" vid="{1BDDFF52-6CD6-40A5-AB3C-68EB2F1E4D0A}"/>
+    </a:ext>
+  </a:extLst>
+</a:theme>
 </file>
--- a/Additional Information/PRISMA Example.pptx
+++ b/Additional Information/PRISMA Example.pptx
@@ -2,7 +2,7 @@
 <file path=ppt/presentation.xml><?xml version="1.0" encoding="utf-8"?>
 <p:presentation xmlns:a="http://schemas.openxmlformats.org/drawingml/2006/main" xmlns:r="http://schemas.openxmlformats.org/officeDocument/2006/relationships" xmlns:p="http://schemas.openxmlformats.org/presentationml/2006/main" saveSubsetFonts="1" autoCompressPictures="0">
   <p:sldMasterIdLst>
-    <p:sldMasterId id="2147483840" r:id="rId1"/>
+    <p:sldMasterId id="2147483876" r:id="rId1"/>
   </p:sldMasterIdLst>
   <p:notesMasterIdLst>
     <p:notesMasterId r:id="rId3"/>
@@ -10,7 +10,7 @@
   <p:sldIdLst>
     <p:sldId id="256" r:id="rId2"/>
   </p:sldIdLst>
-  <p:sldSz cx="25920700" cy="23760113"/>
+  <p:sldSz cx="25199975" cy="27000200"/>
   <p:notesSz cx="6858000" cy="9144000"/>
   <p:defaultTextStyle>
     <a:defPPr>
@@ -197,7 +197,7 @@
           <a:p>
             <a:fld id="{19FB0225-B59B-D846-96CB-8681BDE1B0D6}" type="datetimeFigureOut">
               <a:rPr lang="en-US" smtClean="0"/>
-              <a:t>6/24/25</a:t>
+              <a:t>7/3/25</a:t>
             </a:fld>
             <a:endParaRPr lang="en-US"/>
           </a:p>
@@ -215,8 +215,8 @@
         </p:nvSpPr>
         <p:spPr>
           <a:xfrm>
-            <a:off x="1746250" y="1143000"/>
-            <a:ext cx="3365500" cy="3086100"/>
+            <a:off x="1989138" y="1143000"/>
+            <a:ext cx="2879725" cy="3086100"/>
           </a:xfrm>
           <a:prstGeom prst="rect">
             <a:avLst/>
@@ -494,8 +494,8 @@
         </p:nvSpPr>
         <p:spPr>
           <a:xfrm>
-            <a:off x="1746250" y="1143000"/>
-            <a:ext cx="3365500" cy="3086100"/>
+            <a:off x="1989138" y="1143000"/>
+            <a:ext cx="2879725" cy="3086100"/>
           </a:xfrm>
         </p:spPr>
       </p:sp>
@@ -583,15 +583,15 @@
         </p:nvSpPr>
         <p:spPr>
           <a:xfrm>
-            <a:off x="1944053" y="3888520"/>
-            <a:ext cx="22032595" cy="8272039"/>
+            <a:off x="1889998" y="4418785"/>
+            <a:ext cx="21419979" cy="9400070"/>
           </a:xfrm>
         </p:spPr>
         <p:txBody>
           <a:bodyPr anchor="b"/>
           <a:lstStyle>
             <a:lvl1pPr algn="ctr">
-              <a:defRPr sz="17008"/>
+              <a:defRPr sz="16535"/>
             </a:lvl1pPr>
           </a:lstStyle>
           <a:p>
@@ -615,8 +615,8 @@
         </p:nvSpPr>
         <p:spPr>
           <a:xfrm>
-            <a:off x="3240088" y="12479561"/>
-            <a:ext cx="19440525" cy="5736526"/>
+            <a:off x="3149997" y="14181357"/>
+            <a:ext cx="18899981" cy="6518796"/>
           </a:xfrm>
         </p:spPr>
         <p:txBody>
@@ -624,39 +624,39 @@
           <a:lstStyle>
             <a:lvl1pPr marL="0" indent="0" algn="ctr">
               <a:buNone/>
-              <a:defRPr sz="6803"/>
+              <a:defRPr sz="6614"/>
             </a:lvl1pPr>
-            <a:lvl2pPr marL="1296025" indent="0" algn="ctr">
+            <a:lvl2pPr marL="1259997" indent="0" algn="ctr">
               <a:buNone/>
-              <a:defRPr sz="5669"/>
+              <a:defRPr sz="5512"/>
             </a:lvl2pPr>
-            <a:lvl3pPr marL="2592050" indent="0" algn="ctr">
+            <a:lvl3pPr marL="2519995" indent="0" algn="ctr">
               <a:buNone/>
-              <a:defRPr sz="5102"/>
+              <a:defRPr sz="4961"/>
             </a:lvl3pPr>
-            <a:lvl4pPr marL="3888075" indent="0" algn="ctr">
+            <a:lvl4pPr marL="3779992" indent="0" algn="ctr">
               <a:buNone/>
-              <a:defRPr sz="4536"/>
+              <a:defRPr sz="4409"/>
             </a:lvl4pPr>
-            <a:lvl5pPr marL="5184099" indent="0" algn="ctr">
+            <a:lvl5pPr marL="5039990" indent="0" algn="ctr">
               <a:buNone/>
-              <a:defRPr sz="4536"/>
+              <a:defRPr sz="4409"/>
             </a:lvl5pPr>
-            <a:lvl6pPr marL="6480124" indent="0" algn="ctr">
+            <a:lvl6pPr marL="6299987" indent="0" algn="ctr">
               <a:buNone/>
-              <a:defRPr sz="4536"/>
+              <a:defRPr sz="4409"/>
             </a:lvl6pPr>
-            <a:lvl7pPr marL="7776149" indent="0" algn="ctr">
+            <a:lvl7pPr marL="7559985" indent="0" algn="ctr">
               <a:buNone/>
-              <a:defRPr sz="4536"/>
+              <a:defRPr sz="4409"/>
             </a:lvl7pPr>
-            <a:lvl8pPr marL="9072174" indent="0" algn="ctr">
+            <a:lvl8pPr marL="8819982" indent="0" algn="ctr">
               <a:buNone/>
-              <a:defRPr sz="4536"/>
+              <a:defRPr sz="4409"/>
             </a:lvl8pPr>
-            <a:lvl9pPr marL="10368199" indent="0" algn="ctr">
+            <a:lvl9pPr marL="10079980" indent="0" algn="ctr">
               <a:buNone/>
-              <a:defRPr sz="4536"/>
+              <a:defRPr sz="4409"/>
             </a:lvl9pPr>
           </a:lstStyle>
           <a:p>
@@ -685,7 +685,7 @@
           <a:p>
             <a:fld id="{D355926B-A641-7C41-A841-EAFFDE568C8A}" type="datetimeFigureOut">
               <a:rPr lang="en-US" smtClean="0"/>
-              <a:t>6/24/25</a:t>
+              <a:t>7/3/25</a:t>
             </a:fld>
             <a:endParaRPr lang="en-US"/>
           </a:p>
@@ -736,7 +736,7 @@
     </p:spTree>
     <p:extLst>
       <p:ext uri="{BB962C8B-B14F-4D97-AF65-F5344CB8AC3E}">
-        <p14:creationId xmlns:p14="http://schemas.microsoft.com/office/powerpoint/2010/main" val="1205282279"/>
+        <p14:creationId xmlns:p14="http://schemas.microsoft.com/office/powerpoint/2010/main" val="3472107898"/>
       </p:ext>
     </p:extLst>
   </p:cSld>
@@ -855,7 +855,7 @@
           <a:p>
             <a:fld id="{D355926B-A641-7C41-A841-EAFFDE568C8A}" type="datetimeFigureOut">
               <a:rPr lang="en-US" smtClean="0"/>
-              <a:t>6/24/25</a:t>
+              <a:t>7/3/25</a:t>
             </a:fld>
             <a:endParaRPr lang="en-US"/>
           </a:p>
@@ -906,7 +906,7 @@
     </p:spTree>
     <p:extLst>
       <p:ext uri="{BB962C8B-B14F-4D97-AF65-F5344CB8AC3E}">
-        <p14:creationId xmlns:p14="http://schemas.microsoft.com/office/powerpoint/2010/main" val="1451940235"/>
+        <p14:creationId xmlns:p14="http://schemas.microsoft.com/office/powerpoint/2010/main" val="281078748"/>
       </p:ext>
     </p:extLst>
   </p:cSld>
@@ -945,8 +945,8 @@
         </p:nvSpPr>
         <p:spPr>
           <a:xfrm>
-            <a:off x="18549502" y="1265006"/>
-            <a:ext cx="5589151" cy="20135597"/>
+            <a:off x="18033733" y="1437511"/>
+            <a:ext cx="5433745" cy="22881421"/>
           </a:xfrm>
         </p:spPr>
         <p:txBody>
@@ -973,8 +973,8 @@
         </p:nvSpPr>
         <p:spPr>
           <a:xfrm>
-            <a:off x="1782050" y="1265006"/>
-            <a:ext cx="16443444" cy="20135597"/>
+            <a:off x="1732500" y="1437511"/>
+            <a:ext cx="15986234" cy="22881421"/>
           </a:xfrm>
         </p:spPr>
         <p:txBody>
@@ -1035,7 +1035,7 @@
           <a:p>
             <a:fld id="{D355926B-A641-7C41-A841-EAFFDE568C8A}" type="datetimeFigureOut">
               <a:rPr lang="en-US" smtClean="0"/>
-              <a:t>6/24/25</a:t>
+              <a:t>7/3/25</a:t>
             </a:fld>
             <a:endParaRPr lang="en-US"/>
           </a:p>
@@ -1086,7 +1086,7 @@
     </p:spTree>
     <p:extLst>
       <p:ext uri="{BB962C8B-B14F-4D97-AF65-F5344CB8AC3E}">
-        <p14:creationId xmlns:p14="http://schemas.microsoft.com/office/powerpoint/2010/main" val="1181022761"/>
+        <p14:creationId xmlns:p14="http://schemas.microsoft.com/office/powerpoint/2010/main" val="3611903264"/>
       </p:ext>
     </p:extLst>
   </p:cSld>
@@ -1205,7 +1205,7 @@
           <a:p>
             <a:fld id="{D355926B-A641-7C41-A841-EAFFDE568C8A}" type="datetimeFigureOut">
               <a:rPr lang="en-US" smtClean="0"/>
-              <a:t>6/24/25</a:t>
+              <a:t>7/3/25</a:t>
             </a:fld>
             <a:endParaRPr lang="en-US"/>
           </a:p>
@@ -1256,7 +1256,7 @@
     </p:spTree>
     <p:extLst>
       <p:ext uri="{BB962C8B-B14F-4D97-AF65-F5344CB8AC3E}">
-        <p14:creationId xmlns:p14="http://schemas.microsoft.com/office/powerpoint/2010/main" val="1389173219"/>
+        <p14:creationId xmlns:p14="http://schemas.microsoft.com/office/powerpoint/2010/main" val="3351093963"/>
       </p:ext>
     </p:extLst>
   </p:cSld>
@@ -1295,15 +1295,15 @@
         </p:nvSpPr>
         <p:spPr>
           <a:xfrm>
-            <a:off x="1768549" y="5923535"/>
-            <a:ext cx="22356604" cy="9883545"/>
+            <a:off x="1719375" y="6731308"/>
+            <a:ext cx="21734978" cy="11231331"/>
           </a:xfrm>
         </p:spPr>
         <p:txBody>
           <a:bodyPr anchor="b"/>
           <a:lstStyle>
             <a:lvl1pPr>
-              <a:defRPr sz="17008"/>
+              <a:defRPr sz="16535"/>
             </a:lvl1pPr>
           </a:lstStyle>
           <a:p>
@@ -1327,8 +1327,8 @@
         </p:nvSpPr>
         <p:spPr>
           <a:xfrm>
-            <a:off x="1768549" y="15900583"/>
-            <a:ext cx="22356604" cy="5197523"/>
+            <a:off x="1719375" y="18068892"/>
+            <a:ext cx="21734978" cy="5906292"/>
           </a:xfrm>
         </p:spPr>
         <p:txBody>
@@ -1336,7 +1336,7 @@
           <a:lstStyle>
             <a:lvl1pPr marL="0" indent="0">
               <a:buNone/>
-              <a:defRPr sz="6803">
+              <a:defRPr sz="6614">
                 <a:solidFill>
                   <a:schemeClr val="tx1">
                     <a:tint val="82000"/>
@@ -1344,9 +1344,9 @@
                 </a:solidFill>
               </a:defRPr>
             </a:lvl1pPr>
-            <a:lvl2pPr marL="1296025" indent="0">
+            <a:lvl2pPr marL="1259997" indent="0">
               <a:buNone/>
-              <a:defRPr sz="5669">
+              <a:defRPr sz="5512">
                 <a:solidFill>
                   <a:schemeClr val="tx1">
                     <a:tint val="82000"/>
@@ -1354,9 +1354,9 @@
                 </a:solidFill>
               </a:defRPr>
             </a:lvl2pPr>
-            <a:lvl3pPr marL="2592050" indent="0">
+            <a:lvl3pPr marL="2519995" indent="0">
               <a:buNone/>
-              <a:defRPr sz="5102">
+              <a:defRPr sz="4961">
                 <a:solidFill>
                   <a:schemeClr val="tx1">
                     <a:tint val="82000"/>
@@ -1364,9 +1364,9 @@
                 </a:solidFill>
               </a:defRPr>
             </a:lvl3pPr>
-            <a:lvl4pPr marL="3888075" indent="0">
+            <a:lvl4pPr marL="3779992" indent="0">
               <a:buNone/>
-              <a:defRPr sz="4536">
+              <a:defRPr sz="4409">
                 <a:solidFill>
                   <a:schemeClr val="tx1">
                     <a:tint val="82000"/>
@@ -1374,9 +1374,9 @@
                 </a:solidFill>
               </a:defRPr>
             </a:lvl4pPr>
-            <a:lvl5pPr marL="5184099" indent="0">
+            <a:lvl5pPr marL="5039990" indent="0">
               <a:buNone/>
-              <a:defRPr sz="4536">
+              <a:defRPr sz="4409">
                 <a:solidFill>
                   <a:schemeClr val="tx1">
                     <a:tint val="82000"/>
@@ -1384,9 +1384,9 @@
                 </a:solidFill>
               </a:defRPr>
             </a:lvl5pPr>
-            <a:lvl6pPr marL="6480124" indent="0">
+            <a:lvl6pPr marL="6299987" indent="0">
               <a:buNone/>
-              <a:defRPr sz="4536">
+              <a:defRPr sz="4409">
                 <a:solidFill>
                   <a:schemeClr val="tx1">
                     <a:tint val="82000"/>
@@ -1394,9 +1394,9 @@
                 </a:solidFill>
               </a:defRPr>
             </a:lvl6pPr>
-            <a:lvl7pPr marL="7776149" indent="0">
+            <a:lvl7pPr marL="7559985" indent="0">
               <a:buNone/>
-              <a:defRPr sz="4536">
+              <a:defRPr sz="4409">
                 <a:solidFill>
                   <a:schemeClr val="tx1">
                     <a:tint val="82000"/>
@@ -1404,9 +1404,9 @@
                 </a:solidFill>
               </a:defRPr>
             </a:lvl7pPr>
-            <a:lvl8pPr marL="9072174" indent="0">
+            <a:lvl8pPr marL="8819982" indent="0">
               <a:buNone/>
-              <a:defRPr sz="4536">
+              <a:defRPr sz="4409">
                 <a:solidFill>
                   <a:schemeClr val="tx1">
                     <a:tint val="82000"/>
@@ -1414,9 +1414,9 @@
                 </a:solidFill>
               </a:defRPr>
             </a:lvl8pPr>
-            <a:lvl9pPr marL="10368199" indent="0">
+            <a:lvl9pPr marL="10079980" indent="0">
               <a:buNone/>
-              <a:defRPr sz="4536">
+              <a:defRPr sz="4409">
                 <a:solidFill>
                   <a:schemeClr val="tx1">
                     <a:tint val="82000"/>
@@ -1451,7 +1451,7 @@
           <a:p>
             <a:fld id="{D355926B-A641-7C41-A841-EAFFDE568C8A}" type="datetimeFigureOut">
               <a:rPr lang="en-US" smtClean="0"/>
-              <a:t>6/24/25</a:t>
+              <a:t>7/3/25</a:t>
             </a:fld>
             <a:endParaRPr lang="en-US"/>
           </a:p>
@@ -1502,7 +1502,7 @@
     </p:spTree>
     <p:extLst>
       <p:ext uri="{BB962C8B-B14F-4D97-AF65-F5344CB8AC3E}">
-        <p14:creationId xmlns:p14="http://schemas.microsoft.com/office/powerpoint/2010/main" val="916102580"/>
+        <p14:creationId xmlns:p14="http://schemas.microsoft.com/office/powerpoint/2010/main" val="2220677245"/>
       </p:ext>
     </p:extLst>
   </p:cSld>
@@ -1564,8 +1564,8 @@
         </p:nvSpPr>
         <p:spPr>
           <a:xfrm>
-            <a:off x="1782048" y="6325030"/>
-            <a:ext cx="11016298" cy="15075573"/>
+            <a:off x="1732498" y="7187553"/>
+            <a:ext cx="10709989" cy="17131379"/>
           </a:xfrm>
         </p:spPr>
         <p:txBody>
@@ -1621,8 +1621,8 @@
         </p:nvSpPr>
         <p:spPr>
           <a:xfrm>
-            <a:off x="13122354" y="6325030"/>
-            <a:ext cx="11016298" cy="15075573"/>
+            <a:off x="12757488" y="7187553"/>
+            <a:ext cx="10709989" cy="17131379"/>
           </a:xfrm>
         </p:spPr>
         <p:txBody>
@@ -1683,7 +1683,7 @@
           <a:p>
             <a:fld id="{D355926B-A641-7C41-A841-EAFFDE568C8A}" type="datetimeFigureOut">
               <a:rPr lang="en-US" smtClean="0"/>
-              <a:t>6/24/25</a:t>
+              <a:t>7/3/25</a:t>
             </a:fld>
             <a:endParaRPr lang="en-US"/>
           </a:p>
@@ -1734,7 +1734,7 @@
     </p:spTree>
     <p:extLst>
       <p:ext uri="{BB962C8B-B14F-4D97-AF65-F5344CB8AC3E}">
-        <p14:creationId xmlns:p14="http://schemas.microsoft.com/office/powerpoint/2010/main" val="3139128989"/>
+        <p14:creationId xmlns:p14="http://schemas.microsoft.com/office/powerpoint/2010/main" val="625734633"/>
       </p:ext>
     </p:extLst>
   </p:cSld>
@@ -1773,8 +1773,8 @@
         </p:nvSpPr>
         <p:spPr>
           <a:xfrm>
-            <a:off x="1785424" y="1265011"/>
-            <a:ext cx="22356604" cy="4592524"/>
+            <a:off x="1735781" y="1437516"/>
+            <a:ext cx="21734978" cy="5218791"/>
           </a:xfrm>
         </p:spPr>
         <p:txBody>
@@ -1801,8 +1801,8 @@
         </p:nvSpPr>
         <p:spPr>
           <a:xfrm>
-            <a:off x="1785427" y="5824529"/>
-            <a:ext cx="10965669" cy="2854512"/>
+            <a:off x="1735783" y="6618801"/>
+            <a:ext cx="10660769" cy="3243772"/>
           </a:xfrm>
         </p:spPr>
         <p:txBody>
@@ -1810,39 +1810,39 @@
           <a:lstStyle>
             <a:lvl1pPr marL="0" indent="0">
               <a:buNone/>
-              <a:defRPr sz="6803" b="1"/>
+              <a:defRPr sz="6614" b="1"/>
             </a:lvl1pPr>
-            <a:lvl2pPr marL="1296025" indent="0">
+            <a:lvl2pPr marL="1259997" indent="0">
               <a:buNone/>
-              <a:defRPr sz="5669" b="1"/>
+              <a:defRPr sz="5512" b="1"/>
             </a:lvl2pPr>
-            <a:lvl3pPr marL="2592050" indent="0">
+            <a:lvl3pPr marL="2519995" indent="0">
               <a:buNone/>
-              <a:defRPr sz="5102" b="1"/>
+              <a:defRPr sz="4961" b="1"/>
             </a:lvl3pPr>
-            <a:lvl4pPr marL="3888075" indent="0">
+            <a:lvl4pPr marL="3779992" indent="0">
               <a:buNone/>
-              <a:defRPr sz="4536" b="1"/>
+              <a:defRPr sz="4409" b="1"/>
             </a:lvl4pPr>
-            <a:lvl5pPr marL="5184099" indent="0">
+            <a:lvl5pPr marL="5039990" indent="0">
               <a:buNone/>
-              <a:defRPr sz="4536" b="1"/>
+              <a:defRPr sz="4409" b="1"/>
             </a:lvl5pPr>
-            <a:lvl6pPr marL="6480124" indent="0">
+            <a:lvl6pPr marL="6299987" indent="0">
               <a:buNone/>
-              <a:defRPr sz="4536" b="1"/>
+              <a:defRPr sz="4409" b="1"/>
             </a:lvl6pPr>
-            <a:lvl7pPr marL="7776149" indent="0">
+            <a:lvl7pPr marL="7559985" indent="0">
               <a:buNone/>
-              <a:defRPr sz="4536" b="1"/>
+              <a:defRPr sz="4409" b="1"/>
             </a:lvl7pPr>
-            <a:lvl8pPr marL="9072174" indent="0">
+            <a:lvl8pPr marL="8819982" indent="0">
               <a:buNone/>
-              <a:defRPr sz="4536" b="1"/>
+              <a:defRPr sz="4409" b="1"/>
             </a:lvl8pPr>
-            <a:lvl9pPr marL="10368199" indent="0">
+            <a:lvl9pPr marL="10079980" indent="0">
               <a:buNone/>
-              <a:defRPr sz="4536" b="1"/>
+              <a:defRPr sz="4409" b="1"/>
             </a:lvl9pPr>
           </a:lstStyle>
           <a:p>
@@ -1866,8 +1866,8 @@
         </p:nvSpPr>
         <p:spPr>
           <a:xfrm>
-            <a:off x="1785427" y="8679041"/>
-            <a:ext cx="10965669" cy="12765562"/>
+            <a:off x="1735783" y="9862573"/>
+            <a:ext cx="10660769" cy="14506359"/>
           </a:xfrm>
         </p:spPr>
         <p:txBody>
@@ -1923,8 +1923,8 @@
         </p:nvSpPr>
         <p:spPr>
           <a:xfrm>
-            <a:off x="13122356" y="5824529"/>
-            <a:ext cx="11019674" cy="2854512"/>
+            <a:off x="12757489" y="6618801"/>
+            <a:ext cx="10713272" cy="3243772"/>
           </a:xfrm>
         </p:spPr>
         <p:txBody>
@@ -1932,39 +1932,39 @@
           <a:lstStyle>
             <a:lvl1pPr marL="0" indent="0">
               <a:buNone/>
-              <a:defRPr sz="6803" b="1"/>
+              <a:defRPr sz="6614" b="1"/>
             </a:lvl1pPr>
-            <a:lvl2pPr marL="1296025" indent="0">
+            <a:lvl2pPr marL="1259997" indent="0">
               <a:buNone/>
-              <a:defRPr sz="5669" b="1"/>
+              <a:defRPr sz="5512" b="1"/>
             </a:lvl2pPr>
-            <a:lvl3pPr marL="2592050" indent="0">
+            <a:lvl3pPr marL="2519995" indent="0">
               <a:buNone/>
-              <a:defRPr sz="5102" b="1"/>
+              <a:defRPr sz="4961" b="1"/>
             </a:lvl3pPr>
-            <a:lvl4pPr marL="3888075" indent="0">
+            <a:lvl4pPr marL="3779992" indent="0">
               <a:buNone/>
-              <a:defRPr sz="4536" b="1"/>
+              <a:defRPr sz="4409" b="1"/>
             </a:lvl4pPr>
-            <a:lvl5pPr marL="5184099" indent="0">
+            <a:lvl5pPr marL="5039990" indent="0">
               <a:buNone/>
-              <a:defRPr sz="4536" b="1"/>
+              <a:defRPr sz="4409" b="1"/>
             </a:lvl5pPr>
-            <a:lvl6pPr marL="6480124" indent="0">
+            <a:lvl6pPr marL="6299987" indent="0">
               <a:buNone/>
-              <a:defRPr sz="4536" b="1"/>
+              <a:defRPr sz="4409" b="1"/>
             </a:lvl6pPr>
-            <a:lvl7pPr marL="7776149" indent="0">
+            <a:lvl7pPr marL="7559985" indent="0">
               <a:buNone/>
-              <a:defRPr sz="4536" b="1"/>
+              <a:defRPr sz="4409" b="1"/>
             </a:lvl7pPr>
-            <a:lvl8pPr marL="9072174" indent="0">
+            <a:lvl8pPr marL="8819982" indent="0">
               <a:buNone/>
-              <a:defRPr sz="4536" b="1"/>
+              <a:defRPr sz="4409" b="1"/>
             </a:lvl8pPr>
-            <a:lvl9pPr marL="10368199" indent="0">
+            <a:lvl9pPr marL="10079980" indent="0">
               <a:buNone/>
-              <a:defRPr sz="4536" b="1"/>
+              <a:defRPr sz="4409" b="1"/>
             </a:lvl9pPr>
           </a:lstStyle>
           <a:p>
@@ -1988,8 +1988,8 @@
         </p:nvSpPr>
         <p:spPr>
           <a:xfrm>
-            <a:off x="13122356" y="8679041"/>
-            <a:ext cx="11019674" cy="12765562"/>
+            <a:off x="12757489" y="9862573"/>
+            <a:ext cx="10713272" cy="14506359"/>
           </a:xfrm>
         </p:spPr>
         <p:txBody>
@@ -2050,7 +2050,7 @@
           <a:p>
             <a:fld id="{D355926B-A641-7C41-A841-EAFFDE568C8A}" type="datetimeFigureOut">
               <a:rPr lang="en-US" smtClean="0"/>
-              <a:t>6/24/25</a:t>
+              <a:t>7/3/25</a:t>
             </a:fld>
             <a:endParaRPr lang="en-US"/>
           </a:p>
@@ -2101,7 +2101,7 @@
     </p:spTree>
     <p:extLst>
       <p:ext uri="{BB962C8B-B14F-4D97-AF65-F5344CB8AC3E}">
-        <p14:creationId xmlns:p14="http://schemas.microsoft.com/office/powerpoint/2010/main" val="1632140261"/>
+        <p14:creationId xmlns:p14="http://schemas.microsoft.com/office/powerpoint/2010/main" val="3617886220"/>
       </p:ext>
     </p:extLst>
   </p:cSld>
@@ -2168,7 +2168,7 @@
           <a:p>
             <a:fld id="{D355926B-A641-7C41-A841-EAFFDE568C8A}" type="datetimeFigureOut">
               <a:rPr lang="en-US" smtClean="0"/>
-              <a:t>6/24/25</a:t>
+              <a:t>7/3/25</a:t>
             </a:fld>
             <a:endParaRPr lang="en-US"/>
           </a:p>
@@ -2219,7 +2219,7 @@
     </p:spTree>
     <p:extLst>
       <p:ext uri="{BB962C8B-B14F-4D97-AF65-F5344CB8AC3E}">
-        <p14:creationId xmlns:p14="http://schemas.microsoft.com/office/powerpoint/2010/main" val="1666073576"/>
+        <p14:creationId xmlns:p14="http://schemas.microsoft.com/office/powerpoint/2010/main" val="608076077"/>
       </p:ext>
     </p:extLst>
   </p:cSld>
@@ -2263,7 +2263,7 @@
           <a:p>
             <a:fld id="{D355926B-A641-7C41-A841-EAFFDE568C8A}" type="datetimeFigureOut">
               <a:rPr lang="en-US" smtClean="0"/>
-              <a:t>6/24/25</a:t>
+              <a:t>7/3/25</a:t>
             </a:fld>
             <a:endParaRPr lang="en-US"/>
           </a:p>
@@ -2314,7 +2314,7 @@
     </p:spTree>
     <p:extLst>
       <p:ext uri="{BB962C8B-B14F-4D97-AF65-F5344CB8AC3E}">
-        <p14:creationId xmlns:p14="http://schemas.microsoft.com/office/powerpoint/2010/main" val="3259992662"/>
+        <p14:creationId xmlns:p14="http://schemas.microsoft.com/office/powerpoint/2010/main" val="2536929898"/>
       </p:ext>
     </p:extLst>
   </p:cSld>
@@ -2353,15 +2353,15 @@
         </p:nvSpPr>
         <p:spPr>
           <a:xfrm>
-            <a:off x="1785424" y="1584008"/>
-            <a:ext cx="8360100" cy="5544026"/>
+            <a:off x="1735780" y="1800013"/>
+            <a:ext cx="8127648" cy="6300047"/>
           </a:xfrm>
         </p:spPr>
         <p:txBody>
           <a:bodyPr anchor="b"/>
           <a:lstStyle>
             <a:lvl1pPr>
-              <a:defRPr sz="9071"/>
+              <a:defRPr sz="8819"/>
             </a:lvl1pPr>
           </a:lstStyle>
           <a:p>
@@ -2385,39 +2385,39 @@
         </p:nvSpPr>
         <p:spPr>
           <a:xfrm>
-            <a:off x="11019674" y="3421022"/>
-            <a:ext cx="13122354" cy="16885080"/>
+            <a:off x="10713272" y="3887535"/>
+            <a:ext cx="12757487" cy="19187642"/>
           </a:xfrm>
         </p:spPr>
         <p:txBody>
           <a:bodyPr/>
           <a:lstStyle>
             <a:lvl1pPr>
-              <a:defRPr sz="9071"/>
+              <a:defRPr sz="8819"/>
             </a:lvl1pPr>
             <a:lvl2pPr>
-              <a:defRPr sz="7937"/>
+              <a:defRPr sz="7717"/>
             </a:lvl2pPr>
             <a:lvl3pPr>
-              <a:defRPr sz="6803"/>
+              <a:defRPr sz="6614"/>
             </a:lvl3pPr>
             <a:lvl4pPr>
-              <a:defRPr sz="5669"/>
+              <a:defRPr sz="5512"/>
             </a:lvl4pPr>
             <a:lvl5pPr>
-              <a:defRPr sz="5669"/>
+              <a:defRPr sz="5512"/>
             </a:lvl5pPr>
             <a:lvl6pPr>
-              <a:defRPr sz="5669"/>
+              <a:defRPr sz="5512"/>
             </a:lvl6pPr>
             <a:lvl7pPr>
-              <a:defRPr sz="5669"/>
+              <a:defRPr sz="5512"/>
             </a:lvl7pPr>
             <a:lvl8pPr>
-              <a:defRPr sz="5669"/>
+              <a:defRPr sz="5512"/>
             </a:lvl8pPr>
             <a:lvl9pPr>
-              <a:defRPr sz="5669"/>
+              <a:defRPr sz="5512"/>
             </a:lvl9pPr>
           </a:lstStyle>
           <a:p>
@@ -2470,8 +2470,8 @@
         </p:nvSpPr>
         <p:spPr>
           <a:xfrm>
-            <a:off x="1785424" y="7128034"/>
-            <a:ext cx="8360100" cy="13205565"/>
+            <a:off x="1735780" y="8100060"/>
+            <a:ext cx="8127648" cy="15006363"/>
           </a:xfrm>
         </p:spPr>
         <p:txBody>
@@ -2479,39 +2479,39 @@
           <a:lstStyle>
             <a:lvl1pPr marL="0" indent="0">
               <a:buNone/>
-              <a:defRPr sz="4536"/>
+              <a:defRPr sz="4409"/>
             </a:lvl1pPr>
-            <a:lvl2pPr marL="1296025" indent="0">
+            <a:lvl2pPr marL="1259997" indent="0">
               <a:buNone/>
-              <a:defRPr sz="3969"/>
+              <a:defRPr sz="3858"/>
             </a:lvl2pPr>
-            <a:lvl3pPr marL="2592050" indent="0">
+            <a:lvl3pPr marL="2519995" indent="0">
               <a:buNone/>
-              <a:defRPr sz="3402"/>
+              <a:defRPr sz="3307"/>
             </a:lvl3pPr>
-            <a:lvl4pPr marL="3888075" indent="0">
+            <a:lvl4pPr marL="3779992" indent="0">
               <a:buNone/>
-              <a:defRPr sz="2835"/>
+              <a:defRPr sz="2756"/>
             </a:lvl4pPr>
-            <a:lvl5pPr marL="5184099" indent="0">
+            <a:lvl5pPr marL="5039990" indent="0">
               <a:buNone/>
-              <a:defRPr sz="2835"/>
+              <a:defRPr sz="2756"/>
             </a:lvl5pPr>
-            <a:lvl6pPr marL="6480124" indent="0">
+            <a:lvl6pPr marL="6299987" indent="0">
               <a:buNone/>
-              <a:defRPr sz="2835"/>
+              <a:defRPr sz="2756"/>
             </a:lvl6pPr>
-            <a:lvl7pPr marL="7776149" indent="0">
+            <a:lvl7pPr marL="7559985" indent="0">
               <a:buNone/>
-              <a:defRPr sz="2835"/>
+              <a:defRPr sz="2756"/>
             </a:lvl7pPr>
-            <a:lvl8pPr marL="9072174" indent="0">
+            <a:lvl8pPr marL="8819982" indent="0">
               <a:buNone/>
-              <a:defRPr sz="2835"/>
+              <a:defRPr sz="2756"/>
             </a:lvl8pPr>
-            <a:lvl9pPr marL="10368199" indent="0">
+            <a:lvl9pPr marL="10079980" indent="0">
               <a:buNone/>
-              <a:defRPr sz="2835"/>
+              <a:defRPr sz="2756"/>
             </a:lvl9pPr>
           </a:lstStyle>
           <a:p>
@@ -2540,7 +2540,7 @@
           <a:p>
             <a:fld id="{D355926B-A641-7C41-A841-EAFFDE568C8A}" type="datetimeFigureOut">
               <a:rPr lang="en-US" smtClean="0"/>
-              <a:t>6/24/25</a:t>
+              <a:t>7/3/25</a:t>
             </a:fld>
             <a:endParaRPr lang="en-US"/>
           </a:p>
@@ -2591,7 +2591,7 @@
     </p:spTree>
     <p:extLst>
       <p:ext uri="{BB962C8B-B14F-4D97-AF65-F5344CB8AC3E}">
-        <p14:creationId xmlns:p14="http://schemas.microsoft.com/office/powerpoint/2010/main" val="2327472871"/>
+        <p14:creationId xmlns:p14="http://schemas.microsoft.com/office/powerpoint/2010/main" val="1424464026"/>
       </p:ext>
     </p:extLst>
   </p:cSld>
@@ -2630,15 +2630,15 @@
         </p:nvSpPr>
         <p:spPr>
           <a:xfrm>
-            <a:off x="1785424" y="1584008"/>
-            <a:ext cx="8360100" cy="5544026"/>
+            <a:off x="1735780" y="1800013"/>
+            <a:ext cx="8127648" cy="6300047"/>
           </a:xfrm>
         </p:spPr>
         <p:txBody>
           <a:bodyPr anchor="b"/>
           <a:lstStyle>
             <a:lvl1pPr>
-              <a:defRPr sz="9071"/>
+              <a:defRPr sz="8819"/>
             </a:lvl1pPr>
           </a:lstStyle>
           <a:p>
@@ -2662,8 +2662,8 @@
         </p:nvSpPr>
         <p:spPr>
           <a:xfrm>
-            <a:off x="11019674" y="3421022"/>
-            <a:ext cx="13122354" cy="16885080"/>
+            <a:off x="10713272" y="3887535"/>
+            <a:ext cx="12757487" cy="19187642"/>
           </a:xfrm>
         </p:spPr>
         <p:txBody>
@@ -2671,39 +2671,39 @@
           <a:lstStyle>
             <a:lvl1pPr marL="0" indent="0">
               <a:buNone/>
-              <a:defRPr sz="9071"/>
+              <a:defRPr sz="8819"/>
             </a:lvl1pPr>
-            <a:lvl2pPr marL="1296025" indent="0">
+            <a:lvl2pPr marL="1259997" indent="0">
               <a:buNone/>
-              <a:defRPr sz="7937"/>
+              <a:defRPr sz="7717"/>
             </a:lvl2pPr>
-            <a:lvl3pPr marL="2592050" indent="0">
+            <a:lvl3pPr marL="2519995" indent="0">
               <a:buNone/>
-              <a:defRPr sz="6803"/>
+              <a:defRPr sz="6614"/>
             </a:lvl3pPr>
-            <a:lvl4pPr marL="3888075" indent="0">
+            <a:lvl4pPr marL="3779992" indent="0">
               <a:buNone/>
-              <a:defRPr sz="5669"/>
+              <a:defRPr sz="5512"/>
             </a:lvl4pPr>
-            <a:lvl5pPr marL="5184099" indent="0">
+            <a:lvl5pPr marL="5039990" indent="0">
               <a:buNone/>
-              <a:defRPr sz="5669"/>
+              <a:defRPr sz="5512"/>
             </a:lvl5pPr>
-            <a:lvl6pPr marL="6480124" indent="0">
+            <a:lvl6pPr marL="6299987" indent="0">
               <a:buNone/>
-              <a:defRPr sz="5669"/>
+              <a:defRPr sz="5512"/>
             </a:lvl6pPr>
-            <a:lvl7pPr marL="7776149" indent="0">
+            <a:lvl7pPr marL="7559985" indent="0">
               <a:buNone/>
-              <a:defRPr sz="5669"/>
+              <a:defRPr sz="5512"/>
             </a:lvl7pPr>
-            <a:lvl8pPr marL="9072174" indent="0">
+            <a:lvl8pPr marL="8819982" indent="0">
               <a:buNone/>
-              <a:defRPr sz="5669"/>
+              <a:defRPr sz="5512"/>
             </a:lvl8pPr>
-            <a:lvl9pPr marL="10368199" indent="0">
+            <a:lvl9pPr marL="10079980" indent="0">
               <a:buNone/>
-              <a:defRPr sz="5669"/>
+              <a:defRPr sz="5512"/>
             </a:lvl9pPr>
           </a:lstStyle>
           <a:p>
@@ -2727,8 +2727,8 @@
         </p:nvSpPr>
         <p:spPr>
           <a:xfrm>
-            <a:off x="1785424" y="7128034"/>
-            <a:ext cx="8360100" cy="13205565"/>
+            <a:off x="1735780" y="8100060"/>
+            <a:ext cx="8127648" cy="15006363"/>
           </a:xfrm>
         </p:spPr>
         <p:txBody>
@@ -2736,39 +2736,39 @@
           <a:lstStyle>
             <a:lvl1pPr marL="0" indent="0">
               <a:buNone/>
-              <a:defRPr sz="4536"/>
+              <a:defRPr sz="4409"/>
             </a:lvl1pPr>
-            <a:lvl2pPr marL="1296025" indent="0">
+            <a:lvl2pPr marL="1259997" indent="0">
               <a:buNone/>
-              <a:defRPr sz="3969"/>
+              <a:defRPr sz="3858"/>
             </a:lvl2pPr>
-            <a:lvl3pPr marL="2592050" indent="0">
+            <a:lvl3pPr marL="2519995" indent="0">
               <a:buNone/>
-              <a:defRPr sz="3402"/>
+              <a:defRPr sz="3307"/>
             </a:lvl3pPr>
-            <a:lvl4pPr marL="3888075" indent="0">
+            <a:lvl4pPr marL="3779992" indent="0">
               <a:buNone/>
-              <a:defRPr sz="2835"/>
+              <a:defRPr sz="2756"/>
             </a:lvl4pPr>
-            <a:lvl5pPr marL="5184099" indent="0">
+            <a:lvl5pPr marL="5039990" indent="0">
               <a:buNone/>
-              <a:defRPr sz="2835"/>
+              <a:defRPr sz="2756"/>
             </a:lvl5pPr>
-            <a:lvl6pPr marL="6480124" indent="0">
+            <a:lvl6pPr marL="6299987" indent="0">
               <a:buNone/>
-              <a:defRPr sz="2835"/>
+              <a:defRPr sz="2756"/>
             </a:lvl6pPr>
-            <a:lvl7pPr marL="7776149" indent="0">
+            <a:lvl7pPr marL="7559985" indent="0">
               <a:buNone/>
-              <a:defRPr sz="2835"/>
+              <a:defRPr sz="2756"/>
             </a:lvl7pPr>
-            <a:lvl8pPr marL="9072174" indent="0">
+            <a:lvl8pPr marL="8819982" indent="0">
               <a:buNone/>
-              <a:defRPr sz="2835"/>
+              <a:defRPr sz="2756"/>
             </a:lvl8pPr>
-            <a:lvl9pPr marL="10368199" indent="0">
+            <a:lvl9pPr marL="10079980" indent="0">
               <a:buNone/>
-              <a:defRPr sz="2835"/>
+              <a:defRPr sz="2756"/>
             </a:lvl9pPr>
           </a:lstStyle>
           <a:p>
@@ -2797,7 +2797,7 @@
           <a:p>
             <a:fld id="{D355926B-A641-7C41-A841-EAFFDE568C8A}" type="datetimeFigureOut">
               <a:rPr lang="en-US" smtClean="0"/>
-              <a:t>6/24/25</a:t>
+              <a:t>7/3/25</a:t>
             </a:fld>
             <a:endParaRPr lang="en-US"/>
           </a:p>
@@ -2848,7 +2848,7 @@
     </p:spTree>
     <p:extLst>
       <p:ext uri="{BB962C8B-B14F-4D97-AF65-F5344CB8AC3E}">
-        <p14:creationId xmlns:p14="http://schemas.microsoft.com/office/powerpoint/2010/main" val="458092734"/>
+        <p14:creationId xmlns:p14="http://schemas.microsoft.com/office/powerpoint/2010/main" val="1440784678"/>
       </p:ext>
     </p:extLst>
   </p:cSld>
@@ -2892,8 +2892,8 @@
         </p:nvSpPr>
         <p:spPr>
           <a:xfrm>
-            <a:off x="1782048" y="1265011"/>
-            <a:ext cx="22356604" cy="4592524"/>
+            <a:off x="1732499" y="1437516"/>
+            <a:ext cx="21734978" cy="5218791"/>
           </a:xfrm>
           <a:prstGeom prst="rect">
             <a:avLst/>
@@ -2925,8 +2925,8 @@
         </p:nvSpPr>
         <p:spPr>
           <a:xfrm>
-            <a:off x="1782048" y="6325030"/>
-            <a:ext cx="22356604" cy="15075573"/>
+            <a:off x="1732499" y="7187553"/>
+            <a:ext cx="21734978" cy="17131379"/>
           </a:xfrm>
           <a:prstGeom prst="rect">
             <a:avLst/>
@@ -2987,8 +2987,8 @@
         </p:nvSpPr>
         <p:spPr>
           <a:xfrm>
-            <a:off x="1782048" y="22022110"/>
-            <a:ext cx="5832158" cy="1265006"/>
+            <a:off x="1732498" y="25025191"/>
+            <a:ext cx="5669994" cy="1437511"/>
           </a:xfrm>
           <a:prstGeom prst="rect">
             <a:avLst/>
@@ -2998,7 +2998,7 @@
           <a:bodyPr vert="horz" lIns="91440" tIns="45720" rIns="91440" bIns="45720" rtlCol="0" anchor="ctr"/>
           <a:lstStyle>
             <a:lvl1pPr algn="l">
-              <a:defRPr sz="3402">
+              <a:defRPr sz="3307">
                 <a:solidFill>
                   <a:schemeClr val="tx1">
                     <a:tint val="82000"/>
@@ -3010,7 +3010,7 @@
           <a:p>
             <a:fld id="{D355926B-A641-7C41-A841-EAFFDE568C8A}" type="datetimeFigureOut">
               <a:rPr lang="en-US" smtClean="0"/>
-              <a:t>6/24/25</a:t>
+              <a:t>7/3/25</a:t>
             </a:fld>
             <a:endParaRPr lang="en-US"/>
           </a:p>
@@ -3028,8 +3028,8 @@
         </p:nvSpPr>
         <p:spPr>
           <a:xfrm>
-            <a:off x="8586232" y="22022110"/>
-            <a:ext cx="8748236" cy="1265006"/>
+            <a:off x="8347492" y="25025191"/>
+            <a:ext cx="8504992" cy="1437511"/>
           </a:xfrm>
           <a:prstGeom prst="rect">
             <a:avLst/>
@@ -3039,7 +3039,7 @@
           <a:bodyPr vert="horz" lIns="91440" tIns="45720" rIns="91440" bIns="45720" rtlCol="0" anchor="ctr"/>
           <a:lstStyle>
             <a:lvl1pPr algn="ctr">
-              <a:defRPr sz="3402">
+              <a:defRPr sz="3307">
                 <a:solidFill>
                   <a:schemeClr val="tx1">
                     <a:tint val="82000"/>
@@ -3065,8 +3065,8 @@
         </p:nvSpPr>
         <p:spPr>
           <a:xfrm>
-            <a:off x="18306494" y="22022110"/>
-            <a:ext cx="5832158" cy="1265006"/>
+            <a:off x="17797483" y="25025191"/>
+            <a:ext cx="5669994" cy="1437511"/>
           </a:xfrm>
           <a:prstGeom prst="rect">
             <a:avLst/>
@@ -3076,7 +3076,7 @@
           <a:bodyPr vert="horz" lIns="91440" tIns="45720" rIns="91440" bIns="45720" rtlCol="0" anchor="ctr"/>
           <a:lstStyle>
             <a:lvl1pPr algn="r">
-              <a:defRPr sz="3402">
+              <a:defRPr sz="3307">
                 <a:solidFill>
                   <a:schemeClr val="tx1">
                     <a:tint val="82000"/>
@@ -3097,27 +3097,27 @@
     </p:spTree>
     <p:extLst>
       <p:ext uri="{BB962C8B-B14F-4D97-AF65-F5344CB8AC3E}">
-        <p14:creationId xmlns:p14="http://schemas.microsoft.com/office/powerpoint/2010/main" val="2680924245"/>
+        <p14:creationId xmlns:p14="http://schemas.microsoft.com/office/powerpoint/2010/main" val="1446499070"/>
       </p:ext>
     </p:extLst>
   </p:cSld>
   <p:clrMap bg1="lt1" tx1="dk1" bg2="lt2" tx2="dk2" accent1="accent1" accent2="accent2" accent3="accent3" accent4="accent4" accent5="accent5" accent6="accent6" hlink="hlink" folHlink="folHlink"/>
   <p:sldLayoutIdLst>
-    <p:sldLayoutId id="2147483841" r:id="rId1"/>
-    <p:sldLayoutId id="2147483842" r:id="rId2"/>
-    <p:sldLayoutId id="2147483843" r:id="rId3"/>
-    <p:sldLayoutId id="2147483844" r:id="rId4"/>
-    <p:sldLayoutId id="2147483845" r:id="rId5"/>
-    <p:sldLayoutId id="2147483846" r:id="rId6"/>
-    <p:sldLayoutId id="2147483847" r:id="rId7"/>
-    <p:sldLayoutId id="2147483848" r:id="rId8"/>
-    <p:sldLayoutId id="2147483849" r:id="rId9"/>
-    <p:sldLayoutId id="2147483850" r:id="rId10"/>
-    <p:sldLayoutId id="2147483851" r:id="rId11"/>
+    <p:sldLayoutId id="2147483877" r:id="rId1"/>
+    <p:sldLayoutId id="2147483878" r:id="rId2"/>
+    <p:sldLayoutId id="2147483879" r:id="rId3"/>
+    <p:sldLayoutId id="2147483880" r:id="rId4"/>
+    <p:sldLayoutId id="2147483881" r:id="rId5"/>
+    <p:sldLayoutId id="2147483882" r:id="rId6"/>
+    <p:sldLayoutId id="2147483883" r:id="rId7"/>
+    <p:sldLayoutId id="2147483884" r:id="rId8"/>
+    <p:sldLayoutId id="2147483885" r:id="rId9"/>
+    <p:sldLayoutId id="2147483886" r:id="rId10"/>
+    <p:sldLayoutId id="2147483887" r:id="rId11"/>
   </p:sldLayoutIdLst>
   <p:txStyles>
     <p:titleStyle>
-      <a:lvl1pPr algn="l" defTabSz="2592050" rtl="0" eaLnBrk="1" latinLnBrk="0" hangingPunct="1">
+      <a:lvl1pPr algn="l" defTabSz="2519995" rtl="0" eaLnBrk="1" latinLnBrk="0" hangingPunct="1">
         <a:lnSpc>
           <a:spcPct val="90000"/>
         </a:lnSpc>
@@ -3125,7 +3125,7 @@
           <a:spcPct val="0"/>
         </a:spcBef>
         <a:buNone/>
-        <a:defRPr sz="12473" kern="1200">
+        <a:defRPr sz="12126" kern="1200">
           <a:solidFill>
             <a:schemeClr val="tx1"/>
           </a:solidFill>
@@ -3136,16 +3136,16 @@
       </a:lvl1pPr>
     </p:titleStyle>
     <p:bodyStyle>
-      <a:lvl1pPr marL="648012" indent="-648012" algn="l" defTabSz="2592050" rtl="0" eaLnBrk="1" latinLnBrk="0" hangingPunct="1">
+      <a:lvl1pPr marL="629999" indent="-629999" algn="l" defTabSz="2519995" rtl="0" eaLnBrk="1" latinLnBrk="0" hangingPunct="1">
         <a:lnSpc>
           <a:spcPct val="90000"/>
         </a:lnSpc>
         <a:spcBef>
-          <a:spcPts val="2835"/>
+          <a:spcPts val="2756"/>
         </a:spcBef>
         <a:buFont typeface="Arial" panose="020B0604020202020204" pitchFamily="34" charset="0"/>
         <a:buChar char="•"/>
-        <a:defRPr sz="7937" kern="1200">
+        <a:defRPr sz="7717" kern="1200">
           <a:solidFill>
             <a:schemeClr val="tx1"/>
           </a:solidFill>
@@ -3154,16 +3154,16 @@
           <a:cs typeface="+mn-cs"/>
         </a:defRPr>
       </a:lvl1pPr>
-      <a:lvl2pPr marL="1944037" indent="-648012" algn="l" defTabSz="2592050" rtl="0" eaLnBrk="1" latinLnBrk="0" hangingPunct="1">
+      <a:lvl2pPr marL="1889996" indent="-629999" algn="l" defTabSz="2519995" rtl="0" eaLnBrk="1" latinLnBrk="0" hangingPunct="1">
         <a:lnSpc>
           <a:spcPct val="90000"/>
         </a:lnSpc>
         <a:spcBef>
-          <a:spcPts val="1417"/>
+          <a:spcPts val="1378"/>
         </a:spcBef>
         <a:buFont typeface="Arial" panose="020B0604020202020204" pitchFamily="34" charset="0"/>
         <a:buChar char="•"/>
-        <a:defRPr sz="6803" kern="1200">
+        <a:defRPr sz="6614" kern="1200">
           <a:solidFill>
             <a:schemeClr val="tx1"/>
           </a:solidFill>
@@ -3172,16 +3172,16 @@
           <a:cs typeface="+mn-cs"/>
         </a:defRPr>
       </a:lvl2pPr>
-      <a:lvl3pPr marL="3240062" indent="-648012" algn="l" defTabSz="2592050" rtl="0" eaLnBrk="1" latinLnBrk="0" hangingPunct="1">
+      <a:lvl3pPr marL="3149994" indent="-629999" algn="l" defTabSz="2519995" rtl="0" eaLnBrk="1" latinLnBrk="0" hangingPunct="1">
         <a:lnSpc>
           <a:spcPct val="90000"/>
         </a:lnSpc>
         <a:spcBef>
-          <a:spcPts val="1417"/>
+          <a:spcPts val="1378"/>
         </a:spcBef>
         <a:buFont typeface="Arial" panose="020B0604020202020204" pitchFamily="34" charset="0"/>
         <a:buChar char="•"/>
-        <a:defRPr sz="5669" kern="1200">
+        <a:defRPr sz="5512" kern="1200">
           <a:solidFill>
             <a:schemeClr val="tx1"/>
           </a:solidFill>
@@ -3190,16 +3190,16 @@
           <a:cs typeface="+mn-cs"/>
         </a:defRPr>
       </a:lvl3pPr>
-      <a:lvl4pPr marL="4536087" indent="-648012" algn="l" defTabSz="2592050" rtl="0" eaLnBrk="1" latinLnBrk="0" hangingPunct="1">
+      <a:lvl4pPr marL="4409991" indent="-629999" algn="l" defTabSz="2519995" rtl="0" eaLnBrk="1" latinLnBrk="0" hangingPunct="1">
         <a:lnSpc>
           <a:spcPct val="90000"/>
         </a:lnSpc>
         <a:spcBef>
-          <a:spcPts val="1417"/>
+          <a:spcPts val="1378"/>
         </a:spcBef>
         <a:buFont typeface="Arial" panose="020B0604020202020204" pitchFamily="34" charset="0"/>
         <a:buChar char="•"/>
-        <a:defRPr sz="5102" kern="1200">
+        <a:defRPr sz="4961" kern="1200">
           <a:solidFill>
             <a:schemeClr val="tx1"/>
           </a:solidFill>
@@ -3208,16 +3208,16 @@
           <a:cs typeface="+mn-cs"/>
         </a:defRPr>
       </a:lvl4pPr>
-      <a:lvl5pPr marL="5832112" indent="-648012" algn="l" defTabSz="2592050" rtl="0" eaLnBrk="1" latinLnBrk="0" hangingPunct="1">
+      <a:lvl5pPr marL="5669989" indent="-629999" algn="l" defTabSz="2519995" rtl="0" eaLnBrk="1" latinLnBrk="0" hangingPunct="1">
         <a:lnSpc>
           <a:spcPct val="90000"/>
         </a:lnSpc>
         <a:spcBef>
-          <a:spcPts val="1417"/>
+          <a:spcPts val="1378"/>
         </a:spcBef>
         <a:buFont typeface="Arial" panose="020B0604020202020204" pitchFamily="34" charset="0"/>
         <a:buChar char="•"/>
-        <a:defRPr sz="5102" kern="1200">
+        <a:defRPr sz="4961" kern="1200">
           <a:solidFill>
             <a:schemeClr val="tx1"/>
           </a:solidFill>
@@ -3226,16 +3226,16 @@
           <a:cs typeface="+mn-cs"/>
         </a:defRPr>
       </a:lvl5pPr>
-      <a:lvl6pPr marL="7128137" indent="-648012" algn="l" defTabSz="2592050" rtl="0" eaLnBrk="1" latinLnBrk="0" hangingPunct="1">
+      <a:lvl6pPr marL="6929986" indent="-629999" algn="l" defTabSz="2519995" rtl="0" eaLnBrk="1" latinLnBrk="0" hangingPunct="1">
         <a:lnSpc>
           <a:spcPct val="90000"/>
         </a:lnSpc>
         <a:spcBef>
-          <a:spcPts val="1417"/>
+          <a:spcPts val="1378"/>
         </a:spcBef>
         <a:buFont typeface="Arial" panose="020B0604020202020204" pitchFamily="34" charset="0"/>
         <a:buChar char="•"/>
-        <a:defRPr sz="5102" kern="1200">
+        <a:defRPr sz="4961" kern="1200">
           <a:solidFill>
             <a:schemeClr val="tx1"/>
           </a:solidFill>
@@ -3244,16 +3244,16 @@
           <a:cs typeface="+mn-cs"/>
         </a:defRPr>
       </a:lvl6pPr>
-      <a:lvl7pPr marL="8424161" indent="-648012" algn="l" defTabSz="2592050" rtl="0" eaLnBrk="1" latinLnBrk="0" hangingPunct="1">
+      <a:lvl7pPr marL="8189984" indent="-629999" algn="l" defTabSz="2519995" rtl="0" eaLnBrk="1" latinLnBrk="0" hangingPunct="1">
         <a:lnSpc>
           <a:spcPct val="90000"/>
         </a:lnSpc>
         <a:spcBef>
-          <a:spcPts val="1417"/>
+          <a:spcPts val="1378"/>
         </a:spcBef>
         <a:buFont typeface="Arial" panose="020B0604020202020204" pitchFamily="34" charset="0"/>
         <a:buChar char="•"/>
-        <a:defRPr sz="5102" kern="1200">
+        <a:defRPr sz="4961" kern="1200">
           <a:solidFill>
             <a:schemeClr val="tx1"/>
           </a:solidFill>
@@ -3262,16 +3262,16 @@
           <a:cs typeface="+mn-cs"/>
         </a:defRPr>
       </a:lvl7pPr>
-      <a:lvl8pPr marL="9720186" indent="-648012" algn="l" defTabSz="2592050" rtl="0" eaLnBrk="1" latinLnBrk="0" hangingPunct="1">
+      <a:lvl8pPr marL="9449981" indent="-629999" algn="l" defTabSz="2519995" rtl="0" eaLnBrk="1" latinLnBrk="0" hangingPunct="1">
         <a:lnSpc>
           <a:spcPct val="90000"/>
         </a:lnSpc>
         <a:spcBef>
-          <a:spcPts val="1417"/>
+          <a:spcPts val="1378"/>
         </a:spcBef>
         <a:buFont typeface="Arial" panose="020B0604020202020204" pitchFamily="34" charset="0"/>
         <a:buChar char="•"/>
-        <a:defRPr sz="5102" kern="1200">
+        <a:defRPr sz="4961" kern="1200">
           <a:solidFill>
             <a:schemeClr val="tx1"/>
           </a:solidFill>
@@ -3280,16 +3280,16 @@
           <a:cs typeface="+mn-cs"/>
         </a:defRPr>
       </a:lvl8pPr>
-      <a:lvl9pPr marL="11016211" indent="-648012" algn="l" defTabSz="2592050" rtl="0" eaLnBrk="1" latinLnBrk="0" hangingPunct="1">
+      <a:lvl9pPr marL="10709979" indent="-629999" algn="l" defTabSz="2519995" rtl="0" eaLnBrk="1" latinLnBrk="0" hangingPunct="1">
         <a:lnSpc>
           <a:spcPct val="90000"/>
         </a:lnSpc>
         <a:spcBef>
-          <a:spcPts val="1417"/>
+          <a:spcPts val="1378"/>
         </a:spcBef>
         <a:buFont typeface="Arial" panose="020B0604020202020204" pitchFamily="34" charset="0"/>
         <a:buChar char="•"/>
-        <a:defRPr sz="5102" kern="1200">
+        <a:defRPr sz="4961" kern="1200">
           <a:solidFill>
             <a:schemeClr val="tx1"/>
           </a:solidFill>
@@ -3303,8 +3303,8 @@
       <a:defPPr>
         <a:defRPr lang="en-US"/>
       </a:defPPr>
-      <a:lvl1pPr marL="0" algn="l" defTabSz="2592050" rtl="0" eaLnBrk="1" latinLnBrk="0" hangingPunct="1">
-        <a:defRPr sz="5102" kern="1200">
+      <a:lvl1pPr marL="0" algn="l" defTabSz="2519995" rtl="0" eaLnBrk="1" latinLnBrk="0" hangingPunct="1">
+        <a:defRPr sz="4961" kern="1200">
           <a:solidFill>
             <a:schemeClr val="tx1"/>
           </a:solidFill>
@@ -3313,8 +3313,8 @@
           <a:cs typeface="+mn-cs"/>
         </a:defRPr>
       </a:lvl1pPr>
-      <a:lvl2pPr marL="1296025" algn="l" defTabSz="2592050" rtl="0" eaLnBrk="1" latinLnBrk="0" hangingPunct="1">
-        <a:defRPr sz="5102" kern="1200">
+      <a:lvl2pPr marL="1259997" algn="l" defTabSz="2519995" rtl="0" eaLnBrk="1" latinLnBrk="0" hangingPunct="1">
+        <a:defRPr sz="4961" kern="1200">
           <a:solidFill>
             <a:schemeClr val="tx1"/>
           </a:solidFill>
@@ -3323,8 +3323,8 @@
           <a:cs typeface="+mn-cs"/>
         </a:defRPr>
       </a:lvl2pPr>
-      <a:lvl3pPr marL="2592050" algn="l" defTabSz="2592050" rtl="0" eaLnBrk="1" latinLnBrk="0" hangingPunct="1">
-        <a:defRPr sz="5102" kern="1200">
+      <a:lvl3pPr marL="2519995" algn="l" defTabSz="2519995" rtl="0" eaLnBrk="1" latinLnBrk="0" hangingPunct="1">
+        <a:defRPr sz="4961" kern="1200">
           <a:solidFill>
             <a:schemeClr val="tx1"/>
           </a:solidFill>
@@ -3333,8 +3333,8 @@
           <a:cs typeface="+mn-cs"/>
         </a:defRPr>
       </a:lvl3pPr>
-      <a:lvl4pPr marL="3888075" algn="l" defTabSz="2592050" rtl="0" eaLnBrk="1" latinLnBrk="0" hangingPunct="1">
-        <a:defRPr sz="5102" kern="1200">
+      <a:lvl4pPr marL="3779992" algn="l" defTabSz="2519995" rtl="0" eaLnBrk="1" latinLnBrk="0" hangingPunct="1">
+        <a:defRPr sz="4961" kern="1200">
           <a:solidFill>
             <a:schemeClr val="tx1"/>
           </a:solidFill>
@@ -3343,8 +3343,8 @@
           <a:cs typeface="+mn-cs"/>
         </a:defRPr>
       </a:lvl4pPr>
-      <a:lvl5pPr marL="5184099" algn="l" defTabSz="2592050" rtl="0" eaLnBrk="1" latinLnBrk="0" hangingPunct="1">
-        <a:defRPr sz="5102" kern="1200">
+      <a:lvl5pPr marL="5039990" algn="l" defTabSz="2519995" rtl="0" eaLnBrk="1" latinLnBrk="0" hangingPunct="1">
+        <a:defRPr sz="4961" kern="1200">
           <a:solidFill>
             <a:schemeClr val="tx1"/>
           </a:solidFill>
@@ -3353,8 +3353,8 @@
           <a:cs typeface="+mn-cs"/>
         </a:defRPr>
       </a:lvl5pPr>
-      <a:lvl6pPr marL="6480124" algn="l" defTabSz="2592050" rtl="0" eaLnBrk="1" latinLnBrk="0" hangingPunct="1">
-        <a:defRPr sz="5102" kern="1200">
+      <a:lvl6pPr marL="6299987" algn="l" defTabSz="2519995" rtl="0" eaLnBrk="1" latinLnBrk="0" hangingPunct="1">
+        <a:defRPr sz="4961" kern="1200">
           <a:solidFill>
             <a:schemeClr val="tx1"/>
           </a:solidFill>
@@ -3363,8 +3363,8 @@
           <a:cs typeface="+mn-cs"/>
         </a:defRPr>
       </a:lvl6pPr>
-      <a:lvl7pPr marL="7776149" algn="l" defTabSz="2592050" rtl="0" eaLnBrk="1" latinLnBrk="0" hangingPunct="1">
-        <a:defRPr sz="5102" kern="1200">
+      <a:lvl7pPr marL="7559985" algn="l" defTabSz="2519995" rtl="0" eaLnBrk="1" latinLnBrk="0" hangingPunct="1">
+        <a:defRPr sz="4961" kern="1200">
           <a:solidFill>
             <a:schemeClr val="tx1"/>
           </a:solidFill>
@@ -3373,8 +3373,8 @@
           <a:cs typeface="+mn-cs"/>
         </a:defRPr>
       </a:lvl7pPr>
-      <a:lvl8pPr marL="9072174" algn="l" defTabSz="2592050" rtl="0" eaLnBrk="1" latinLnBrk="0" hangingPunct="1">
-        <a:defRPr sz="5102" kern="1200">
+      <a:lvl8pPr marL="8819982" algn="l" defTabSz="2519995" rtl="0" eaLnBrk="1" latinLnBrk="0" hangingPunct="1">
+        <a:defRPr sz="4961" kern="1200">
           <a:solidFill>
             <a:schemeClr val="tx1"/>
           </a:solidFill>
@@ -3383,8 +3383,8 @@
           <a:cs typeface="+mn-cs"/>
         </a:defRPr>
       </a:lvl8pPr>
-      <a:lvl9pPr marL="10368199" algn="l" defTabSz="2592050" rtl="0" eaLnBrk="1" latinLnBrk="0" hangingPunct="1">
-        <a:defRPr sz="5102" kern="1200">
+      <a:lvl9pPr marL="10079980" algn="l" defTabSz="2519995" rtl="0" eaLnBrk="1" latinLnBrk="0" hangingPunct="1">
+        <a:defRPr sz="4961" kern="1200">
           <a:solidFill>
             <a:schemeClr val="tx1"/>
           </a:solidFill>
@@ -3429,8 +3429,8 @@
         </p:nvSpPr>
         <p:spPr>
           <a:xfrm rot="16200000">
-            <a:off x="-2020697" y="3712461"/>
-            <a:ext cx="5958717" cy="467573"/>
+            <a:off x="-2499131" y="3225065"/>
+            <a:ext cx="5740613" cy="473924"/>
           </a:xfrm>
           <a:prstGeom prst="rect">
             <a:avLst/>
@@ -3524,7 +3524,7 @@
               </a:lnSpc>
             </a:pPr>
             <a:r>
-              <a:rPr lang="en-GB" sz="2500" b="1" dirty="0">
+              <a:rPr lang="en-GB" sz="2800" b="1" dirty="0">
                 <a:solidFill>
                   <a:srgbClr val="000000"/>
                 </a:solidFill>
@@ -3534,7 +3534,7 @@
               </a:rPr>
               <a:t>Identification</a:t>
             </a:r>
-            <a:endParaRPr lang="en-SG" sz="2500" b="1" dirty="0">
+            <a:endParaRPr lang="en-SG" sz="2800" b="1" dirty="0">
               <a:latin typeface="Arial" panose="020B0604020202020204" pitchFamily="34" charset="0"/>
               <a:ea typeface="Times New Roman" panose="02020603050405020304" pitchFamily="18" charset="0"/>
               <a:cs typeface="Arial" panose="020B0604020202020204" pitchFamily="34" charset="0"/>
@@ -3556,8 +3556,8 @@
         </p:nvSpPr>
         <p:spPr>
           <a:xfrm rot="16200000">
-            <a:off x="-5469046" y="13447331"/>
-            <a:ext cx="12844367" cy="442284"/>
+            <a:off x="-7216317" y="13818448"/>
+            <a:ext cx="15174985" cy="473925"/>
           </a:xfrm>
           <a:prstGeom prst="rect">
             <a:avLst/>
@@ -3651,7 +3651,7 @@
               </a:lnSpc>
             </a:pPr>
             <a:r>
-              <a:rPr lang="en-GB" sz="2500" b="1" dirty="0">
+              <a:rPr lang="en-GB" sz="2800" b="1" dirty="0">
                 <a:solidFill>
                   <a:srgbClr val="000000"/>
                 </a:solidFill>
@@ -3661,7 +3661,7 @@
               </a:rPr>
               <a:t>Screening</a:t>
             </a:r>
-            <a:endParaRPr lang="en-SG" sz="2500" b="1" dirty="0">
+            <a:endParaRPr lang="en-SG" sz="2800" b="1" dirty="0">
               <a:latin typeface="Arial" panose="020B0604020202020204" pitchFamily="34" charset="0"/>
               <a:ea typeface="Times New Roman" panose="02020603050405020304" pitchFamily="18" charset="0"/>
               <a:cs typeface="Arial" panose="020B0604020202020204" pitchFamily="34" charset="0"/>
@@ -3683,8 +3683,8 @@
         </p:nvSpPr>
         <p:spPr>
           <a:xfrm rot="16200000">
-            <a:off x="-508866" y="21793015"/>
-            <a:ext cx="2949077" cy="453553"/>
+            <a:off x="-1395285" y="23602970"/>
+            <a:ext cx="3532924" cy="473926"/>
           </a:xfrm>
           <a:prstGeom prst="rect">
             <a:avLst/>
@@ -3778,7 +3778,7 @@
               </a:lnSpc>
             </a:pPr>
             <a:r>
-              <a:rPr lang="en-GB" sz="2500" b="1" dirty="0">
+              <a:rPr lang="en-GB" sz="2800" b="1" dirty="0">
                 <a:solidFill>
                   <a:srgbClr val="000000"/>
                 </a:solidFill>
@@ -3788,7 +3788,7 @@
               </a:rPr>
               <a:t>Included</a:t>
             </a:r>
-            <a:endParaRPr lang="en-SG" sz="2500" b="1" dirty="0">
+            <a:endParaRPr lang="en-SG" sz="2800" b="1" dirty="0">
               <a:latin typeface="Arial" panose="020B0604020202020204" pitchFamily="34" charset="0"/>
               <a:ea typeface="Times New Roman" panose="02020603050405020304" pitchFamily="18" charset="0"/>
               <a:cs typeface="Arial" panose="020B0604020202020204" pitchFamily="34" charset="0"/>
@@ -3810,8 +3810,8 @@
         </p:nvSpPr>
         <p:spPr>
           <a:xfrm>
-            <a:off x="6912038" y="5695973"/>
-            <a:ext cx="1551659" cy="1080645"/>
+            <a:off x="6140718" y="4964674"/>
+            <a:ext cx="1873016" cy="1065355"/>
           </a:xfrm>
           <a:prstGeom prst="rect">
             <a:avLst/>
@@ -3905,7 +3905,7 @@
               </a:lnSpc>
             </a:pPr>
             <a:r>
-              <a:rPr lang="en-GB" sz="2200" dirty="0">
+              <a:rPr lang="en-GB" sz="2500" dirty="0">
                 <a:solidFill>
                   <a:srgbClr val="000000"/>
                 </a:solidFill>
@@ -3923,7 +3923,7 @@
               </a:lnSpc>
             </a:pPr>
             <a:r>
-              <a:rPr lang="en-GB" sz="2200" i="1" dirty="0">
+              <a:rPr lang="en-GB" sz="2500" i="1" dirty="0">
                 <a:solidFill>
                   <a:srgbClr val="000000"/>
                 </a:solidFill>
@@ -3934,7 +3934,7 @@
               <a:t>N </a:t>
             </a:r>
             <a:r>
-              <a:rPr lang="en-GB" sz="2200" dirty="0">
+              <a:rPr lang="en-GB" sz="2500" dirty="0">
                 <a:solidFill>
                   <a:srgbClr val="000000"/>
                 </a:solidFill>
@@ -3944,7 +3944,7 @@
               </a:rPr>
               <a:t> = 147</a:t>
             </a:r>
-            <a:endParaRPr lang="en-SG" sz="2200" i="1" dirty="0">
+            <a:endParaRPr lang="en-SG" sz="2500" i="1" dirty="0">
               <a:latin typeface="Arial" panose="020B0604020202020204" pitchFamily="34" charset="0"/>
               <a:ea typeface="Times New Roman" panose="02020603050405020304" pitchFamily="18" charset="0"/>
               <a:cs typeface="Arial" panose="020B0604020202020204" pitchFamily="34" charset="0"/>
@@ -3966,8 +3966,8 @@
         </p:nvSpPr>
         <p:spPr>
           <a:xfrm>
-            <a:off x="6920489" y="7510774"/>
-            <a:ext cx="1551659" cy="1056636"/>
+            <a:off x="6138339" y="7072890"/>
+            <a:ext cx="1873015" cy="1011749"/>
           </a:xfrm>
           <a:prstGeom prst="rect">
             <a:avLst/>
@@ -4061,7 +4061,7 @@
               </a:lnSpc>
             </a:pPr>
             <a:r>
-              <a:rPr lang="en-GB" sz="2200" dirty="0">
+              <a:rPr lang="en-GB" sz="2500" dirty="0">
                 <a:solidFill>
                   <a:srgbClr val="000000"/>
                 </a:solidFill>
@@ -4079,7 +4079,7 @@
               </a:lnSpc>
             </a:pPr>
             <a:r>
-              <a:rPr lang="en-GB" sz="2200" i="1" dirty="0">
+              <a:rPr lang="en-GB" sz="2500" i="1" dirty="0">
                 <a:solidFill>
                   <a:srgbClr val="000000"/>
                 </a:solidFill>
@@ -4090,7 +4090,7 @@
               <a:t>N </a:t>
             </a:r>
             <a:r>
-              <a:rPr lang="en-GB" sz="2200" dirty="0">
+              <a:rPr lang="en-GB" sz="2500" dirty="0">
                 <a:solidFill>
                   <a:srgbClr val="000000"/>
                 </a:solidFill>
@@ -4100,7 +4100,7 @@
               </a:rPr>
               <a:t> = 5</a:t>
             </a:r>
-            <a:endParaRPr lang="en-SG" sz="2200" i="1" dirty="0">
+            <a:endParaRPr lang="en-SG" sz="2500" i="1" dirty="0">
               <a:latin typeface="Arial" panose="020B0604020202020204" pitchFamily="34" charset="0"/>
               <a:ea typeface="Times New Roman" panose="02020603050405020304" pitchFamily="18" charset="0"/>
               <a:cs typeface="Arial" panose="020B0604020202020204" pitchFamily="34" charset="0"/>
@@ -4122,8 +4122,8 @@
         </p:nvSpPr>
         <p:spPr>
           <a:xfrm>
-            <a:off x="6912034" y="8934662"/>
-            <a:ext cx="1539978" cy="1056636"/>
+            <a:off x="6140718" y="8394291"/>
+            <a:ext cx="1873016" cy="1065354"/>
           </a:xfrm>
           <a:prstGeom prst="rect">
             <a:avLst/>
@@ -4217,7 +4217,7 @@
               </a:lnSpc>
             </a:pPr>
             <a:r>
-              <a:rPr lang="en-GB" sz="2200" dirty="0">
+              <a:rPr lang="en-GB" sz="2500" dirty="0">
                 <a:solidFill>
                   <a:srgbClr val="000000"/>
                 </a:solidFill>
@@ -4235,7 +4235,7 @@
               </a:lnSpc>
             </a:pPr>
             <a:r>
-              <a:rPr lang="en-GB" sz="2200" i="1" dirty="0">
+              <a:rPr lang="en-GB" sz="2500" i="1" dirty="0">
                 <a:solidFill>
                   <a:srgbClr val="000000"/>
                 </a:solidFill>
@@ -4246,7 +4246,7 @@
               <a:t>N </a:t>
             </a:r>
             <a:r>
-              <a:rPr lang="en-GB" sz="2200" dirty="0">
+              <a:rPr lang="en-GB" sz="2500" dirty="0">
                 <a:solidFill>
                   <a:srgbClr val="000000"/>
                 </a:solidFill>
@@ -4256,7 +4256,7 @@
               </a:rPr>
               <a:t> = 0</a:t>
             </a:r>
-            <a:endParaRPr lang="en-SG" sz="2200" i="1" dirty="0">
+            <a:endParaRPr lang="en-SG" sz="2500" i="1" dirty="0">
               <a:latin typeface="Arial" panose="020B0604020202020204" pitchFamily="34" charset="0"/>
               <a:ea typeface="Times New Roman" panose="02020603050405020304" pitchFamily="18" charset="0"/>
               <a:cs typeface="Arial" panose="020B0604020202020204" pitchFamily="34" charset="0"/>
@@ -4278,8 +4278,8 @@
         </p:nvSpPr>
         <p:spPr>
           <a:xfrm>
-            <a:off x="16702496" y="6958290"/>
-            <a:ext cx="2810984" cy="2141725"/>
+            <a:off x="16593717" y="6332333"/>
+            <a:ext cx="3461846" cy="2439254"/>
           </a:xfrm>
           <a:prstGeom prst="rect">
             <a:avLst/>
@@ -4373,7 +4373,7 @@
               </a:lnSpc>
             </a:pPr>
             <a:r>
-              <a:rPr lang="en-SG" sz="2200" dirty="0">
+              <a:rPr lang="en-SG" sz="2500" dirty="0">
                 <a:latin typeface="Arial" panose="020B0604020202020204" pitchFamily="34" charset="0"/>
                 <a:cs typeface="Arial" panose="020B0604020202020204" pitchFamily="34" charset="0"/>
               </a:rPr>
@@ -4387,7 +4387,7 @@
               </a:lnSpc>
             </a:pPr>
             <a:r>
-              <a:rPr lang="en-GB" sz="2200" i="1" dirty="0">
+              <a:rPr lang="en-GB" sz="2500" i="1" dirty="0">
                 <a:solidFill>
                   <a:srgbClr val="000000"/>
                 </a:solidFill>
@@ -4397,16 +4397,16 @@
               <a:t>N = </a:t>
             </a:r>
             <a:r>
-              <a:rPr lang="en-GB" sz="2200" dirty="0">
+              <a:rPr lang="en-GB" sz="2500" dirty="0">
                 <a:solidFill>
                   <a:srgbClr val="000000"/>
                 </a:solidFill>
                 <a:latin typeface="Arial" panose="020B0604020202020204" pitchFamily="34" charset="0"/>
                 <a:cs typeface="Arial" panose="020B0604020202020204" pitchFamily="34" charset="0"/>
               </a:rPr>
-              <a:t>50</a:t>
-            </a:r>
-            <a:endParaRPr lang="en-SG" sz="2200" dirty="0">
+              <a:t>45</a:t>
+            </a:r>
+            <a:endParaRPr lang="en-SG" sz="2500" dirty="0">
               <a:solidFill>
                 <a:srgbClr val="000000"/>
               </a:solidFill>
@@ -4430,7 +4430,7 @@
         </p:nvSpPr>
         <p:spPr>
           <a:xfrm>
-            <a:off x="1448170" y="1488549"/>
+            <a:off x="886310" y="1142970"/>
             <a:ext cx="1692388" cy="1792903"/>
           </a:xfrm>
           <a:prstGeom prst="rect">
@@ -4525,7 +4525,7 @@
               </a:lnSpc>
             </a:pPr>
             <a:r>
-              <a:rPr lang="en-GB" sz="2200" dirty="0">
+              <a:rPr lang="en-GB" sz="2500" dirty="0">
                 <a:solidFill>
                   <a:srgbClr val="000000"/>
                 </a:solidFill>
@@ -4535,7 +4535,7 @@
               </a:rPr>
               <a:t>22 records identified through PsycInfo</a:t>
             </a:r>
-            <a:endParaRPr lang="en-SG" sz="2200" dirty="0">
+            <a:endParaRPr lang="en-SG" sz="2500" dirty="0">
               <a:latin typeface="Arial" panose="020B0604020202020204" pitchFamily="34" charset="0"/>
               <a:ea typeface="Times New Roman" panose="02020603050405020304" pitchFamily="18" charset="0"/>
               <a:cs typeface="Arial" panose="020B0604020202020204" pitchFamily="34" charset="0"/>
@@ -4557,8 +4557,8 @@
         </p:nvSpPr>
         <p:spPr>
           <a:xfrm>
-            <a:off x="3257934" y="1488549"/>
-            <a:ext cx="1692388" cy="1792901"/>
+            <a:off x="2689913" y="1142401"/>
+            <a:ext cx="1995111" cy="1801983"/>
           </a:xfrm>
           <a:prstGeom prst="rect">
             <a:avLst/>
@@ -4652,7 +4652,7 @@
               </a:lnSpc>
             </a:pPr>
             <a:r>
-              <a:rPr lang="en-GB" sz="2200" dirty="0">
+              <a:rPr lang="en-GB" sz="2500" dirty="0">
                 <a:solidFill>
                   <a:srgbClr val="000000"/>
                 </a:solidFill>
@@ -4662,7 +4662,7 @@
               </a:rPr>
               <a:t>100 records identified through PubMed</a:t>
             </a:r>
-            <a:endParaRPr lang="en-SG" sz="2200" dirty="0">
+            <a:endParaRPr lang="en-SG" sz="2500" dirty="0">
               <a:latin typeface="Arial" panose="020B0604020202020204" pitchFamily="34" charset="0"/>
               <a:ea typeface="Times New Roman" panose="02020603050405020304" pitchFamily="18" charset="0"/>
               <a:cs typeface="Arial" panose="020B0604020202020204" pitchFamily="34" charset="0"/>
@@ -4684,8 +4684,8 @@
         </p:nvSpPr>
         <p:spPr>
           <a:xfrm>
-            <a:off x="5054058" y="1490303"/>
-            <a:ext cx="1772202" cy="1792902"/>
+            <a:off x="4849025" y="1133903"/>
+            <a:ext cx="1772202" cy="1801967"/>
           </a:xfrm>
           <a:prstGeom prst="rect">
             <a:avLst/>
@@ -4779,7 +4779,7 @@
               </a:lnSpc>
             </a:pPr>
             <a:r>
-              <a:rPr lang="en-GB" sz="2200" dirty="0">
+              <a:rPr lang="en-GB" sz="2500" dirty="0">
                 <a:solidFill>
                   <a:srgbClr val="000000"/>
                 </a:solidFill>
@@ -4789,7 +4789,7 @@
               </a:rPr>
               <a:t>55 records identified through Scopus</a:t>
             </a:r>
-            <a:endParaRPr lang="en-SG" sz="2200" dirty="0">
+            <a:endParaRPr lang="en-SG" sz="2500" dirty="0">
               <a:latin typeface="Arial" panose="020B0604020202020204" pitchFamily="34" charset="0"/>
               <a:ea typeface="Times New Roman" panose="02020603050405020304" pitchFamily="18" charset="0"/>
               <a:cs typeface="Arial" panose="020B0604020202020204" pitchFamily="34" charset="0"/>
@@ -4811,8 +4811,8 @@
         </p:nvSpPr>
         <p:spPr>
           <a:xfrm>
-            <a:off x="8626773" y="1492752"/>
-            <a:ext cx="1766384" cy="1801983"/>
+            <a:off x="8665996" y="1120314"/>
+            <a:ext cx="2031901" cy="1787042"/>
           </a:xfrm>
           <a:prstGeom prst="rect">
             <a:avLst/>
@@ -4906,7 +4906,7 @@
               </a:lnSpc>
             </a:pPr>
             <a:r>
-              <a:rPr lang="en-GB" sz="2200" dirty="0">
+              <a:rPr lang="en-GB" sz="2500" dirty="0">
                 <a:solidFill>
                   <a:srgbClr val="000000"/>
                 </a:solidFill>
@@ -4916,7 +4916,7 @@
               </a:rPr>
               <a:t>50 records identified through Web of Science</a:t>
             </a:r>
-            <a:endParaRPr lang="en-SG" sz="2200" dirty="0">
+            <a:endParaRPr lang="en-SG" sz="2500" dirty="0">
               <a:latin typeface="Arial" panose="020B0604020202020204" pitchFamily="34" charset="0"/>
               <a:ea typeface="Times New Roman" panose="02020603050405020304" pitchFamily="18" charset="0"/>
               <a:cs typeface="Arial" panose="020B0604020202020204" pitchFamily="34" charset="0"/>
@@ -4938,7 +4938,7 @@
         </p:nvSpPr>
         <p:spPr>
           <a:xfrm>
-            <a:off x="11328497" y="5558728"/>
+            <a:off x="10993550" y="4803306"/>
             <a:ext cx="3233338" cy="1366881"/>
           </a:xfrm>
           <a:prstGeom prst="rect">
@@ -5033,7 +5033,7 @@
               </a:lnSpc>
             </a:pPr>
             <a:r>
-              <a:rPr lang="en-GB" sz="2200" dirty="0">
+              <a:rPr lang="en-GB" sz="2500" dirty="0">
                 <a:solidFill>
                   <a:srgbClr val="000000"/>
                 </a:solidFill>
@@ -5051,7 +5051,7 @@
               </a:lnSpc>
             </a:pPr>
             <a:r>
-              <a:rPr lang="en-GB" sz="2200" i="1" dirty="0">
+              <a:rPr lang="en-GB" sz="2500" i="1" dirty="0">
                 <a:solidFill>
                   <a:srgbClr val="000000"/>
                 </a:solidFill>
@@ -5062,7 +5062,7 @@
               <a:t>N </a:t>
             </a:r>
             <a:r>
-              <a:rPr lang="en-GB" sz="2200" dirty="0">
+              <a:rPr lang="en-GB" sz="2500" dirty="0">
                 <a:solidFill>
                   <a:srgbClr val="000000"/>
                 </a:solidFill>
@@ -5072,7 +5072,7 @@
               </a:rPr>
               <a:t> = 473</a:t>
             </a:r>
-            <a:endParaRPr lang="en-SG" sz="2200" i="1" dirty="0">
+            <a:endParaRPr lang="en-SG" sz="2500" i="1" dirty="0">
               <a:latin typeface="Arial" panose="020B0604020202020204" pitchFamily="34" charset="0"/>
               <a:ea typeface="Times New Roman" panose="02020603050405020304" pitchFamily="18" charset="0"/>
               <a:cs typeface="Arial" panose="020B0604020202020204" pitchFamily="34" charset="0"/>
@@ -5094,8 +5094,8 @@
         </p:nvSpPr>
         <p:spPr>
           <a:xfrm>
-            <a:off x="11328497" y="7246289"/>
-            <a:ext cx="3233338" cy="1577016"/>
+            <a:off x="10999902" y="6660924"/>
+            <a:ext cx="3233338" cy="1782075"/>
           </a:xfrm>
           <a:prstGeom prst="rect">
             <a:avLst/>
@@ -5189,7 +5189,7 @@
               </a:lnSpc>
             </a:pPr>
             <a:r>
-              <a:rPr lang="en-GB" sz="2200" dirty="0">
+              <a:rPr lang="en-GB" sz="2500" dirty="0">
                 <a:solidFill>
                   <a:srgbClr val="000000"/>
                 </a:solidFill>
@@ -5207,7 +5207,7 @@
               </a:lnSpc>
             </a:pPr>
             <a:r>
-              <a:rPr lang="en-GB" sz="2200" i="1" dirty="0">
+              <a:rPr lang="en-GB" sz="2500" i="1" dirty="0">
                 <a:solidFill>
                   <a:srgbClr val="000000"/>
                 </a:solidFill>
@@ -5218,7 +5218,7 @@
               <a:t>N </a:t>
             </a:r>
             <a:r>
-              <a:rPr lang="en-GB" sz="2200" dirty="0">
+              <a:rPr lang="en-GB" sz="2500" dirty="0">
                 <a:solidFill>
                   <a:srgbClr val="000000"/>
                 </a:solidFill>
@@ -5228,7 +5228,7 @@
               </a:rPr>
               <a:t> = 326</a:t>
             </a:r>
-            <a:endParaRPr lang="en-SG" sz="2200" i="1" dirty="0">
+            <a:endParaRPr lang="en-SG" sz="2500" i="1" dirty="0">
               <a:latin typeface="Arial" panose="020B0604020202020204" pitchFamily="34" charset="0"/>
               <a:ea typeface="Times New Roman" panose="02020603050405020304" pitchFamily="18" charset="0"/>
               <a:cs typeface="Arial" panose="020B0604020202020204" pitchFamily="34" charset="0"/>
@@ -5250,8 +5250,8 @@
         </p:nvSpPr>
         <p:spPr>
           <a:xfrm>
-            <a:off x="16735006" y="9237250"/>
-            <a:ext cx="2810984" cy="1194561"/>
+            <a:off x="16626227" y="10453305"/>
+            <a:ext cx="3429336" cy="1340087"/>
           </a:xfrm>
           <a:prstGeom prst="rect">
             <a:avLst/>
@@ -5345,7 +5345,7 @@
               </a:lnSpc>
             </a:pPr>
             <a:r>
-              <a:rPr lang="en-GB" sz="2200" dirty="0">
+              <a:rPr lang="en-GB" sz="2500" dirty="0">
                 <a:solidFill>
                   <a:srgbClr val="000000"/>
                 </a:solidFill>
@@ -5363,7 +5363,7 @@
               </a:lnSpc>
             </a:pPr>
             <a:r>
-              <a:rPr lang="en-GB" sz="2200" i="1" dirty="0">
+              <a:rPr lang="en-GB" sz="2500" i="1" dirty="0">
                 <a:solidFill>
                   <a:srgbClr val="000000"/>
                 </a:solidFill>
@@ -5374,7 +5374,7 @@
               <a:t>N </a:t>
             </a:r>
             <a:r>
-              <a:rPr lang="en-GB" sz="2200" dirty="0">
+              <a:rPr lang="en-GB" sz="2500" dirty="0">
                 <a:solidFill>
                   <a:srgbClr val="000000"/>
                 </a:solidFill>
@@ -5384,7 +5384,7 @@
               </a:rPr>
               <a:t> = 200 </a:t>
             </a:r>
-            <a:endParaRPr lang="en-SG" sz="2200" i="1" dirty="0">
+            <a:endParaRPr lang="en-SG" sz="2500" i="1" dirty="0">
               <a:latin typeface="Arial" panose="020B0604020202020204" pitchFamily="34" charset="0"/>
               <a:ea typeface="Times New Roman" panose="02020603050405020304" pitchFamily="18" charset="0"/>
               <a:cs typeface="Arial" panose="020B0604020202020204" pitchFamily="34" charset="0"/>
@@ -5406,8 +5406,8 @@
         </p:nvSpPr>
         <p:spPr>
           <a:xfrm>
-            <a:off x="16735009" y="10556042"/>
-            <a:ext cx="2810985" cy="1251204"/>
+            <a:off x="16626230" y="12078379"/>
+            <a:ext cx="3429333" cy="1265186"/>
           </a:xfrm>
           <a:prstGeom prst="rect">
             <a:avLst/>
@@ -5501,7 +5501,7 @@
               </a:lnSpc>
             </a:pPr>
             <a:r>
-              <a:rPr lang="en-GB" sz="2200" dirty="0">
+              <a:rPr lang="en-GB" sz="2500" dirty="0">
                 <a:solidFill>
                   <a:srgbClr val="000000"/>
                 </a:solidFill>
@@ -5519,7 +5519,7 @@
               </a:lnSpc>
             </a:pPr>
             <a:r>
-              <a:rPr lang="en-GB" sz="2200" i="1" dirty="0">
+              <a:rPr lang="en-GB" sz="2500" i="1" dirty="0">
                 <a:solidFill>
                   <a:srgbClr val="000000"/>
                 </a:solidFill>
@@ -5530,7 +5530,7 @@
               <a:t>N = </a:t>
             </a:r>
             <a:r>
-              <a:rPr lang="en-GB" sz="2200" dirty="0">
+              <a:rPr lang="en-GB" sz="2500" dirty="0">
                 <a:solidFill>
                   <a:srgbClr val="000000"/>
                 </a:solidFill>
@@ -5540,7 +5540,7 @@
               </a:rPr>
               <a:t>21 </a:t>
             </a:r>
-            <a:endParaRPr lang="en-SG" sz="2200" i="1" dirty="0">
+            <a:endParaRPr lang="en-SG" sz="2500" i="1" dirty="0">
               <a:latin typeface="Arial" panose="020B0604020202020204" pitchFamily="34" charset="0"/>
               <a:ea typeface="Times New Roman" panose="02020603050405020304" pitchFamily="18" charset="0"/>
               <a:cs typeface="Arial" panose="020B0604020202020204" pitchFamily="34" charset="0"/>
@@ -5566,8 +5566,8 @@
         </p:nvCxnSpPr>
         <p:spPr>
           <a:xfrm>
-            <a:off x="12945166" y="6925605"/>
-            <a:ext cx="0" cy="320684"/>
+            <a:off x="12610219" y="6170187"/>
+            <a:ext cx="6352" cy="490737"/>
           </a:xfrm>
           <a:prstGeom prst="straightConnector1">
             <a:avLst/>
@@ -5608,9 +5608,9 @@
           <p:nvPr/>
         </p:nvCxnSpPr>
         <p:spPr>
-          <a:xfrm flipH="1" flipV="1">
-            <a:off x="8463693" y="6236296"/>
-            <a:ext cx="2864804" cy="5873"/>
+          <a:xfrm flipH="1">
+            <a:off x="8013734" y="5486747"/>
+            <a:ext cx="2979816" cy="10605"/>
           </a:xfrm>
           <a:prstGeom prst="straightConnector1">
             <a:avLst/>
@@ -5652,8 +5652,8 @@
         </p:nvCxnSpPr>
         <p:spPr>
           <a:xfrm rot="10800000" flipV="1">
-            <a:off x="8452017" y="8034800"/>
-            <a:ext cx="2876485" cy="1428183"/>
+            <a:off x="8013734" y="7551962"/>
+            <a:ext cx="2986168" cy="1375006"/>
           </a:xfrm>
           <a:prstGeom prst="bentConnector3">
             <a:avLst>
@@ -5693,8 +5693,8 @@
         </p:nvSpPr>
         <p:spPr>
           <a:xfrm>
-            <a:off x="11313314" y="12334774"/>
-            <a:ext cx="3233338" cy="1577016"/>
+            <a:off x="10993550" y="13786732"/>
+            <a:ext cx="3233343" cy="1958000"/>
           </a:xfrm>
           <a:prstGeom prst="rect">
             <a:avLst/>
@@ -5788,7 +5788,7 @@
               </a:lnSpc>
             </a:pPr>
             <a:r>
-              <a:rPr lang="en-GB" sz="2200" dirty="0">
+              <a:rPr lang="en-GB" sz="2500" dirty="0">
                 <a:solidFill>
                   <a:srgbClr val="000000"/>
                 </a:solidFill>
@@ -5806,7 +5806,7 @@
               </a:lnSpc>
             </a:pPr>
             <a:r>
-              <a:rPr lang="en-GB" sz="2200" i="1" dirty="0">
+              <a:rPr lang="en-GB" sz="2500" i="1" dirty="0">
                 <a:solidFill>
                   <a:srgbClr val="000000"/>
                 </a:solidFill>
@@ -5817,7 +5817,7 @@
               <a:t>N </a:t>
             </a:r>
             <a:r>
-              <a:rPr lang="en-GB" sz="2200" dirty="0">
+              <a:rPr lang="en-GB" sz="2500" dirty="0">
                 <a:solidFill>
                   <a:srgbClr val="000000"/>
                 </a:solidFill>
@@ -5827,7 +5827,7 @@
               </a:rPr>
               <a:t> = 50</a:t>
             </a:r>
-            <a:endParaRPr lang="en-SG" sz="2200" i="1" dirty="0">
+            <a:endParaRPr lang="en-SG" sz="2500" i="1" dirty="0">
               <a:latin typeface="Arial" panose="020B0604020202020204" pitchFamily="34" charset="0"/>
               <a:ea typeface="Times New Roman" panose="02020603050405020304" pitchFamily="18" charset="0"/>
               <a:cs typeface="Arial" panose="020B0604020202020204" pitchFamily="34" charset="0"/>
@@ -5849,8 +5849,8 @@
         </p:nvSpPr>
         <p:spPr>
           <a:xfrm>
-            <a:off x="6912038" y="12590607"/>
-            <a:ext cx="1539979" cy="1065355"/>
+            <a:off x="6159428" y="14177892"/>
+            <a:ext cx="1877774" cy="1220844"/>
           </a:xfrm>
           <a:prstGeom prst="rect">
             <a:avLst/>
@@ -5944,7 +5944,7 @@
               </a:lnSpc>
             </a:pPr>
             <a:r>
-              <a:rPr lang="en-GB" sz="2200" dirty="0">
+              <a:rPr lang="en-GB" sz="2500" dirty="0">
                 <a:solidFill>
                   <a:srgbClr val="000000"/>
                 </a:solidFill>
@@ -5962,7 +5962,7 @@
               </a:lnSpc>
             </a:pPr>
             <a:r>
-              <a:rPr lang="en-GB" sz="2200" i="1" dirty="0">
+              <a:rPr lang="en-GB" sz="2500" i="1" dirty="0">
                 <a:solidFill>
                   <a:srgbClr val="000000"/>
                 </a:solidFill>
@@ -5973,7 +5973,7 @@
               <a:t>N </a:t>
             </a:r>
             <a:r>
-              <a:rPr lang="en-GB" sz="2200" dirty="0">
+              <a:rPr lang="en-GB" sz="2500" dirty="0">
                 <a:solidFill>
                   <a:srgbClr val="000000"/>
                 </a:solidFill>
@@ -5983,7 +5983,7 @@
               </a:rPr>
               <a:t> = 0</a:t>
             </a:r>
-            <a:endParaRPr lang="en-SG" sz="2200" i="1" dirty="0">
+            <a:endParaRPr lang="en-SG" sz="2500" i="1" dirty="0">
               <a:latin typeface="Arial" panose="020B0604020202020204" pitchFamily="34" charset="0"/>
               <a:ea typeface="Times New Roman" panose="02020603050405020304" pitchFamily="18" charset="0"/>
               <a:cs typeface="Arial" panose="020B0604020202020204" pitchFamily="34" charset="0"/>
@@ -6005,8 +6005,8 @@
         </p:nvSpPr>
         <p:spPr>
           <a:xfrm>
-            <a:off x="6920491" y="13923371"/>
-            <a:ext cx="1578461" cy="1056636"/>
+            <a:off x="6135960" y="15613129"/>
+            <a:ext cx="1924709" cy="1193579"/>
           </a:xfrm>
           <a:prstGeom prst="rect">
             <a:avLst/>
@@ -6100,7 +6100,7 @@
               </a:lnSpc>
             </a:pPr>
             <a:r>
-              <a:rPr lang="en-GB" sz="2200" dirty="0">
+              <a:rPr lang="en-GB" sz="2500" dirty="0">
                 <a:solidFill>
                   <a:srgbClr val="000000"/>
                 </a:solidFill>
@@ -6118,7 +6118,7 @@
               </a:lnSpc>
             </a:pPr>
             <a:r>
-              <a:rPr lang="en-GB" sz="2200" i="1" dirty="0">
+              <a:rPr lang="en-GB" sz="2500" i="1" dirty="0">
                 <a:solidFill>
                   <a:srgbClr val="000000"/>
                 </a:solidFill>
@@ -6129,7 +6129,7 @@
               <a:t>N </a:t>
             </a:r>
             <a:r>
-              <a:rPr lang="en-GB" sz="2200" dirty="0">
+              <a:rPr lang="en-GB" sz="2500" dirty="0">
                 <a:solidFill>
                   <a:srgbClr val="000000"/>
                 </a:solidFill>
@@ -6139,7 +6139,7 @@
               </a:rPr>
               <a:t> = 0</a:t>
             </a:r>
-            <a:endParaRPr lang="en-SG" sz="2200" i="1" dirty="0">
+            <a:endParaRPr lang="en-SG" sz="2500" i="1" dirty="0">
               <a:latin typeface="Arial" panose="020B0604020202020204" pitchFamily="34" charset="0"/>
               <a:ea typeface="Times New Roman" panose="02020603050405020304" pitchFamily="18" charset="0"/>
               <a:cs typeface="Arial" panose="020B0604020202020204" pitchFamily="34" charset="0"/>
@@ -6165,8 +6165,8 @@
         </p:nvCxnSpPr>
         <p:spPr>
           <a:xfrm rot="10800000" flipV="1">
-            <a:off x="8479712" y="13123282"/>
-            <a:ext cx="2833607" cy="2671302"/>
+            <a:off x="8041428" y="14765731"/>
+            <a:ext cx="2952122" cy="2852159"/>
           </a:xfrm>
           <a:prstGeom prst="bentConnector3">
             <a:avLst>
@@ -6210,8 +6210,8 @@
         </p:nvCxnSpPr>
         <p:spPr>
           <a:xfrm rot="10800000" flipV="1">
-            <a:off x="8498948" y="13123285"/>
-            <a:ext cx="2814366" cy="1328407"/>
+            <a:off x="8060670" y="14765731"/>
+            <a:ext cx="2932881" cy="1444187"/>
           </a:xfrm>
           <a:prstGeom prst="bentConnector3">
             <a:avLst>
@@ -6254,9 +6254,9 @@
           <p:nvPr/>
         </p:nvCxnSpPr>
         <p:spPr>
-          <a:xfrm flipH="1" flipV="1">
-            <a:off x="8452017" y="13123285"/>
-            <a:ext cx="2861301" cy="1"/>
+          <a:xfrm flipH="1">
+            <a:off x="8037202" y="14765732"/>
+            <a:ext cx="2956348" cy="22582"/>
           </a:xfrm>
           <a:prstGeom prst="straightConnector1">
             <a:avLst/>
@@ -6294,8 +6294,8 @@
         </p:nvSpPr>
         <p:spPr>
           <a:xfrm>
-            <a:off x="16713407" y="12070613"/>
-            <a:ext cx="2810985" cy="2105336"/>
+            <a:off x="16593717" y="13697355"/>
+            <a:ext cx="3461846" cy="2136754"/>
           </a:xfrm>
           <a:prstGeom prst="rect">
             <a:avLst/>
@@ -6389,7 +6389,7 @@
               </a:lnSpc>
             </a:pPr>
             <a:r>
-              <a:rPr lang="en-SG" sz="2200" dirty="0">
+              <a:rPr lang="en-SG" sz="2500" dirty="0">
                 <a:latin typeface="Arial" panose="020B0604020202020204" pitchFamily="34" charset="0"/>
                 <a:cs typeface="Arial" panose="020B0604020202020204" pitchFamily="34" charset="0"/>
               </a:rPr>
@@ -6403,7 +6403,7 @@
               </a:lnSpc>
             </a:pPr>
             <a:r>
-              <a:rPr lang="en-GB" sz="2200" i="1" dirty="0">
+              <a:rPr lang="en-GB" sz="2500" i="1" dirty="0">
                 <a:solidFill>
                   <a:srgbClr val="000000"/>
                 </a:solidFill>
@@ -6413,16 +6413,16 @@
               <a:t>N = </a:t>
             </a:r>
             <a:r>
-              <a:rPr lang="en-GB" sz="2200" dirty="0">
+              <a:rPr lang="en-GB" sz="2500" dirty="0">
                 <a:solidFill>
                   <a:srgbClr val="000000"/>
                 </a:solidFill>
                 <a:latin typeface="Arial" panose="020B0604020202020204" pitchFamily="34" charset="0"/>
                 <a:cs typeface="Arial" panose="020B0604020202020204" pitchFamily="34" charset="0"/>
               </a:rPr>
-              <a:t>10</a:t>
-            </a:r>
-            <a:endParaRPr lang="en-SG" sz="2200" dirty="0">
+              <a:t>6</a:t>
+            </a:r>
+            <a:endParaRPr lang="en-SG" sz="2500" dirty="0">
               <a:solidFill>
                 <a:srgbClr val="000000"/>
               </a:solidFill>
@@ -6446,8 +6446,8 @@
         </p:nvSpPr>
         <p:spPr>
           <a:xfrm>
-            <a:off x="16691592" y="14439316"/>
-            <a:ext cx="2810985" cy="1355268"/>
+            <a:off x="16593717" y="16090431"/>
+            <a:ext cx="3461845" cy="1394450"/>
           </a:xfrm>
           <a:prstGeom prst="rect">
             <a:avLst/>
@@ -6541,7 +6541,7 @@
               </a:lnSpc>
             </a:pPr>
             <a:r>
-              <a:rPr lang="en-GB" sz="2200" dirty="0">
+              <a:rPr lang="en-GB" sz="2500" dirty="0">
                 <a:solidFill>
                   <a:srgbClr val="000000"/>
                 </a:solidFill>
@@ -6559,7 +6559,7 @@
               </a:lnSpc>
             </a:pPr>
             <a:r>
-              <a:rPr lang="en-GB" sz="2200" i="1" dirty="0">
+              <a:rPr lang="en-GB" sz="2500" i="1" dirty="0">
                 <a:solidFill>
                   <a:srgbClr val="000000"/>
                 </a:solidFill>
@@ -6570,7 +6570,7 @@
               <a:t>N </a:t>
             </a:r>
             <a:r>
-              <a:rPr lang="en-GB" sz="2200" dirty="0">
+              <a:rPr lang="en-GB" sz="2500" dirty="0">
                 <a:solidFill>
                   <a:srgbClr val="000000"/>
                 </a:solidFill>
@@ -6578,9 +6578,9 @@
                 <a:ea typeface="Times New Roman" panose="02020603050405020304" pitchFamily="18" charset="0"/>
                 <a:cs typeface="Arial" panose="020B0604020202020204" pitchFamily="34" charset="0"/>
               </a:rPr>
-              <a:t>= 21</a:t>
-            </a:r>
-            <a:endParaRPr lang="en-SG" sz="2200" i="1" dirty="0">
+              <a:t>= 16</a:t>
+            </a:r>
+            <a:endParaRPr lang="en-SG" sz="2500" i="1" dirty="0">
               <a:latin typeface="Arial" panose="020B0604020202020204" pitchFamily="34" charset="0"/>
               <a:ea typeface="Times New Roman" panose="02020603050405020304" pitchFamily="18" charset="0"/>
               <a:cs typeface="Arial" panose="020B0604020202020204" pitchFamily="34" charset="0"/>
@@ -6602,8 +6602,8 @@
         </p:nvSpPr>
         <p:spPr>
           <a:xfrm>
-            <a:off x="16691592" y="16069054"/>
-            <a:ext cx="2810985" cy="1173456"/>
+            <a:off x="16621111" y="17645590"/>
+            <a:ext cx="3434452" cy="1200700"/>
           </a:xfrm>
           <a:prstGeom prst="rect">
             <a:avLst/>
@@ -6697,7 +6697,7 @@
               </a:lnSpc>
             </a:pPr>
             <a:r>
-              <a:rPr lang="en-GB" sz="2200" dirty="0">
+              <a:rPr lang="en-GB" sz="2500" dirty="0">
                 <a:solidFill>
                   <a:srgbClr val="000000"/>
                 </a:solidFill>
@@ -6715,7 +6715,7 @@
               </a:lnSpc>
             </a:pPr>
             <a:r>
-              <a:rPr lang="en-GB" sz="2200" i="1" dirty="0">
+              <a:rPr lang="en-GB" sz="2500" i="1" dirty="0">
                 <a:solidFill>
                   <a:srgbClr val="000000"/>
                 </a:solidFill>
@@ -6726,7 +6726,7 @@
               <a:t>N </a:t>
             </a:r>
             <a:r>
-              <a:rPr lang="en-GB" sz="2200" dirty="0">
+              <a:rPr lang="en-GB" sz="2500" dirty="0">
                 <a:solidFill>
                   <a:srgbClr val="000000"/>
                 </a:solidFill>
@@ -6736,7 +6736,7 @@
               </a:rPr>
               <a:t>= 5</a:t>
             </a:r>
-            <a:endParaRPr lang="en-SG" sz="2200" i="1" dirty="0">
+            <a:endParaRPr lang="en-SG" sz="2500" i="1" dirty="0">
               <a:latin typeface="Arial" panose="020B0604020202020204" pitchFamily="34" charset="0"/>
               <a:ea typeface="Times New Roman" panose="02020603050405020304" pitchFamily="18" charset="0"/>
               <a:cs typeface="Arial" panose="020B0604020202020204" pitchFamily="34" charset="0"/>
@@ -6758,8 +6758,8 @@
         </p:nvSpPr>
         <p:spPr>
           <a:xfrm>
-            <a:off x="16696728" y="18973904"/>
-            <a:ext cx="2827660" cy="1352664"/>
+            <a:off x="16593717" y="20442203"/>
+            <a:ext cx="3456678" cy="1446119"/>
           </a:xfrm>
           <a:prstGeom prst="rect">
             <a:avLst/>
@@ -6853,7 +6853,7 @@
               </a:lnSpc>
             </a:pPr>
             <a:r>
-              <a:rPr lang="en-GB" sz="2200" dirty="0">
+              <a:rPr lang="en-GB" sz="2500" dirty="0">
                 <a:solidFill>
                   <a:srgbClr val="000000"/>
                 </a:solidFill>
@@ -6870,7 +6870,7 @@
               </a:lnSpc>
             </a:pPr>
             <a:r>
-              <a:rPr lang="en-GB" sz="2200" i="1" dirty="0">
+              <a:rPr lang="en-GB" sz="2500" i="1" dirty="0">
                 <a:solidFill>
                   <a:srgbClr val="000000"/>
                 </a:solidFill>
@@ -6881,7 +6881,7 @@
               <a:t>N =</a:t>
             </a:r>
             <a:r>
-              <a:rPr lang="en-GB" sz="2200" dirty="0">
+              <a:rPr lang="en-GB" sz="2500" dirty="0">
                 <a:solidFill>
                   <a:srgbClr val="000000"/>
                 </a:solidFill>
@@ -6891,7 +6891,7 @@
               </a:rPr>
               <a:t> 7</a:t>
             </a:r>
-            <a:endParaRPr lang="en-SG" sz="2200" i="1" dirty="0">
+            <a:endParaRPr lang="en-SG" sz="2500" i="1" dirty="0">
               <a:latin typeface="Arial" panose="020B0604020202020204" pitchFamily="34" charset="0"/>
               <a:ea typeface="Times New Roman" panose="02020603050405020304" pitchFamily="18" charset="0"/>
               <a:cs typeface="Arial" panose="020B0604020202020204" pitchFamily="34" charset="0"/>
@@ -6913,8 +6913,8 @@
         </p:nvSpPr>
         <p:spPr>
           <a:xfrm>
-            <a:off x="11530126" y="20545253"/>
-            <a:ext cx="2761305" cy="1176464"/>
+            <a:off x="11067924" y="22073470"/>
+            <a:ext cx="3233338" cy="1352664"/>
           </a:xfrm>
           <a:prstGeom prst="rect">
             <a:avLst/>
@@ -7008,7 +7008,7 @@
               </a:lnSpc>
             </a:pPr>
             <a:r>
-              <a:rPr lang="en-GB" sz="2200" dirty="0">
+              <a:rPr lang="en-GB" sz="2500" dirty="0">
                 <a:solidFill>
                   <a:srgbClr val="000000"/>
                 </a:solidFill>
@@ -7026,7 +7026,7 @@
               </a:lnSpc>
             </a:pPr>
             <a:r>
-              <a:rPr lang="en-GB" sz="2200" i="1" dirty="0">
+              <a:rPr lang="en-GB" sz="2500" i="1" dirty="0">
                 <a:solidFill>
                   <a:srgbClr val="000000"/>
                 </a:solidFill>
@@ -7037,7 +7037,7 @@
               <a:t>N </a:t>
             </a:r>
             <a:r>
-              <a:rPr lang="en-GB" sz="2200" dirty="0">
+              <a:rPr lang="en-GB" sz="2500" dirty="0">
                 <a:solidFill>
                   <a:srgbClr val="000000"/>
                 </a:solidFill>
@@ -7047,7 +7047,7 @@
               </a:rPr>
               <a:t> = 9</a:t>
             </a:r>
-            <a:endParaRPr lang="en-SG" sz="2200" i="1" dirty="0">
+            <a:endParaRPr lang="en-SG" sz="2500" i="1" dirty="0">
               <a:latin typeface="Arial" panose="020B0604020202020204" pitchFamily="34" charset="0"/>
               <a:ea typeface="Times New Roman" panose="02020603050405020304" pitchFamily="18" charset="0"/>
               <a:cs typeface="Arial" panose="020B0604020202020204" pitchFamily="34" charset="0"/>
@@ -7073,8 +7073,8 @@
         </p:nvCxnSpPr>
         <p:spPr>
           <a:xfrm flipH="1">
-            <a:off x="12929987" y="8823309"/>
-            <a:ext cx="15183" cy="3511469"/>
+            <a:off x="12610222" y="8442999"/>
+            <a:ext cx="6349" cy="5343733"/>
           </a:xfrm>
           <a:prstGeom prst="straightConnector1">
             <a:avLst/>
@@ -7116,8 +7116,8 @@
         </p:nvCxnSpPr>
         <p:spPr>
           <a:xfrm flipH="1">
-            <a:off x="8472148" y="8034801"/>
-            <a:ext cx="2856353" cy="4295"/>
+            <a:off x="8011354" y="7551962"/>
+            <a:ext cx="2988548" cy="26803"/>
           </a:xfrm>
           <a:prstGeom prst="straightConnector1">
             <a:avLst/>
@@ -7159,8 +7159,8 @@
         </p:nvCxnSpPr>
         <p:spPr>
           <a:xfrm flipV="1">
-            <a:off x="14561835" y="8029153"/>
-            <a:ext cx="2140661" cy="5644"/>
+            <a:off x="14233240" y="7551960"/>
+            <a:ext cx="2360477" cy="2"/>
           </a:xfrm>
           <a:prstGeom prst="straightConnector1">
             <a:avLst/>
@@ -7202,8 +7202,8 @@
         </p:nvCxnSpPr>
         <p:spPr>
           <a:xfrm>
-            <a:off x="14561839" y="8034797"/>
-            <a:ext cx="2173171" cy="1799730"/>
+            <a:off x="14233240" y="7551962"/>
+            <a:ext cx="2392987" cy="3571387"/>
           </a:xfrm>
           <a:prstGeom prst="bentConnector3">
             <a:avLst>
@@ -7247,8 +7247,8 @@
         </p:nvCxnSpPr>
         <p:spPr>
           <a:xfrm>
-            <a:off x="14561835" y="8034801"/>
-            <a:ext cx="2173170" cy="3146847"/>
+            <a:off x="14233240" y="7551962"/>
+            <a:ext cx="2392990" cy="5159010"/>
           </a:xfrm>
           <a:prstGeom prst="bentConnector3">
             <a:avLst>
@@ -7292,8 +7292,8 @@
         </p:nvCxnSpPr>
         <p:spPr>
           <a:xfrm>
-            <a:off x="14546652" y="13123282"/>
-            <a:ext cx="2144936" cy="1993668"/>
+            <a:off x="14226893" y="14765732"/>
+            <a:ext cx="2366824" cy="2021924"/>
           </a:xfrm>
           <a:prstGeom prst="bentConnector3">
             <a:avLst>
@@ -7337,12 +7337,12 @@
         </p:nvCxnSpPr>
         <p:spPr>
           <a:xfrm>
-            <a:off x="14546652" y="13123282"/>
-            <a:ext cx="2144936" cy="3532500"/>
+            <a:off x="14226893" y="14765732"/>
+            <a:ext cx="2394218" cy="3480208"/>
           </a:xfrm>
           <a:prstGeom prst="bentConnector3">
             <a:avLst>
-              <a:gd name="adj1" fmla="val 50000"/>
+              <a:gd name="adj1" fmla="val 48939"/>
             </a:avLst>
           </a:prstGeom>
           <a:ln>
@@ -7382,8 +7382,8 @@
         </p:nvCxnSpPr>
         <p:spPr>
           <a:xfrm>
-            <a:off x="14546652" y="13123282"/>
-            <a:ext cx="2150076" cy="6526954"/>
+            <a:off x="14226893" y="14765732"/>
+            <a:ext cx="2366824" cy="6399531"/>
           </a:xfrm>
           <a:prstGeom prst="bentConnector3">
             <a:avLst>
@@ -7426,9 +7426,9 @@
           <p:nvPr/>
         </p:nvCxnSpPr>
         <p:spPr>
-          <a:xfrm flipV="1">
-            <a:off x="14546656" y="13123285"/>
-            <a:ext cx="2166751" cy="1"/>
+          <a:xfrm>
+            <a:off x="14226893" y="14765732"/>
+            <a:ext cx="2366824" cy="0"/>
           </a:xfrm>
           <a:prstGeom prst="straightConnector1">
             <a:avLst/>
@@ -7469,9 +7469,9 @@
           <p:nvPr/>
         </p:nvCxnSpPr>
         <p:spPr>
-          <a:xfrm flipH="1">
-            <a:off x="12910775" y="13911794"/>
-            <a:ext cx="19208" cy="6633463"/>
+          <a:xfrm>
+            <a:off x="12610222" y="15744732"/>
+            <a:ext cx="74371" cy="6328738"/>
           </a:xfrm>
           <a:prstGeom prst="straightConnector1">
             <a:avLst/>
@@ -7509,8 +7509,8 @@
         </p:nvSpPr>
         <p:spPr>
           <a:xfrm>
-            <a:off x="6929997" y="1492752"/>
-            <a:ext cx="1587222" cy="1788695"/>
+            <a:off x="6732837" y="1133885"/>
+            <a:ext cx="1837322" cy="1801983"/>
           </a:xfrm>
           <a:prstGeom prst="rect">
             <a:avLst/>
@@ -7604,7 +7604,7 @@
               </a:lnSpc>
             </a:pPr>
             <a:r>
-              <a:rPr lang="en-GB" sz="2200" dirty="0">
+              <a:rPr lang="en-GB" sz="2500" dirty="0">
                 <a:solidFill>
                   <a:srgbClr val="000000"/>
                 </a:solidFill>
@@ -7614,7 +7614,7 @@
               </a:rPr>
               <a:t>10 records identified through ERIC</a:t>
             </a:r>
-            <a:endParaRPr lang="en-SG" sz="2200" dirty="0">
+            <a:endParaRPr lang="en-SG" sz="2500" dirty="0">
               <a:latin typeface="Arial" panose="020B0604020202020204" pitchFamily="34" charset="0"/>
               <a:ea typeface="Times New Roman" panose="02020603050405020304" pitchFamily="18" charset="0"/>
               <a:cs typeface="Arial" panose="020B0604020202020204" pitchFamily="34" charset="0"/>
@@ -7636,8 +7636,8 @@
         </p:nvSpPr>
         <p:spPr>
           <a:xfrm>
-            <a:off x="10554148" y="1469931"/>
-            <a:ext cx="1916181" cy="1809911"/>
+            <a:off x="10776152" y="1118598"/>
+            <a:ext cx="3668134" cy="1784251"/>
           </a:xfrm>
           <a:prstGeom prst="rect">
             <a:avLst/>
@@ -7731,7 +7731,7 @@
               </a:lnSpc>
             </a:pPr>
             <a:r>
-              <a:rPr lang="en-GB" sz="2200" dirty="0">
+              <a:rPr lang="en-GB" sz="2500" dirty="0">
                 <a:solidFill>
                   <a:srgbClr val="000000"/>
                 </a:solidFill>
@@ -7742,13 +7742,27 @@
               <a:t>0 records identified through </a:t>
             </a:r>
             <a:r>
-              <a:rPr lang="en-SG" sz="2200" i="1" dirty="0">
+              <a:rPr lang="en-SG" sz="2500" i="1" dirty="0">
                 <a:latin typeface="Arial" panose="020B0604020202020204" pitchFamily="34" charset="0"/>
                 <a:cs typeface="Arial" panose="020B0604020202020204" pitchFamily="34" charset="0"/>
               </a:rPr>
-              <a:t>Annals of Dyslexia</a:t>
-            </a:r>
-            <a:endParaRPr lang="en-SG" sz="2200" dirty="0">
+              <a:t>Annals of Dyslexia; Dyslexia;</a:t>
+            </a:r>
+            <a:r>
+              <a:rPr lang="en-SG" sz="2500" dirty="0">
+                <a:latin typeface="Arial" panose="020B0604020202020204" pitchFamily="34" charset="0"/>
+                <a:cs typeface="Arial" panose="020B0604020202020204" pitchFamily="34" charset="0"/>
+              </a:rPr>
+              <a:t> and </a:t>
+            </a:r>
+            <a:r>
+              <a:rPr lang="en-SG" sz="2500" i="1" dirty="0">
+                <a:latin typeface="Arial" panose="020B0604020202020204" pitchFamily="34" charset="0"/>
+                <a:cs typeface="Arial" panose="020B0604020202020204" pitchFamily="34" charset="0"/>
+              </a:rPr>
+              <a:t>Reading and Writing</a:t>
+            </a:r>
+            <a:endParaRPr lang="en-SG" sz="2500" dirty="0">
               <a:latin typeface="Arial" panose="020B0604020202020204" pitchFamily="34" charset="0"/>
               <a:ea typeface="Times New Roman" panose="02020603050405020304" pitchFamily="18" charset="0"/>
               <a:cs typeface="Arial" panose="020B0604020202020204" pitchFamily="34" charset="0"/>
@@ -7758,10 +7772,10 @@
       </p:sp>
       <p:sp>
         <p:nvSpPr>
-          <p:cNvPr id="45" name="Rectangle 44">
+          <p:cNvPr id="59" name="Rectangle 58">
             <a:extLst>
               <a:ext uri="{FF2B5EF4-FFF2-40B4-BE49-F238E27FC236}">
-                <a16:creationId xmlns:a16="http://schemas.microsoft.com/office/drawing/2014/main" id="{1D2322D9-71AF-2014-EB18-DBBAE49DBEA3}"/>
+                <a16:creationId xmlns:a16="http://schemas.microsoft.com/office/drawing/2014/main" id="{1F1DD37E-2FC9-0330-D3FF-576CF651381E}"/>
               </a:ext>
             </a:extLst>
           </p:cNvPr>
@@ -7770,8 +7784,8 @@
         </p:nvSpPr>
         <p:spPr>
           <a:xfrm>
-            <a:off x="12581005" y="1458341"/>
-            <a:ext cx="1508290" cy="1836470"/>
+            <a:off x="14532848" y="1120316"/>
+            <a:ext cx="2339678" cy="1781805"/>
           </a:xfrm>
           <a:prstGeom prst="rect">
             <a:avLst/>
@@ -7865,7 +7879,7 @@
               </a:lnSpc>
             </a:pPr>
             <a:r>
-              <a:rPr lang="en-GB" sz="2200" dirty="0">
+              <a:rPr lang="en-GB" sz="2500" dirty="0">
                 <a:solidFill>
                   <a:srgbClr val="000000"/>
                 </a:solidFill>
@@ -7876,13 +7890,13 @@
               <a:t>0 records identified through </a:t>
             </a:r>
             <a:r>
-              <a:rPr lang="en-SG" sz="2200" i="1" dirty="0">
+              <a:rPr lang="en-SG" sz="2500" i="1" dirty="0">
                 <a:latin typeface="Arial" panose="020B0604020202020204" pitchFamily="34" charset="0"/>
                 <a:cs typeface="Arial" panose="020B0604020202020204" pitchFamily="34" charset="0"/>
               </a:rPr>
-              <a:t>Dyslexia</a:t>
-            </a:r>
-            <a:endParaRPr lang="en-SG" sz="2200" dirty="0">
+              <a:t>Google Scholar</a:t>
+            </a:r>
+            <a:endParaRPr lang="en-SG" sz="2500" dirty="0">
               <a:latin typeface="Arial" panose="020B0604020202020204" pitchFamily="34" charset="0"/>
               <a:ea typeface="Times New Roman" panose="02020603050405020304" pitchFamily="18" charset="0"/>
               <a:cs typeface="Arial" panose="020B0604020202020204" pitchFamily="34" charset="0"/>
@@ -7892,10 +7906,10 @@
       </p:sp>
       <p:sp>
         <p:nvSpPr>
-          <p:cNvPr id="59" name="Rectangle 58">
+          <p:cNvPr id="62" name="Rectangle 61">
             <a:extLst>
               <a:ext uri="{FF2B5EF4-FFF2-40B4-BE49-F238E27FC236}">
-                <a16:creationId xmlns:a16="http://schemas.microsoft.com/office/drawing/2014/main" id="{1F1DD37E-2FC9-0330-D3FF-576CF651381E}"/>
+                <a16:creationId xmlns:a16="http://schemas.microsoft.com/office/drawing/2014/main" id="{C2DFA819-D757-6C01-C8E5-41D271595AB5}"/>
               </a:ext>
             </a:extLst>
           </p:cNvPr>
@@ -7904,8 +7918,8 @@
         </p:nvSpPr>
         <p:spPr>
           <a:xfrm>
-            <a:off x="14196000" y="1467470"/>
-            <a:ext cx="1817663" cy="1827263"/>
+            <a:off x="16983179" y="1110659"/>
+            <a:ext cx="1839281" cy="1825206"/>
           </a:xfrm>
           <a:prstGeom prst="rect">
             <a:avLst/>
@@ -7999,7 +8013,7 @@
               </a:lnSpc>
             </a:pPr>
             <a:r>
-              <a:rPr lang="en-GB" sz="2200" dirty="0">
+              <a:rPr lang="en-GB" sz="2500" dirty="0">
                 <a:solidFill>
                   <a:srgbClr val="000000"/>
                 </a:solidFill>
@@ -8007,16 +8021,16 @@
                 <a:ea typeface="Times New Roman" panose="02020603050405020304" pitchFamily="18" charset="0"/>
                 <a:cs typeface="Arial" panose="020B0604020202020204" pitchFamily="34" charset="0"/>
               </a:rPr>
-              <a:t>0 records identified through </a:t>
-            </a:r>
-            <a:r>
-              <a:rPr lang="en-SG" sz="2200" i="1" dirty="0">
+              <a:t>119 records identified through </a:t>
+            </a:r>
+            <a:r>
+              <a:rPr lang="en-SG" sz="2500" i="1" dirty="0">
                 <a:latin typeface="Arial" panose="020B0604020202020204" pitchFamily="34" charset="0"/>
                 <a:cs typeface="Arial" panose="020B0604020202020204" pitchFamily="34" charset="0"/>
               </a:rPr>
-              <a:t>Google Scholar</a:t>
-            </a:r>
-            <a:endParaRPr lang="en-SG" sz="2200" dirty="0">
+              <a:t>OpenGrey</a:t>
+            </a:r>
+            <a:endParaRPr lang="en-SG" sz="2500" dirty="0">
               <a:latin typeface="Arial" panose="020B0604020202020204" pitchFamily="34" charset="0"/>
               <a:ea typeface="Times New Roman" panose="02020603050405020304" pitchFamily="18" charset="0"/>
               <a:cs typeface="Arial" panose="020B0604020202020204" pitchFamily="34" charset="0"/>
@@ -8026,10 +8040,10 @@
       </p:sp>
       <p:sp>
         <p:nvSpPr>
-          <p:cNvPr id="61" name="Rectangle 60">
+          <p:cNvPr id="65" name="Rectangle 64">
             <a:extLst>
               <a:ext uri="{FF2B5EF4-FFF2-40B4-BE49-F238E27FC236}">
-                <a16:creationId xmlns:a16="http://schemas.microsoft.com/office/drawing/2014/main" id="{8797B2FB-6F47-438D-F3E5-32A72C5838F6}"/>
+                <a16:creationId xmlns:a16="http://schemas.microsoft.com/office/drawing/2014/main" id="{8A3CA631-46B1-A33D-DF63-9A85321979D9}"/>
               </a:ext>
             </a:extLst>
           </p:cNvPr>
@@ -8038,8 +8052,8 @@
         </p:nvSpPr>
         <p:spPr>
           <a:xfrm>
-            <a:off x="16120367" y="1463558"/>
-            <a:ext cx="1817663" cy="1836471"/>
+            <a:off x="18917086" y="1106144"/>
+            <a:ext cx="3320255" cy="1838238"/>
           </a:xfrm>
           <a:prstGeom prst="rect">
             <a:avLst/>
@@ -8133,7 +8147,7 @@
               </a:lnSpc>
             </a:pPr>
             <a:r>
-              <a:rPr lang="en-GB" sz="2200" dirty="0">
+              <a:rPr lang="en-GB" sz="2500" dirty="0">
                 <a:solidFill>
                   <a:srgbClr val="000000"/>
                 </a:solidFill>
@@ -8141,16 +8155,16 @@
                 <a:ea typeface="Times New Roman" panose="02020603050405020304" pitchFamily="18" charset="0"/>
                 <a:cs typeface="Arial" panose="020B0604020202020204" pitchFamily="34" charset="0"/>
               </a:rPr>
-              <a:t>0 records identified through </a:t>
-            </a:r>
-            <a:r>
-              <a:rPr lang="en-SG" sz="2200" i="1" dirty="0">
+              <a:t>117 records identified through </a:t>
+            </a:r>
+            <a:r>
+              <a:rPr lang="en-SG" sz="2500" i="1" dirty="0">
                 <a:latin typeface="Arial" panose="020B0604020202020204" pitchFamily="34" charset="0"/>
                 <a:cs typeface="Arial" panose="020B0604020202020204" pitchFamily="34" charset="0"/>
               </a:rPr>
-              <a:t>Reading and Writing</a:t>
-            </a:r>
-            <a:endParaRPr lang="en-SG" sz="2200" dirty="0">
+              <a:t>ProQuest Dissertations &amp; Theses</a:t>
+            </a:r>
+            <a:endParaRPr lang="en-SG" sz="2500" dirty="0">
               <a:latin typeface="Arial" panose="020B0604020202020204" pitchFamily="34" charset="0"/>
               <a:ea typeface="Times New Roman" panose="02020603050405020304" pitchFamily="18" charset="0"/>
               <a:cs typeface="Arial" panose="020B0604020202020204" pitchFamily="34" charset="0"/>
@@ -8160,10 +8174,10 @@
       </p:sp>
       <p:sp>
         <p:nvSpPr>
-          <p:cNvPr id="62" name="Rectangle 61">
+          <p:cNvPr id="89" name="Rectangle 88">
             <a:extLst>
               <a:ext uri="{FF2B5EF4-FFF2-40B4-BE49-F238E27FC236}">
-                <a16:creationId xmlns:a16="http://schemas.microsoft.com/office/drawing/2014/main" id="{C2DFA819-D757-6C01-C8E5-41D271595AB5}"/>
+                <a16:creationId xmlns:a16="http://schemas.microsoft.com/office/drawing/2014/main" id="{EEF8A39F-412D-C2B6-FDA9-543982C058AA}"/>
               </a:ext>
             </a:extLst>
           </p:cNvPr>
@@ -8172,8 +8186,8 @@
         </p:nvSpPr>
         <p:spPr>
           <a:xfrm>
-            <a:off x="18020754" y="1469929"/>
-            <a:ext cx="1562478" cy="1836471"/>
+            <a:off x="22331965" y="1098119"/>
+            <a:ext cx="2708750" cy="1825207"/>
           </a:xfrm>
           <a:prstGeom prst="rect">
             <a:avLst/>
@@ -8267,275 +8281,7 @@
               </a:lnSpc>
             </a:pPr>
             <a:r>
-              <a:rPr lang="en-GB" sz="2200" dirty="0">
-                <a:solidFill>
-                  <a:srgbClr val="000000"/>
-                </a:solidFill>
-                <a:latin typeface="Arial" panose="020B0604020202020204" pitchFamily="34" charset="0"/>
-                <a:ea typeface="Times New Roman" panose="02020603050405020304" pitchFamily="18" charset="0"/>
-                <a:cs typeface="Arial" panose="020B0604020202020204" pitchFamily="34" charset="0"/>
-              </a:rPr>
-              <a:t>119 records identified through </a:t>
-            </a:r>
-            <a:r>
-              <a:rPr lang="en-SG" sz="2200" i="1" dirty="0">
-                <a:latin typeface="Arial" panose="020B0604020202020204" pitchFamily="34" charset="0"/>
-                <a:cs typeface="Arial" panose="020B0604020202020204" pitchFamily="34" charset="0"/>
-              </a:rPr>
-              <a:t>OpenGrey</a:t>
-            </a:r>
-            <a:endParaRPr lang="en-SG" sz="2200" dirty="0">
-              <a:latin typeface="Arial" panose="020B0604020202020204" pitchFamily="34" charset="0"/>
-              <a:ea typeface="Times New Roman" panose="02020603050405020304" pitchFamily="18" charset="0"/>
-              <a:cs typeface="Arial" panose="020B0604020202020204" pitchFamily="34" charset="0"/>
-            </a:endParaRPr>
-          </a:p>
-        </p:txBody>
-      </p:sp>
-      <p:sp>
-        <p:nvSpPr>
-          <p:cNvPr id="65" name="Rectangle 64">
-            <a:extLst>
-              <a:ext uri="{FF2B5EF4-FFF2-40B4-BE49-F238E27FC236}">
-                <a16:creationId xmlns:a16="http://schemas.microsoft.com/office/drawing/2014/main" id="{8A3CA631-46B1-A33D-DF63-9A85321979D9}"/>
-              </a:ext>
-            </a:extLst>
-          </p:cNvPr>
-          <p:cNvSpPr/>
-          <p:nvPr/>
-        </p:nvSpPr>
-        <p:spPr>
-          <a:xfrm>
-            <a:off x="19665957" y="1459967"/>
-            <a:ext cx="2631826" cy="1887412"/>
-          </a:xfrm>
-          <a:prstGeom prst="rect">
-            <a:avLst/>
-          </a:prstGeom>
-          <a:solidFill>
-            <a:srgbClr val="FFFFFF"/>
-          </a:solidFill>
-          <a:ln w="9525" cap="flat" cmpd="sng">
-            <a:solidFill>
-              <a:srgbClr val="000000"/>
-            </a:solidFill>
-            <a:prstDash val="solid"/>
-            <a:round/>
-            <a:headEnd type="none" w="sm" len="sm"/>
-            <a:tailEnd type="none" w="sm" len="sm"/>
-          </a:ln>
-        </p:spPr>
-        <p:txBody>
-          <a:bodyPr spcFirstLastPara="1" wrap="square" lIns="73138" tIns="73138" rIns="73138" bIns="73138" anchor="ctr" anchorCtr="0">
-            <a:noAutofit/>
-          </a:bodyPr>
-          <a:lstStyle>
-            <a:lvl1pPr marL="0" indent="0">
-              <a:defRPr sz="1100">
-                <a:latin typeface="+mn-lt"/>
-                <a:ea typeface="+mn-ea"/>
-                <a:cs typeface="+mn-cs"/>
-              </a:defRPr>
-            </a:lvl1pPr>
-            <a:lvl2pPr marL="457200" indent="0">
-              <a:defRPr sz="1100">
-                <a:latin typeface="+mn-lt"/>
-                <a:ea typeface="+mn-ea"/>
-                <a:cs typeface="+mn-cs"/>
-              </a:defRPr>
-            </a:lvl2pPr>
-            <a:lvl3pPr marL="914400" indent="0">
-              <a:defRPr sz="1100">
-                <a:latin typeface="+mn-lt"/>
-                <a:ea typeface="+mn-ea"/>
-                <a:cs typeface="+mn-cs"/>
-              </a:defRPr>
-            </a:lvl3pPr>
-            <a:lvl4pPr marL="1371600" indent="0">
-              <a:defRPr sz="1100">
-                <a:latin typeface="+mn-lt"/>
-                <a:ea typeface="+mn-ea"/>
-                <a:cs typeface="+mn-cs"/>
-              </a:defRPr>
-            </a:lvl4pPr>
-            <a:lvl5pPr marL="1828800" indent="0">
-              <a:defRPr sz="1100">
-                <a:latin typeface="+mn-lt"/>
-                <a:ea typeface="+mn-ea"/>
-                <a:cs typeface="+mn-cs"/>
-              </a:defRPr>
-            </a:lvl5pPr>
-            <a:lvl6pPr marL="2286000" indent="0">
-              <a:defRPr sz="1100">
-                <a:latin typeface="+mn-lt"/>
-                <a:ea typeface="+mn-ea"/>
-                <a:cs typeface="+mn-cs"/>
-              </a:defRPr>
-            </a:lvl6pPr>
-            <a:lvl7pPr marL="2743200" indent="0">
-              <a:defRPr sz="1100">
-                <a:latin typeface="+mn-lt"/>
-                <a:ea typeface="+mn-ea"/>
-                <a:cs typeface="+mn-cs"/>
-              </a:defRPr>
-            </a:lvl7pPr>
-            <a:lvl8pPr marL="3200400" indent="0">
-              <a:defRPr sz="1100">
-                <a:latin typeface="+mn-lt"/>
-                <a:ea typeface="+mn-ea"/>
-                <a:cs typeface="+mn-cs"/>
-              </a:defRPr>
-            </a:lvl8pPr>
-            <a:lvl9pPr marL="3657600" indent="0">
-              <a:defRPr sz="1100">
-                <a:latin typeface="+mn-lt"/>
-                <a:ea typeface="+mn-ea"/>
-                <a:cs typeface="+mn-cs"/>
-              </a:defRPr>
-            </a:lvl9pPr>
-          </a:lstStyle>
-          <a:p>
-            <a:pPr algn="ctr">
-              <a:lnSpc>
-                <a:spcPct val="114000"/>
-              </a:lnSpc>
-            </a:pPr>
-            <a:r>
-              <a:rPr lang="en-GB" sz="2200" dirty="0">
-                <a:solidFill>
-                  <a:srgbClr val="000000"/>
-                </a:solidFill>
-                <a:latin typeface="Arial" panose="020B0604020202020204" pitchFamily="34" charset="0"/>
-                <a:ea typeface="Times New Roman" panose="02020603050405020304" pitchFamily="18" charset="0"/>
-                <a:cs typeface="Arial" panose="020B0604020202020204" pitchFamily="34" charset="0"/>
-              </a:rPr>
-              <a:t>117 records identified through </a:t>
-            </a:r>
-            <a:r>
-              <a:rPr lang="en-SG" sz="2200" i="1" dirty="0">
-                <a:latin typeface="Arial" panose="020B0604020202020204" pitchFamily="34" charset="0"/>
-                <a:cs typeface="Arial" panose="020B0604020202020204" pitchFamily="34" charset="0"/>
-              </a:rPr>
-              <a:t>ProQuest Dissertations &amp; Theses</a:t>
-            </a:r>
-            <a:endParaRPr lang="en-SG" sz="2200" dirty="0">
-              <a:latin typeface="Arial" panose="020B0604020202020204" pitchFamily="34" charset="0"/>
-              <a:ea typeface="Times New Roman" panose="02020603050405020304" pitchFamily="18" charset="0"/>
-              <a:cs typeface="Arial" panose="020B0604020202020204" pitchFamily="34" charset="0"/>
-            </a:endParaRPr>
-          </a:p>
-        </p:txBody>
-      </p:sp>
-      <p:sp>
-        <p:nvSpPr>
-          <p:cNvPr id="89" name="Rectangle 88">
-            <a:extLst>
-              <a:ext uri="{FF2B5EF4-FFF2-40B4-BE49-F238E27FC236}">
-                <a16:creationId xmlns:a16="http://schemas.microsoft.com/office/drawing/2014/main" id="{EEF8A39F-412D-C2B6-FDA9-543982C058AA}"/>
-              </a:ext>
-            </a:extLst>
-          </p:cNvPr>
-          <p:cNvSpPr/>
-          <p:nvPr/>
-        </p:nvSpPr>
-        <p:spPr>
-          <a:xfrm>
-            <a:off x="22465242" y="1426160"/>
-            <a:ext cx="2168924" cy="1921219"/>
-          </a:xfrm>
-          <a:prstGeom prst="rect">
-            <a:avLst/>
-          </a:prstGeom>
-          <a:solidFill>
-            <a:srgbClr val="FFFFFF"/>
-          </a:solidFill>
-          <a:ln w="9525" cap="flat" cmpd="sng">
-            <a:solidFill>
-              <a:srgbClr val="000000"/>
-            </a:solidFill>
-            <a:prstDash val="solid"/>
-            <a:round/>
-            <a:headEnd type="none" w="sm" len="sm"/>
-            <a:tailEnd type="none" w="sm" len="sm"/>
-          </a:ln>
-        </p:spPr>
-        <p:txBody>
-          <a:bodyPr spcFirstLastPara="1" wrap="square" lIns="73138" tIns="73138" rIns="73138" bIns="73138" anchor="ctr" anchorCtr="0">
-            <a:noAutofit/>
-          </a:bodyPr>
-          <a:lstStyle>
-            <a:lvl1pPr marL="0" indent="0">
-              <a:defRPr sz="1100">
-                <a:latin typeface="+mn-lt"/>
-                <a:ea typeface="+mn-ea"/>
-                <a:cs typeface="+mn-cs"/>
-              </a:defRPr>
-            </a:lvl1pPr>
-            <a:lvl2pPr marL="457200" indent="0">
-              <a:defRPr sz="1100">
-                <a:latin typeface="+mn-lt"/>
-                <a:ea typeface="+mn-ea"/>
-                <a:cs typeface="+mn-cs"/>
-              </a:defRPr>
-            </a:lvl2pPr>
-            <a:lvl3pPr marL="914400" indent="0">
-              <a:defRPr sz="1100">
-                <a:latin typeface="+mn-lt"/>
-                <a:ea typeface="+mn-ea"/>
-                <a:cs typeface="+mn-cs"/>
-              </a:defRPr>
-            </a:lvl3pPr>
-            <a:lvl4pPr marL="1371600" indent="0">
-              <a:defRPr sz="1100">
-                <a:latin typeface="+mn-lt"/>
-                <a:ea typeface="+mn-ea"/>
-                <a:cs typeface="+mn-cs"/>
-              </a:defRPr>
-            </a:lvl4pPr>
-            <a:lvl5pPr marL="1828800" indent="0">
-              <a:defRPr sz="1100">
-                <a:latin typeface="+mn-lt"/>
-                <a:ea typeface="+mn-ea"/>
-                <a:cs typeface="+mn-cs"/>
-              </a:defRPr>
-            </a:lvl5pPr>
-            <a:lvl6pPr marL="2286000" indent="0">
-              <a:defRPr sz="1100">
-                <a:latin typeface="+mn-lt"/>
-                <a:ea typeface="+mn-ea"/>
-                <a:cs typeface="+mn-cs"/>
-              </a:defRPr>
-            </a:lvl6pPr>
-            <a:lvl7pPr marL="2743200" indent="0">
-              <a:defRPr sz="1100">
-                <a:latin typeface="+mn-lt"/>
-                <a:ea typeface="+mn-ea"/>
-                <a:cs typeface="+mn-cs"/>
-              </a:defRPr>
-            </a:lvl7pPr>
-            <a:lvl8pPr marL="3200400" indent="0">
-              <a:defRPr sz="1100">
-                <a:latin typeface="+mn-lt"/>
-                <a:ea typeface="+mn-ea"/>
-                <a:cs typeface="+mn-cs"/>
-              </a:defRPr>
-            </a:lvl8pPr>
-            <a:lvl9pPr marL="3657600" indent="0">
-              <a:defRPr sz="1100">
-                <a:latin typeface="+mn-lt"/>
-                <a:ea typeface="+mn-ea"/>
-                <a:cs typeface="+mn-cs"/>
-              </a:defRPr>
-            </a:lvl9pPr>
-          </a:lstStyle>
-          <a:p>
-            <a:pPr algn="ctr">
-              <a:lnSpc>
-                <a:spcPct val="114000"/>
-              </a:lnSpc>
-            </a:pPr>
-            <a:r>
-              <a:rPr lang="en-GB" sz="2200" dirty="0">
+              <a:rPr lang="en-GB" sz="2500" dirty="0">
                 <a:solidFill>
                   <a:srgbClr val="000000"/>
                 </a:solidFill>
@@ -8545,7 +8291,7 @@
               </a:rPr>
               <a:t>0 records identified through other sources (e.g., email alerts)</a:t>
             </a:r>
-            <a:endParaRPr lang="en-SG" sz="2200" dirty="0">
+            <a:endParaRPr lang="en-SG" sz="2500" dirty="0">
               <a:latin typeface="Arial" panose="020B0604020202020204" pitchFamily="34" charset="0"/>
               <a:ea typeface="Times New Roman" panose="02020603050405020304" pitchFamily="18" charset="0"/>
               <a:cs typeface="Arial" panose="020B0604020202020204" pitchFamily="34" charset="0"/>
@@ -8567,8 +8313,8 @@
         </p:nvSpPr>
         <p:spPr>
           <a:xfrm>
-            <a:off x="1457343" y="936569"/>
-            <a:ext cx="8965632" cy="400239"/>
+            <a:off x="886310" y="592816"/>
+            <a:ext cx="9790988" cy="386811"/>
           </a:xfrm>
           <a:prstGeom prst="rect">
             <a:avLst/>
@@ -8664,7 +8410,7 @@
               </a:lnSpc>
             </a:pPr>
             <a:r>
-              <a:rPr lang="en-GB" sz="2200" b="1" dirty="0">
+              <a:rPr lang="en-GB" sz="2500" b="1" dirty="0">
                 <a:solidFill>
                   <a:srgbClr val="000000"/>
                 </a:solidFill>
@@ -8674,7 +8420,7 @@
               </a:rPr>
               <a:t>Databases</a:t>
             </a:r>
-            <a:endParaRPr lang="en-SG" sz="2200" b="1" dirty="0">
+            <a:endParaRPr lang="en-SG" sz="2500" b="1" dirty="0">
               <a:latin typeface="Arial" panose="020B0604020202020204" pitchFamily="34" charset="0"/>
               <a:ea typeface="Times New Roman" panose="02020603050405020304" pitchFamily="18" charset="0"/>
               <a:cs typeface="Arial" panose="020B0604020202020204" pitchFamily="34" charset="0"/>
@@ -8696,8 +8442,8 @@
         </p:nvSpPr>
         <p:spPr>
           <a:xfrm>
-            <a:off x="10554147" y="935463"/>
-            <a:ext cx="11743636" cy="407775"/>
+            <a:off x="10776154" y="591720"/>
+            <a:ext cx="11461187" cy="400240"/>
           </a:xfrm>
           <a:prstGeom prst="rect">
             <a:avLst/>
@@ -8793,7 +8539,7 @@
               </a:lnSpc>
             </a:pPr>
             <a:r>
-              <a:rPr lang="en-GB" sz="2200" b="1" dirty="0">
+              <a:rPr lang="en-GB" sz="2500" b="1" dirty="0">
                 <a:solidFill>
                   <a:srgbClr val="000000"/>
                 </a:solidFill>
@@ -8803,7 +8549,7 @@
               </a:rPr>
               <a:t>Manual Search</a:t>
             </a:r>
-            <a:endParaRPr lang="en-SG" sz="2200" b="1" dirty="0">
+            <a:endParaRPr lang="en-SG" sz="2500" b="1" dirty="0">
               <a:latin typeface="Arial" panose="020B0604020202020204" pitchFamily="34" charset="0"/>
               <a:ea typeface="Times New Roman" panose="02020603050405020304" pitchFamily="18" charset="0"/>
               <a:cs typeface="Arial" panose="020B0604020202020204" pitchFamily="34" charset="0"/>
@@ -8825,8 +8571,8 @@
         </p:nvSpPr>
         <p:spPr>
           <a:xfrm>
-            <a:off x="22465243" y="935463"/>
-            <a:ext cx="2168923" cy="401345"/>
+            <a:off x="22336193" y="591722"/>
+            <a:ext cx="2704522" cy="387905"/>
           </a:xfrm>
           <a:prstGeom prst="rect">
             <a:avLst/>
@@ -8922,7 +8668,7 @@
               </a:lnSpc>
             </a:pPr>
             <a:r>
-              <a:rPr lang="en-GB" sz="2200" b="1" dirty="0">
+              <a:rPr lang="en-GB" sz="2500" b="1" dirty="0">
                 <a:solidFill>
                   <a:srgbClr val="000000"/>
                 </a:solidFill>
@@ -8932,7 +8678,7 @@
               </a:rPr>
               <a:t>Others</a:t>
             </a:r>
-            <a:endParaRPr lang="en-SG" sz="2200" b="1" dirty="0">
+            <a:endParaRPr lang="en-SG" sz="2500" b="1" dirty="0">
               <a:latin typeface="Arial" panose="020B0604020202020204" pitchFamily="34" charset="0"/>
               <a:ea typeface="Times New Roman" panose="02020603050405020304" pitchFamily="18" charset="0"/>
               <a:cs typeface="Arial" panose="020B0604020202020204" pitchFamily="34" charset="0"/>
@@ -8958,8 +8704,8 @@
         </p:nvCxnSpPr>
         <p:spPr>
           <a:xfrm rot="16200000" flipH="1">
-            <a:off x="7386008" y="-430"/>
-            <a:ext cx="2277278" cy="8841038"/>
+            <a:off x="7219382" y="-587531"/>
+            <a:ext cx="1858922" cy="8922751"/>
           </a:xfrm>
           <a:prstGeom prst="bentConnector3">
             <a:avLst>
@@ -9003,12 +8749,12 @@
         </p:nvCxnSpPr>
         <p:spPr>
           <a:xfrm rot="16200000" flipH="1">
-            <a:off x="8304901" y="918462"/>
-            <a:ext cx="2275523" cy="7005007"/>
+            <a:off x="8238954" y="432041"/>
+            <a:ext cx="1867436" cy="6875093"/>
           </a:xfrm>
           <a:prstGeom prst="bentConnector3">
             <a:avLst>
-              <a:gd name="adj1" fmla="val 49702"/>
+              <a:gd name="adj1" fmla="val 50000"/>
             </a:avLst>
           </a:prstGeom>
           <a:ln>
@@ -9048,8 +8794,8 @@
         </p:nvCxnSpPr>
         <p:spPr>
           <a:xfrm rot="16200000" flipH="1">
-            <a:off x="9195747" y="1809308"/>
-            <a:ext cx="2277281" cy="5221558"/>
+            <a:off x="9197139" y="1390226"/>
+            <a:ext cx="1867438" cy="4958721"/>
           </a:xfrm>
           <a:prstGeom prst="bentConnector3">
             <a:avLst>
@@ -9093,12 +8839,12 @@
         </p:nvCxnSpPr>
         <p:spPr>
           <a:xfrm rot="16200000" flipH="1">
-            <a:off x="10095569" y="2709130"/>
-            <a:ext cx="2263993" cy="3435201"/>
+            <a:off x="10198109" y="2391194"/>
+            <a:ext cx="1895949" cy="2928273"/>
           </a:xfrm>
           <a:prstGeom prst="bentConnector3">
             <a:avLst>
-              <a:gd name="adj1" fmla="val 49038"/>
+              <a:gd name="adj1" fmla="val 50000"/>
             </a:avLst>
           </a:prstGeom>
           <a:ln>
@@ -9137,58 +8883,13 @@
           <p:nvPr/>
         </p:nvCxnSpPr>
         <p:spPr>
-          <a:xfrm rot="16200000" flipH="1">
-            <a:off x="11089259" y="3702821"/>
-            <a:ext cx="2278886" cy="1432927"/>
+          <a:xfrm rot="5400000">
+            <a:off x="11659992" y="3853076"/>
+            <a:ext cx="1900457" cy="12700"/>
           </a:xfrm>
           <a:prstGeom prst="bentConnector3">
             <a:avLst>
               <a:gd name="adj1" fmla="val 50000"/>
-            </a:avLst>
-          </a:prstGeom>
-          <a:ln>
-            <a:tailEnd type="triangle"/>
-          </a:ln>
-        </p:spPr>
-        <p:style>
-          <a:lnRef idx="1">
-            <a:schemeClr val="dk1"/>
-          </a:lnRef>
-          <a:fillRef idx="0">
-            <a:schemeClr val="dk1"/>
-          </a:fillRef>
-          <a:effectRef idx="0">
-            <a:schemeClr val="dk1"/>
-          </a:effectRef>
-          <a:fontRef idx="minor">
-            <a:schemeClr val="tx1"/>
-          </a:fontRef>
-        </p:style>
-      </p:cxnSp>
-      <p:cxnSp>
-        <p:nvCxnSpPr>
-          <p:cNvPr id="159" name="Elbow Connector 158">
-            <a:extLst>
-              <a:ext uri="{FF2B5EF4-FFF2-40B4-BE49-F238E27FC236}">
-                <a16:creationId xmlns:a16="http://schemas.microsoft.com/office/drawing/2014/main" id="{479DB11D-2746-756E-3323-8DEEE5C2D270}"/>
-              </a:ext>
-            </a:extLst>
-          </p:cNvPr>
-          <p:cNvCxnSpPr>
-            <a:cxnSpLocks/>
-            <a:stCxn id="45" idx="2"/>
-            <a:endCxn id="17" idx="0"/>
-          </p:cNvCxnSpPr>
-          <p:nvPr/>
-        </p:nvCxnSpPr>
-        <p:spPr>
-          <a:xfrm rot="5400000">
-            <a:off x="12008200" y="4231777"/>
-            <a:ext cx="2263917" cy="389984"/>
-          </a:xfrm>
-          <a:prstGeom prst="bentConnector3">
-            <a:avLst>
-              <a:gd name="adj1" fmla="val 49646"/>
             </a:avLst>
           </a:prstGeom>
           <a:ln>
@@ -9228,57 +8929,12 @@
         </p:nvCxnSpPr>
         <p:spPr>
           <a:xfrm rot="5400000">
-            <a:off x="12893002" y="3346897"/>
-            <a:ext cx="2263995" cy="2159666"/>
+            <a:off x="13205862" y="2306478"/>
+            <a:ext cx="1901185" cy="3092468"/>
           </a:xfrm>
           <a:prstGeom prst="bentConnector3">
             <a:avLst>
-              <a:gd name="adj1" fmla="val 49766"/>
-            </a:avLst>
-          </a:prstGeom>
-          <a:ln>
-            <a:tailEnd type="triangle"/>
-          </a:ln>
-        </p:spPr>
-        <p:style>
-          <a:lnRef idx="1">
-            <a:schemeClr val="dk1"/>
-          </a:lnRef>
-          <a:fillRef idx="0">
-            <a:schemeClr val="dk1"/>
-          </a:fillRef>
-          <a:effectRef idx="0">
-            <a:schemeClr val="dk1"/>
-          </a:effectRef>
-          <a:fontRef idx="minor">
-            <a:schemeClr val="tx1"/>
-          </a:fontRef>
-        </p:style>
-      </p:cxnSp>
-      <p:cxnSp>
-        <p:nvCxnSpPr>
-          <p:cNvPr id="166" name="Elbow Connector 165">
-            <a:extLst>
-              <a:ext uri="{FF2B5EF4-FFF2-40B4-BE49-F238E27FC236}">
-                <a16:creationId xmlns:a16="http://schemas.microsoft.com/office/drawing/2014/main" id="{332E1388-A84A-FBB2-7127-A6FF66947FA0}"/>
-              </a:ext>
-            </a:extLst>
-          </p:cNvPr>
-          <p:cNvCxnSpPr>
-            <a:cxnSpLocks/>
-            <a:stCxn id="61" idx="2"/>
-            <a:endCxn id="17" idx="0"/>
-          </p:cNvCxnSpPr>
-          <p:nvPr/>
-        </p:nvCxnSpPr>
-        <p:spPr>
-          <a:xfrm rot="5400000">
-            <a:off x="13857834" y="2387362"/>
-            <a:ext cx="2258699" cy="4084033"/>
-          </a:xfrm>
-          <a:prstGeom prst="bentConnector3">
-            <a:avLst>
-              <a:gd name="adj1" fmla="val 50096"/>
+              <a:gd name="adj1" fmla="val 50000"/>
             </a:avLst>
           </a:prstGeom>
           <a:ln>
@@ -9318,12 +8974,12 @@
         </p:nvCxnSpPr>
         <p:spPr>
           <a:xfrm rot="5400000">
-            <a:off x="14747416" y="1504151"/>
-            <a:ext cx="2252328" cy="5856827"/>
+            <a:off x="14322799" y="1223285"/>
+            <a:ext cx="1867440" cy="5292600"/>
           </a:xfrm>
           <a:prstGeom prst="bentConnector3">
             <a:avLst>
-              <a:gd name="adj1" fmla="val 49880"/>
+              <a:gd name="adj1" fmla="val 50000"/>
             </a:avLst>
           </a:prstGeom>
           <a:ln>
@@ -9363,12 +9019,12 @@
         </p:nvCxnSpPr>
         <p:spPr>
           <a:xfrm rot="5400000">
-            <a:off x="15857844" y="434701"/>
-            <a:ext cx="2211349" cy="8036704"/>
+            <a:off x="15664256" y="-109654"/>
+            <a:ext cx="1858923" cy="7966994"/>
           </a:xfrm>
           <a:prstGeom prst="bentConnector3">
             <a:avLst>
-              <a:gd name="adj1" fmla="val 48730"/>
+              <a:gd name="adj1" fmla="val 50000"/>
             </a:avLst>
           </a:prstGeom>
           <a:ln>
@@ -9408,12 +9064,12 @@
         </p:nvCxnSpPr>
         <p:spPr>
           <a:xfrm rot="5400000">
-            <a:off x="17141761" y="-849216"/>
-            <a:ext cx="2211349" cy="10604538"/>
+            <a:off x="17208290" y="-1674744"/>
+            <a:ext cx="1879980" cy="11076121"/>
           </a:xfrm>
           <a:prstGeom prst="bentConnector3">
             <a:avLst>
-              <a:gd name="adj1" fmla="val 48615"/>
+              <a:gd name="adj1" fmla="val 50000"/>
             </a:avLst>
           </a:prstGeom>
           <a:ln>
@@ -9453,8 +9109,8 @@
         </p:nvCxnSpPr>
         <p:spPr>
           <a:xfrm rot="16200000" flipH="1">
-            <a:off x="6481127" y="-905311"/>
-            <a:ext cx="2277276" cy="10650802"/>
+            <a:off x="6237646" y="-1569269"/>
+            <a:ext cx="1867433" cy="10877715"/>
           </a:xfrm>
           <a:prstGeom prst="bentConnector3">
             <a:avLst>
@@ -9494,8 +9150,8 @@
         </p:nvSpPr>
         <p:spPr>
           <a:xfrm>
-            <a:off x="6912928" y="15267083"/>
-            <a:ext cx="1566783" cy="1055002"/>
+            <a:off x="6135960" y="17021101"/>
+            <a:ext cx="1905468" cy="1193579"/>
           </a:xfrm>
           <a:prstGeom prst="rect">
             <a:avLst/>
@@ -9589,7 +9245,7 @@
               </a:lnSpc>
             </a:pPr>
             <a:r>
-              <a:rPr lang="en-GB" sz="2200" dirty="0">
+              <a:rPr lang="en-GB" sz="2500" dirty="0">
                 <a:solidFill>
                   <a:srgbClr val="000000"/>
                 </a:solidFill>
@@ -9607,7 +9263,7 @@
               </a:lnSpc>
             </a:pPr>
             <a:r>
-              <a:rPr lang="en-GB" sz="2200" i="1" dirty="0">
+              <a:rPr lang="en-GB" sz="2500" i="1" dirty="0">
                 <a:solidFill>
                   <a:srgbClr val="000000"/>
                 </a:solidFill>
@@ -9618,7 +9274,7 @@
               <a:t>N </a:t>
             </a:r>
             <a:r>
-              <a:rPr lang="en-GB" sz="2200" dirty="0">
+              <a:rPr lang="en-GB" sz="2500" dirty="0">
                 <a:solidFill>
                   <a:srgbClr val="000000"/>
                 </a:solidFill>
@@ -9628,7 +9284,7 @@
               </a:rPr>
               <a:t> = 0</a:t>
             </a:r>
-            <a:endParaRPr lang="en-SG" sz="2200" i="1" dirty="0">
+            <a:endParaRPr lang="en-SG" sz="2500" i="1" dirty="0">
               <a:latin typeface="Arial" panose="020B0604020202020204" pitchFamily="34" charset="0"/>
               <a:ea typeface="Times New Roman" panose="02020603050405020304" pitchFamily="18" charset="0"/>
               <a:cs typeface="Arial" panose="020B0604020202020204" pitchFamily="34" charset="0"/>
@@ -9650,8 +9306,8 @@
         </p:nvSpPr>
         <p:spPr>
           <a:xfrm>
-            <a:off x="16691588" y="17555126"/>
-            <a:ext cx="2832800" cy="1144308"/>
+            <a:off x="16621111" y="19066197"/>
+            <a:ext cx="3434452" cy="1156100"/>
           </a:xfrm>
           <a:prstGeom prst="rect">
             <a:avLst/>
@@ -9745,7 +9401,7 @@
               </a:lnSpc>
             </a:pPr>
             <a:r>
-              <a:rPr lang="en-GB" sz="2200" dirty="0">
+              <a:rPr lang="en-GB" sz="2500" dirty="0">
                 <a:solidFill>
                   <a:srgbClr val="000000"/>
                 </a:solidFill>
@@ -9762,7 +9418,7 @@
               </a:lnSpc>
             </a:pPr>
             <a:r>
-              <a:rPr lang="en-GB" sz="2200" i="1" dirty="0">
+              <a:rPr lang="en-GB" sz="2500" i="1" dirty="0">
                 <a:solidFill>
                   <a:srgbClr val="000000"/>
                 </a:solidFill>
@@ -9773,7 +9429,7 @@
               <a:t>N =</a:t>
             </a:r>
             <a:r>
-              <a:rPr lang="en-GB" sz="2200" dirty="0">
+              <a:rPr lang="en-GB" sz="2500" dirty="0">
                 <a:solidFill>
                   <a:srgbClr val="000000"/>
                 </a:solidFill>
@@ -9783,7 +9439,7 @@
               </a:rPr>
               <a:t> 7</a:t>
             </a:r>
-            <a:endParaRPr lang="en-SG" sz="2200" i="1" dirty="0">
+            <a:endParaRPr lang="en-SG" sz="2500" i="1" dirty="0">
               <a:latin typeface="Arial" panose="020B0604020202020204" pitchFamily="34" charset="0"/>
               <a:ea typeface="Times New Roman" panose="02020603050405020304" pitchFamily="18" charset="0"/>
               <a:cs typeface="Arial" panose="020B0604020202020204" pitchFamily="34" charset="0"/>
@@ -9809,12 +9465,12 @@
         </p:nvCxnSpPr>
         <p:spPr>
           <a:xfrm>
-            <a:off x="14546652" y="13123282"/>
-            <a:ext cx="2144936" cy="5003998"/>
+            <a:off x="14226893" y="14765732"/>
+            <a:ext cx="2394218" cy="4878515"/>
           </a:xfrm>
           <a:prstGeom prst="bentConnector3">
             <a:avLst>
-              <a:gd name="adj1" fmla="val 50000"/>
+              <a:gd name="adj1" fmla="val 48940"/>
             </a:avLst>
           </a:prstGeom>
           <a:ln>
@@ -9850,8 +9506,8 @@
         </p:nvSpPr>
         <p:spPr>
           <a:xfrm>
-            <a:off x="11539676" y="22062526"/>
-            <a:ext cx="2780619" cy="1431807"/>
+            <a:off x="11067924" y="24253729"/>
+            <a:ext cx="3259074" cy="1352664"/>
           </a:xfrm>
           <a:prstGeom prst="rect">
             <a:avLst/>
@@ -9945,7 +9601,7 @@
               </a:lnSpc>
             </a:pPr>
             <a:r>
-              <a:rPr lang="en-GB" sz="2200" dirty="0">
+              <a:rPr lang="en-GB" sz="2500" dirty="0">
                 <a:solidFill>
                   <a:srgbClr val="000000"/>
                 </a:solidFill>
@@ -9955,7 +9611,7 @@
               </a:rPr>
               <a:t>14 effect sizes from 14 independent samples</a:t>
             </a:r>
-            <a:endParaRPr lang="en-SG" sz="2200" i="1" dirty="0">
+            <a:endParaRPr lang="en-SG" sz="2500" i="1" dirty="0">
               <a:latin typeface="Arial" panose="020B0604020202020204" pitchFamily="34" charset="0"/>
               <a:ea typeface="Times New Roman" panose="02020603050405020304" pitchFamily="18" charset="0"/>
               <a:cs typeface="Arial" panose="020B0604020202020204" pitchFamily="34" charset="0"/>
@@ -9981,11 +9637,211 @@
         </p:nvCxnSpPr>
         <p:spPr>
           <a:xfrm>
-            <a:off x="12910779" y="21721717"/>
-            <a:ext cx="19207" cy="340806"/>
+            <a:off x="12684593" y="23426134"/>
+            <a:ext cx="12868" cy="827595"/>
           </a:xfrm>
           <a:prstGeom prst="straightConnector1">
             <a:avLst/>
+          </a:prstGeom>
+          <a:ln>
+            <a:tailEnd type="triangle"/>
+          </a:ln>
+        </p:spPr>
+        <p:style>
+          <a:lnRef idx="1">
+            <a:schemeClr val="dk1"/>
+          </a:lnRef>
+          <a:fillRef idx="0">
+            <a:schemeClr val="dk1"/>
+          </a:fillRef>
+          <a:effectRef idx="0">
+            <a:schemeClr val="dk1"/>
+          </a:effectRef>
+          <a:fontRef idx="minor">
+            <a:schemeClr val="tx1"/>
+          </a:fontRef>
+        </p:style>
+      </p:cxnSp>
+      <p:sp>
+        <p:nvSpPr>
+          <p:cNvPr id="270" name="Rectangle 269">
+            <a:extLst>
+              <a:ext uri="{FF2B5EF4-FFF2-40B4-BE49-F238E27FC236}">
+                <a16:creationId xmlns:a16="http://schemas.microsoft.com/office/drawing/2014/main" id="{1C00A1B7-4A38-804C-678E-F4F7EF491386}"/>
+              </a:ext>
+            </a:extLst>
+          </p:cNvPr>
+          <p:cNvSpPr/>
+          <p:nvPr/>
+        </p:nvSpPr>
+        <p:spPr>
+          <a:xfrm>
+            <a:off x="16621111" y="9027732"/>
+            <a:ext cx="3434452" cy="1156100"/>
+          </a:xfrm>
+          <a:prstGeom prst="rect">
+            <a:avLst/>
+          </a:prstGeom>
+          <a:solidFill>
+            <a:srgbClr val="FFFFFF"/>
+          </a:solidFill>
+          <a:ln w="9525" cap="flat" cmpd="sng">
+            <a:solidFill>
+              <a:srgbClr val="000000"/>
+            </a:solidFill>
+            <a:prstDash val="solid"/>
+            <a:round/>
+            <a:headEnd type="none" w="sm" len="sm"/>
+            <a:tailEnd type="none" w="sm" len="sm"/>
+          </a:ln>
+        </p:spPr>
+        <p:txBody>
+          <a:bodyPr spcFirstLastPara="1" wrap="square" lIns="73138" tIns="73138" rIns="73138" bIns="73138" anchor="ctr" anchorCtr="0">
+            <a:noAutofit/>
+          </a:bodyPr>
+          <a:lstStyle>
+            <a:lvl1pPr marL="0" indent="0">
+              <a:defRPr sz="1100">
+                <a:latin typeface="+mn-lt"/>
+                <a:ea typeface="+mn-ea"/>
+                <a:cs typeface="+mn-cs"/>
+              </a:defRPr>
+            </a:lvl1pPr>
+            <a:lvl2pPr marL="457200" indent="0">
+              <a:defRPr sz="1100">
+                <a:latin typeface="+mn-lt"/>
+                <a:ea typeface="+mn-ea"/>
+                <a:cs typeface="+mn-cs"/>
+              </a:defRPr>
+            </a:lvl2pPr>
+            <a:lvl3pPr marL="914400" indent="0">
+              <a:defRPr sz="1100">
+                <a:latin typeface="+mn-lt"/>
+                <a:ea typeface="+mn-ea"/>
+                <a:cs typeface="+mn-cs"/>
+              </a:defRPr>
+            </a:lvl3pPr>
+            <a:lvl4pPr marL="1371600" indent="0">
+              <a:defRPr sz="1100">
+                <a:latin typeface="+mn-lt"/>
+                <a:ea typeface="+mn-ea"/>
+                <a:cs typeface="+mn-cs"/>
+              </a:defRPr>
+            </a:lvl4pPr>
+            <a:lvl5pPr marL="1828800" indent="0">
+              <a:defRPr sz="1100">
+                <a:latin typeface="+mn-lt"/>
+                <a:ea typeface="+mn-ea"/>
+                <a:cs typeface="+mn-cs"/>
+              </a:defRPr>
+            </a:lvl5pPr>
+            <a:lvl6pPr marL="2286000" indent="0">
+              <a:defRPr sz="1100">
+                <a:latin typeface="+mn-lt"/>
+                <a:ea typeface="+mn-ea"/>
+                <a:cs typeface="+mn-cs"/>
+              </a:defRPr>
+            </a:lvl6pPr>
+            <a:lvl7pPr marL="2743200" indent="0">
+              <a:defRPr sz="1100">
+                <a:latin typeface="+mn-lt"/>
+                <a:ea typeface="+mn-ea"/>
+                <a:cs typeface="+mn-cs"/>
+              </a:defRPr>
+            </a:lvl7pPr>
+            <a:lvl8pPr marL="3200400" indent="0">
+              <a:defRPr sz="1100">
+                <a:latin typeface="+mn-lt"/>
+                <a:ea typeface="+mn-ea"/>
+                <a:cs typeface="+mn-cs"/>
+              </a:defRPr>
+            </a:lvl8pPr>
+            <a:lvl9pPr marL="3657600" indent="0">
+              <a:defRPr sz="1100">
+                <a:latin typeface="+mn-lt"/>
+                <a:ea typeface="+mn-ea"/>
+                <a:cs typeface="+mn-cs"/>
+              </a:defRPr>
+            </a:lvl9pPr>
+          </a:lstStyle>
+          <a:p>
+            <a:pPr algn="ctr">
+              <a:lnSpc>
+                <a:spcPct val="114000"/>
+              </a:lnSpc>
+            </a:pPr>
+            <a:r>
+              <a:rPr lang="en-GB" sz="2500" dirty="0">
+                <a:solidFill>
+                  <a:srgbClr val="000000"/>
+                </a:solidFill>
+                <a:latin typeface="Arial" panose="020B0604020202020204" pitchFamily="34" charset="0"/>
+                <a:cs typeface="Arial" panose="020B0604020202020204" pitchFamily="34" charset="0"/>
+              </a:rPr>
+              <a:t>No human participants</a:t>
+            </a:r>
+          </a:p>
+          <a:p>
+            <a:pPr algn="ctr">
+              <a:lnSpc>
+                <a:spcPct val="114000"/>
+              </a:lnSpc>
+            </a:pPr>
+            <a:r>
+              <a:rPr lang="en-GB" sz="2500" i="1" dirty="0">
+                <a:solidFill>
+                  <a:srgbClr val="000000"/>
+                </a:solidFill>
+                <a:latin typeface="Arial" panose="020B0604020202020204" pitchFamily="34" charset="0"/>
+                <a:ea typeface="Times New Roman" panose="02020603050405020304" pitchFamily="18" charset="0"/>
+                <a:cs typeface="Arial" panose="020B0604020202020204" pitchFamily="34" charset="0"/>
+              </a:rPr>
+              <a:t>N =</a:t>
+            </a:r>
+            <a:r>
+              <a:rPr lang="en-GB" sz="2500" dirty="0">
+                <a:solidFill>
+                  <a:srgbClr val="000000"/>
+                </a:solidFill>
+                <a:latin typeface="Arial" panose="020B0604020202020204" pitchFamily="34" charset="0"/>
+                <a:ea typeface="Times New Roman" panose="02020603050405020304" pitchFamily="18" charset="0"/>
+                <a:cs typeface="Arial" panose="020B0604020202020204" pitchFamily="34" charset="0"/>
+              </a:rPr>
+              <a:t> 5</a:t>
+            </a:r>
+            <a:endParaRPr lang="en-SG" sz="2500" i="1" dirty="0">
+              <a:latin typeface="Arial" panose="020B0604020202020204" pitchFamily="34" charset="0"/>
+              <a:ea typeface="Times New Roman" panose="02020603050405020304" pitchFamily="18" charset="0"/>
+              <a:cs typeface="Arial" panose="020B0604020202020204" pitchFamily="34" charset="0"/>
+            </a:endParaRPr>
+          </a:p>
+        </p:txBody>
+      </p:sp>
+      <p:cxnSp>
+        <p:nvCxnSpPr>
+          <p:cNvPr id="271" name="Elbow Connector 270">
+            <a:extLst>
+              <a:ext uri="{FF2B5EF4-FFF2-40B4-BE49-F238E27FC236}">
+                <a16:creationId xmlns:a16="http://schemas.microsoft.com/office/drawing/2014/main" id="{DDE91579-00DC-FA5B-C8A8-6B91AB6845ED}"/>
+              </a:ext>
+            </a:extLst>
+          </p:cNvPr>
+          <p:cNvCxnSpPr>
+            <a:cxnSpLocks/>
+            <a:stCxn id="18" idx="3"/>
+            <a:endCxn id="270" idx="1"/>
+          </p:cNvCxnSpPr>
+          <p:nvPr/>
+        </p:nvCxnSpPr>
+        <p:spPr>
+          <a:xfrm>
+            <a:off x="14233240" y="7551962"/>
+            <a:ext cx="2387871" cy="2053820"/>
+          </a:xfrm>
+          <a:prstGeom prst="bentConnector3">
+            <a:avLst>
+              <a:gd name="adj1" fmla="val 50000"/>
+            </a:avLst>
           </a:prstGeom>
           <a:ln>
             <a:tailEnd type="triangle"/>
